--- a/presentation/Transformer_Udemy/Udemy_P6_Building LLM web applications.pptx
+++ b/presentation/Transformer_Udemy/Udemy_P6_Building LLM web applications.pptx
@@ -5,7 +5,7 @@
     <p:sldMasterId id="2147483648" r:id="rId1"/>
   </p:sldMasterIdLst>
   <p:notesMasterIdLst>
-    <p:notesMasterId r:id="rId67"/>
+    <p:notesMasterId r:id="rId71"/>
   </p:notesMasterIdLst>
   <p:sldIdLst>
     <p:sldId id="710" r:id="rId2"/>
@@ -19,60 +19,64 @@
     <p:sldId id="564" r:id="rId10"/>
     <p:sldId id="576" r:id="rId11"/>
     <p:sldId id="579" r:id="rId12"/>
-    <p:sldId id="610" r:id="rId13"/>
-    <p:sldId id="581" r:id="rId14"/>
-    <p:sldId id="577" r:id="rId15"/>
-    <p:sldId id="580" r:id="rId16"/>
-    <p:sldId id="585" r:id="rId17"/>
-    <p:sldId id="586" r:id="rId18"/>
-    <p:sldId id="611" r:id="rId19"/>
-    <p:sldId id="587" r:id="rId20"/>
-    <p:sldId id="588" r:id="rId21"/>
-    <p:sldId id="617" r:id="rId22"/>
-    <p:sldId id="632" r:id="rId23"/>
-    <p:sldId id="634" r:id="rId24"/>
-    <p:sldId id="635" r:id="rId25"/>
-    <p:sldId id="615" r:id="rId26"/>
-    <p:sldId id="636" r:id="rId27"/>
-    <p:sldId id="630" r:id="rId28"/>
-    <p:sldId id="616" r:id="rId29"/>
-    <p:sldId id="631" r:id="rId30"/>
-    <p:sldId id="618" r:id="rId31"/>
-    <p:sldId id="633" r:id="rId32"/>
-    <p:sldId id="612" r:id="rId33"/>
-    <p:sldId id="620" r:id="rId34"/>
-    <p:sldId id="563" r:id="rId35"/>
-    <p:sldId id="566" r:id="rId36"/>
-    <p:sldId id="582" r:id="rId37"/>
-    <p:sldId id="589" r:id="rId38"/>
-    <p:sldId id="583" r:id="rId39"/>
-    <p:sldId id="590" r:id="rId40"/>
-    <p:sldId id="613" r:id="rId41"/>
-    <p:sldId id="597" r:id="rId42"/>
-    <p:sldId id="619" r:id="rId43"/>
-    <p:sldId id="622" r:id="rId44"/>
-    <p:sldId id="621" r:id="rId45"/>
-    <p:sldId id="593" r:id="rId46"/>
-    <p:sldId id="592" r:id="rId47"/>
-    <p:sldId id="596" r:id="rId48"/>
-    <p:sldId id="595" r:id="rId49"/>
-    <p:sldId id="594" r:id="rId50"/>
-    <p:sldId id="624" r:id="rId51"/>
-    <p:sldId id="623" r:id="rId52"/>
-    <p:sldId id="599" r:id="rId53"/>
-    <p:sldId id="562" r:id="rId54"/>
-    <p:sldId id="627" r:id="rId55"/>
-    <p:sldId id="600" r:id="rId56"/>
-    <p:sldId id="601" r:id="rId57"/>
-    <p:sldId id="602" r:id="rId58"/>
-    <p:sldId id="603" r:id="rId59"/>
-    <p:sldId id="604" r:id="rId60"/>
-    <p:sldId id="605" r:id="rId61"/>
-    <p:sldId id="628" r:id="rId62"/>
-    <p:sldId id="606" r:id="rId63"/>
-    <p:sldId id="608" r:id="rId64"/>
-    <p:sldId id="607" r:id="rId65"/>
-    <p:sldId id="407" r:id="rId66"/>
+    <p:sldId id="711" r:id="rId13"/>
+    <p:sldId id="610" r:id="rId14"/>
+    <p:sldId id="581" r:id="rId15"/>
+    <p:sldId id="577" r:id="rId16"/>
+    <p:sldId id="580" r:id="rId17"/>
+    <p:sldId id="585" r:id="rId18"/>
+    <p:sldId id="586" r:id="rId19"/>
+    <p:sldId id="712" r:id="rId20"/>
+    <p:sldId id="611" r:id="rId21"/>
+    <p:sldId id="587" r:id="rId22"/>
+    <p:sldId id="588" r:id="rId23"/>
+    <p:sldId id="713" r:id="rId24"/>
+    <p:sldId id="617" r:id="rId25"/>
+    <p:sldId id="632" r:id="rId26"/>
+    <p:sldId id="634" r:id="rId27"/>
+    <p:sldId id="635" r:id="rId28"/>
+    <p:sldId id="715" r:id="rId29"/>
+    <p:sldId id="615" r:id="rId30"/>
+    <p:sldId id="636" r:id="rId31"/>
+    <p:sldId id="630" r:id="rId32"/>
+    <p:sldId id="616" r:id="rId33"/>
+    <p:sldId id="631" r:id="rId34"/>
+    <p:sldId id="618" r:id="rId35"/>
+    <p:sldId id="633" r:id="rId36"/>
+    <p:sldId id="612" r:id="rId37"/>
+    <p:sldId id="620" r:id="rId38"/>
+    <p:sldId id="563" r:id="rId39"/>
+    <p:sldId id="566" r:id="rId40"/>
+    <p:sldId id="582" r:id="rId41"/>
+    <p:sldId id="589" r:id="rId42"/>
+    <p:sldId id="583" r:id="rId43"/>
+    <p:sldId id="590" r:id="rId44"/>
+    <p:sldId id="613" r:id="rId45"/>
+    <p:sldId id="716" r:id="rId46"/>
+    <p:sldId id="619" r:id="rId47"/>
+    <p:sldId id="622" r:id="rId48"/>
+    <p:sldId id="621" r:id="rId49"/>
+    <p:sldId id="593" r:id="rId50"/>
+    <p:sldId id="592" r:id="rId51"/>
+    <p:sldId id="596" r:id="rId52"/>
+    <p:sldId id="595" r:id="rId53"/>
+    <p:sldId id="594" r:id="rId54"/>
+    <p:sldId id="624" r:id="rId55"/>
+    <p:sldId id="623" r:id="rId56"/>
+    <p:sldId id="599" r:id="rId57"/>
+    <p:sldId id="562" r:id="rId58"/>
+    <p:sldId id="627" r:id="rId59"/>
+    <p:sldId id="600" r:id="rId60"/>
+    <p:sldId id="601" r:id="rId61"/>
+    <p:sldId id="602" r:id="rId62"/>
+    <p:sldId id="603" r:id="rId63"/>
+    <p:sldId id="604" r:id="rId64"/>
+    <p:sldId id="605" r:id="rId65"/>
+    <p:sldId id="628" r:id="rId66"/>
+    <p:sldId id="606" r:id="rId67"/>
+    <p:sldId id="608" r:id="rId68"/>
+    <p:sldId id="607" r:id="rId69"/>
+    <p:sldId id="407" r:id="rId70"/>
   </p:sldIdLst>
   <p:sldSz cx="12192000" cy="6858000"/>
   <p:notesSz cx="6858000" cy="9144000"/>
@@ -261,7 +265,7 @@
           <a:p>
             <a:fld id="{83E62246-8680-4D4D-A3BD-0C5BFD468F61}" type="datetimeFigureOut">
               <a:rPr lang="en-US" smtClean="0"/>
-              <a:t>6/25/2024</a:t>
+              <a:t>6/28/2024</a:t>
             </a:fld>
             <a:endParaRPr lang="en-US"/>
           </a:p>
@@ -677,7 +681,7 @@
           <a:p>
             <a:fld id="{DE15CBC1-10D1-4E1D-B7D3-1A6D6027583C}" type="datetimeFigureOut">
               <a:rPr lang="en-US" smtClean="0"/>
-              <a:t>6/25/2024</a:t>
+              <a:t>6/28/2024</a:t>
             </a:fld>
             <a:endParaRPr lang="en-US"/>
           </a:p>
@@ -875,7 +879,7 @@
           <a:p>
             <a:fld id="{DE15CBC1-10D1-4E1D-B7D3-1A6D6027583C}" type="datetimeFigureOut">
               <a:rPr lang="en-US" smtClean="0"/>
-              <a:t>6/25/2024</a:t>
+              <a:t>6/28/2024</a:t>
             </a:fld>
             <a:endParaRPr lang="en-US"/>
           </a:p>
@@ -1083,7 +1087,7 @@
           <a:p>
             <a:fld id="{DE15CBC1-10D1-4E1D-B7D3-1A6D6027583C}" type="datetimeFigureOut">
               <a:rPr lang="en-US" smtClean="0"/>
-              <a:t>6/25/2024</a:t>
+              <a:t>6/28/2024</a:t>
             </a:fld>
             <a:endParaRPr lang="en-US"/>
           </a:p>
@@ -1283,7 +1287,7 @@
           <a:p>
             <a:fld id="{DE15CBC1-10D1-4E1D-B7D3-1A6D6027583C}" type="datetimeFigureOut">
               <a:rPr lang="en-US" smtClean="0"/>
-              <a:t>6/25/2024</a:t>
+              <a:t>6/28/2024</a:t>
             </a:fld>
             <a:endParaRPr lang="en-US"/>
           </a:p>
@@ -1559,7 +1563,7 @@
           <a:p>
             <a:fld id="{DE15CBC1-10D1-4E1D-B7D3-1A6D6027583C}" type="datetimeFigureOut">
               <a:rPr lang="en-US" smtClean="0"/>
-              <a:t>6/25/2024</a:t>
+              <a:t>6/28/2024</a:t>
             </a:fld>
             <a:endParaRPr lang="en-US"/>
           </a:p>
@@ -1824,7 +1828,7 @@
           <a:p>
             <a:fld id="{DE15CBC1-10D1-4E1D-B7D3-1A6D6027583C}" type="datetimeFigureOut">
               <a:rPr lang="en-US" smtClean="0"/>
-              <a:t>6/25/2024</a:t>
+              <a:t>6/28/2024</a:t>
             </a:fld>
             <a:endParaRPr lang="en-US"/>
           </a:p>
@@ -2236,7 +2240,7 @@
           <a:p>
             <a:fld id="{DE15CBC1-10D1-4E1D-B7D3-1A6D6027583C}" type="datetimeFigureOut">
               <a:rPr lang="en-US" smtClean="0"/>
-              <a:t>6/25/2024</a:t>
+              <a:t>6/28/2024</a:t>
             </a:fld>
             <a:endParaRPr lang="en-US"/>
           </a:p>
@@ -2377,7 +2381,7 @@
           <a:p>
             <a:fld id="{DE15CBC1-10D1-4E1D-B7D3-1A6D6027583C}" type="datetimeFigureOut">
               <a:rPr lang="en-US" smtClean="0"/>
-              <a:t>6/25/2024</a:t>
+              <a:t>6/28/2024</a:t>
             </a:fld>
             <a:endParaRPr lang="en-US"/>
           </a:p>
@@ -2490,7 +2494,7 @@
           <a:p>
             <a:fld id="{DE15CBC1-10D1-4E1D-B7D3-1A6D6027583C}" type="datetimeFigureOut">
               <a:rPr lang="en-US" smtClean="0"/>
-              <a:t>6/25/2024</a:t>
+              <a:t>6/28/2024</a:t>
             </a:fld>
             <a:endParaRPr lang="en-US"/>
           </a:p>
@@ -2801,7 +2805,7 @@
           <a:p>
             <a:fld id="{DE15CBC1-10D1-4E1D-B7D3-1A6D6027583C}" type="datetimeFigureOut">
               <a:rPr lang="en-US" smtClean="0"/>
-              <a:t>6/25/2024</a:t>
+              <a:t>6/28/2024</a:t>
             </a:fld>
             <a:endParaRPr lang="en-US"/>
           </a:p>
@@ -3092,7 +3096,7 @@
           <a:p>
             <a:fld id="{DE15CBC1-10D1-4E1D-B7D3-1A6D6027583C}" type="datetimeFigureOut">
               <a:rPr lang="en-US" smtClean="0"/>
-              <a:t>6/25/2024</a:t>
+              <a:t>6/28/2024</a:t>
             </a:fld>
             <a:endParaRPr lang="en-US"/>
           </a:p>
@@ -3334,7 +3338,7 @@
             <a:fld id="{DE15CBC1-10D1-4E1D-B7D3-1A6D6027583C}" type="datetimeFigureOut">
               <a:rPr lang="en-US" smtClean="0"/>
               <a:pPr/>
-              <a:t>6/25/2024</a:t>
+              <a:t>6/28/2024</a:t>
             </a:fld>
             <a:endParaRPr lang="en-US"/>
           </a:p>
@@ -5651,6 +5655,111 @@
           <p:cNvPr id="2" name="Title 1">
             <a:extLst>
               <a:ext uri="{FF2B5EF4-FFF2-40B4-BE49-F238E27FC236}">
+                <a16:creationId xmlns:a16="http://schemas.microsoft.com/office/drawing/2014/main" id="{7414DF79-321D-8E4D-165F-29F54B5ABDE6}"/>
+              </a:ext>
+            </a:extLst>
+          </p:cNvPr>
+          <p:cNvSpPr>
+            <a:spLocks noGrp="1"/>
+          </p:cNvSpPr>
+          <p:nvPr>
+            <p:ph type="title"/>
+          </p:nvPr>
+        </p:nvSpPr>
+        <p:spPr/>
+        <p:txBody>
+          <a:bodyPr/>
+          <a:lstStyle/>
+          <a:p>
+            <a:r>
+              <a:rPr lang="en-US" dirty="0"/>
+              <a:t>What we have learned</a:t>
+            </a:r>
+          </a:p>
+        </p:txBody>
+      </p:sp>
+      <p:sp>
+        <p:nvSpPr>
+          <p:cNvPr id="3" name="Content Placeholder 2">
+            <a:extLst>
+              <a:ext uri="{FF2B5EF4-FFF2-40B4-BE49-F238E27FC236}">
+                <a16:creationId xmlns:a16="http://schemas.microsoft.com/office/drawing/2014/main" id="{D877318C-CE38-AC20-6E03-23DA4AF7D499}"/>
+              </a:ext>
+            </a:extLst>
+          </p:cNvPr>
+          <p:cNvSpPr>
+            <a:spLocks noGrp="1"/>
+          </p:cNvSpPr>
+          <p:nvPr>
+            <p:ph idx="1"/>
+          </p:nvPr>
+        </p:nvSpPr>
+        <p:spPr/>
+        <p:txBody>
+          <a:bodyPr/>
+          <a:lstStyle/>
+          <a:p>
+            <a:r>
+              <a:rPr lang="en-US" dirty="0"/>
+              <a:t> This app allows us to</a:t>
+            </a:r>
+          </a:p>
+          <a:p>
+            <a:pPr lvl="1"/>
+            <a:r>
+              <a:rPr lang="en-US" dirty="0"/>
+              <a:t> Parameterizing efficiently prompt based on interactive user-input interface </a:t>
+            </a:r>
+          </a:p>
+          <a:p>
+            <a:pPr lvl="1"/>
+            <a:r>
+              <a:rPr lang="en-US" dirty="0"/>
+              <a:t> Combine parameterized prompt with search tool like </a:t>
+            </a:r>
+            <a:r>
+              <a:rPr lang="en-US" dirty="0" err="1"/>
+              <a:t>wikipedia</a:t>
+            </a:r>
+            <a:endParaRPr lang="en-US" dirty="0"/>
+          </a:p>
+        </p:txBody>
+      </p:sp>
+    </p:spTree>
+    <p:extLst>
+      <p:ext uri="{BB962C8B-B14F-4D97-AF65-F5344CB8AC3E}">
+        <p14:creationId xmlns:p14="http://schemas.microsoft.com/office/powerpoint/2010/main" val="2126018289"/>
+      </p:ext>
+    </p:extLst>
+  </p:cSld>
+  <p:clrMapOvr>
+    <a:masterClrMapping/>
+  </p:clrMapOvr>
+</p:sld>
+</file>
+
+<file path=ppt/slides/slide13.xml><?xml version="1.0" encoding="utf-8"?>
+<p:sld xmlns:a="http://schemas.openxmlformats.org/drawingml/2006/main" xmlns:r="http://schemas.openxmlformats.org/officeDocument/2006/relationships" xmlns:p="http://schemas.openxmlformats.org/presentationml/2006/main">
+  <p:cSld>
+    <p:spTree>
+      <p:nvGrpSpPr>
+        <p:cNvPr id="1" name=""/>
+        <p:cNvGrpSpPr/>
+        <p:nvPr/>
+      </p:nvGrpSpPr>
+      <p:grpSpPr>
+        <a:xfrm>
+          <a:off x="0" y="0"/>
+          <a:ext cx="0" cy="0"/>
+          <a:chOff x="0" y="0"/>
+          <a:chExt cx="0" cy="0"/>
+        </a:xfrm>
+      </p:grpSpPr>
+      <p:sp>
+        <p:nvSpPr>
+          <p:cNvPr id="2" name="Title 1">
+            <a:extLst>
+              <a:ext uri="{FF2B5EF4-FFF2-40B4-BE49-F238E27FC236}">
                 <a16:creationId xmlns:a16="http://schemas.microsoft.com/office/drawing/2014/main" id="{23A33FCC-F5BB-E720-E2A1-EF6117C06EB3}"/>
               </a:ext>
             </a:extLst>
@@ -5712,7 +5821,7 @@
 </p:sld>
 </file>
 
-<file path=ppt/slides/slide13.xml><?xml version="1.0" encoding="utf-8"?>
+<file path=ppt/slides/slide14.xml><?xml version="1.0" encoding="utf-8"?>
 <p:sld xmlns:a="http://schemas.openxmlformats.org/drawingml/2006/main" xmlns:r="http://schemas.openxmlformats.org/officeDocument/2006/relationships" xmlns:p="http://schemas.openxmlformats.org/presentationml/2006/main">
   <p:cSld>
     <p:spTree>
@@ -5800,7 +5909,7 @@
 </p:sld>
 </file>
 
-<file path=ppt/slides/slide14.xml><?xml version="1.0" encoding="utf-8"?>
+<file path=ppt/slides/slide15.xml><?xml version="1.0" encoding="utf-8"?>
 <p:sld xmlns:a="http://schemas.openxmlformats.org/drawingml/2006/main" xmlns:r="http://schemas.openxmlformats.org/officeDocument/2006/relationships" xmlns:p="http://schemas.openxmlformats.org/presentationml/2006/main">
   <p:cSld>
     <p:spTree>
@@ -5840,7 +5949,7 @@
           <a:p>
             <a:r>
               <a:rPr lang="en-US" dirty="0"/>
-              <a:t>First request in one way</a:t>
+              <a:t>First request</a:t>
             </a:r>
           </a:p>
         </p:txBody>
@@ -6416,7 +6525,7 @@
 </p:sld>
 </file>
 
-<file path=ppt/slides/slide15.xml><?xml version="1.0" encoding="utf-8"?>
+<file path=ppt/slides/slide16.xml><?xml version="1.0" encoding="utf-8"?>
 <p:sld xmlns:a="http://schemas.openxmlformats.org/drawingml/2006/main" xmlns:r="http://schemas.openxmlformats.org/officeDocument/2006/relationships" xmlns:p="http://schemas.openxmlformats.org/presentationml/2006/main">
   <p:cSld>
     <p:spTree>
@@ -6456,7 +6565,7 @@
           <a:p>
             <a:r>
               <a:rPr lang="en-US" dirty="0"/>
-              <a:t>Second request in another way</a:t>
+              <a:t>Second request</a:t>
             </a:r>
           </a:p>
         </p:txBody>
@@ -6906,7 +7015,7 @@
 </p:sld>
 </file>
 
-<file path=ppt/slides/slide16.xml><?xml version="1.0" encoding="utf-8"?>
+<file path=ppt/slides/slide17.xml><?xml version="1.0" encoding="utf-8"?>
 <p:sld xmlns:a="http://schemas.openxmlformats.org/drawingml/2006/main" xmlns:r="http://schemas.openxmlformats.org/officeDocument/2006/relationships" xmlns:p="http://schemas.openxmlformats.org/presentationml/2006/main">
   <p:cSld>
     <p:spTree>
@@ -7340,449 +7449,6 @@
     <p:extLst>
       <p:ext uri="{BB962C8B-B14F-4D97-AF65-F5344CB8AC3E}">
         <p14:creationId xmlns:p14="http://schemas.microsoft.com/office/powerpoint/2010/main" val="2799743744"/>
-      </p:ext>
-    </p:extLst>
-  </p:cSld>
-  <p:clrMapOvr>
-    <a:masterClrMapping/>
-  </p:clrMapOvr>
-</p:sld>
-</file>
-
-<file path=ppt/slides/slide17.xml><?xml version="1.0" encoding="utf-8"?>
-<p:sld xmlns:a="http://schemas.openxmlformats.org/drawingml/2006/main" xmlns:r="http://schemas.openxmlformats.org/officeDocument/2006/relationships" xmlns:p="http://schemas.openxmlformats.org/presentationml/2006/main">
-  <p:cSld>
-    <p:spTree>
-      <p:nvGrpSpPr>
-        <p:cNvPr id="1" name=""/>
-        <p:cNvGrpSpPr/>
-        <p:nvPr/>
-      </p:nvGrpSpPr>
-      <p:grpSpPr>
-        <a:xfrm>
-          <a:off x="0" y="0"/>
-          <a:ext cx="0" cy="0"/>
-          <a:chOff x="0" y="0"/>
-          <a:chExt cx="0" cy="0"/>
-        </a:xfrm>
-      </p:grpSpPr>
-      <p:sp>
-        <p:nvSpPr>
-          <p:cNvPr id="2" name="Title 1">
-            <a:extLst>
-              <a:ext uri="{FF2B5EF4-FFF2-40B4-BE49-F238E27FC236}">
-                <a16:creationId xmlns:a16="http://schemas.microsoft.com/office/drawing/2014/main" id="{D1EF2CDD-F9F8-9ED2-2224-CEC2B8242FF0}"/>
-              </a:ext>
-            </a:extLst>
-          </p:cNvPr>
-          <p:cNvSpPr>
-            <a:spLocks noGrp="1"/>
-          </p:cNvSpPr>
-          <p:nvPr>
-            <p:ph type="title"/>
-          </p:nvPr>
-        </p:nvSpPr>
-        <p:spPr/>
-        <p:txBody>
-          <a:bodyPr/>
-          <a:lstStyle/>
-          <a:p>
-            <a:r>
-              <a:rPr lang="en-US" dirty="0"/>
-              <a:t>All-in-one prompt</a:t>
-            </a:r>
-          </a:p>
-        </p:txBody>
-      </p:sp>
-      <p:pic>
-        <p:nvPicPr>
-          <p:cNvPr id="5" name="Picture 4">
-            <a:extLst>
-              <a:ext uri="{FF2B5EF4-FFF2-40B4-BE49-F238E27FC236}">
-                <a16:creationId xmlns:a16="http://schemas.microsoft.com/office/drawing/2014/main" id="{F4497040-B1AD-9D5F-D06E-FD53561096E7}"/>
-              </a:ext>
-            </a:extLst>
-          </p:cNvPr>
-          <p:cNvPicPr>
-            <a:picLocks noChangeAspect="1"/>
-          </p:cNvPicPr>
-          <p:nvPr/>
-        </p:nvPicPr>
-        <p:blipFill>
-          <a:blip r:embed="rId2"/>
-          <a:stretch>
-            <a:fillRect/>
-          </a:stretch>
-        </p:blipFill>
-        <p:spPr>
-          <a:xfrm>
-            <a:off x="168131" y="1921164"/>
-            <a:ext cx="5708527" cy="3029491"/>
-          </a:xfrm>
-          <a:prstGeom prst="rect">
-            <a:avLst/>
-          </a:prstGeom>
-        </p:spPr>
-      </p:pic>
-      <p:sp>
-        <p:nvSpPr>
-          <p:cNvPr id="6" name="TextBox 5">
-            <a:extLst>
-              <a:ext uri="{FF2B5EF4-FFF2-40B4-BE49-F238E27FC236}">
-                <a16:creationId xmlns:a16="http://schemas.microsoft.com/office/drawing/2014/main" id="{EAD9CC98-7C84-42A0-F2F8-345D5DEAF786}"/>
-              </a:ext>
-            </a:extLst>
-          </p:cNvPr>
-          <p:cNvSpPr txBox="1"/>
-          <p:nvPr/>
-        </p:nvSpPr>
-        <p:spPr>
-          <a:xfrm>
-            <a:off x="6315343" y="1921164"/>
-            <a:ext cx="5708526" cy="3693319"/>
-          </a:xfrm>
-          <a:prstGeom prst="rect">
-            <a:avLst/>
-          </a:prstGeom>
-          <a:solidFill>
-            <a:schemeClr val="tx1"/>
-          </a:solidFill>
-        </p:spPr>
-        <p:txBody>
-          <a:bodyPr wrap="square" rtlCol="0">
-            <a:spAutoFit/>
-          </a:bodyPr>
-          <a:lstStyle/>
-          <a:p>
-            <a:r>
-              <a:rPr lang="en-US" b="0" dirty="0" err="1">
-                <a:solidFill>
-                  <a:srgbClr val="FFFFFF"/>
-                </a:solidFill>
-                <a:effectLst/>
-                <a:latin typeface="Consolas" panose="020B0609020204030204" pitchFamily="49" charset="0"/>
-              </a:rPr>
-              <a:t>request_marketing</a:t>
-            </a:r>
-            <a:r>
-              <a:rPr lang="en-US" b="0" dirty="0">
-                <a:solidFill>
-                  <a:srgbClr val="FFFFFF"/>
-                </a:solidFill>
-                <a:effectLst/>
-                <a:latin typeface="Consolas" panose="020B0609020204030204" pitchFamily="49" charset="0"/>
-              </a:rPr>
-              <a:t> </a:t>
-            </a:r>
-            <a:r>
-              <a:rPr lang="en-US" b="0" dirty="0">
-                <a:solidFill>
-                  <a:srgbClr val="FF9D00"/>
-                </a:solidFill>
-                <a:effectLst/>
-                <a:latin typeface="Consolas" panose="020B0609020204030204" pitchFamily="49" charset="0"/>
-              </a:rPr>
-              <a:t>=</a:t>
-            </a:r>
-            <a:r>
-              <a:rPr lang="en-US" b="0" dirty="0">
-                <a:solidFill>
-                  <a:srgbClr val="FFFFFF"/>
-                </a:solidFill>
-                <a:effectLst/>
-                <a:latin typeface="Consolas" panose="020B0609020204030204" pitchFamily="49" charset="0"/>
-              </a:rPr>
-              <a:t> </a:t>
-            </a:r>
-            <a:r>
-              <a:rPr lang="en-US" b="0" dirty="0">
-                <a:solidFill>
-                  <a:srgbClr val="FFC600"/>
-                </a:solidFill>
-                <a:effectLst/>
-                <a:latin typeface="Consolas" panose="020B0609020204030204" pitchFamily="49" charset="0"/>
-              </a:rPr>
-              <a:t>f</a:t>
-            </a:r>
-            <a:r>
-              <a:rPr lang="en-US" b="0" dirty="0">
-                <a:solidFill>
-                  <a:srgbClr val="A5FF90"/>
-                </a:solidFill>
-                <a:effectLst/>
-                <a:latin typeface="Consolas" panose="020B0609020204030204" pitchFamily="49" charset="0"/>
-              </a:rPr>
-              <a:t>"""</a:t>
-            </a:r>
-            <a:endParaRPr lang="en-US" b="0" dirty="0">
-              <a:solidFill>
-                <a:srgbClr val="FFFFFF"/>
-              </a:solidFill>
-              <a:effectLst/>
-              <a:latin typeface="Consolas" panose="020B0609020204030204" pitchFamily="49" charset="0"/>
-            </a:endParaRPr>
-          </a:p>
-          <a:p>
-            <a:r>
-              <a:rPr lang="en-US" b="0" dirty="0">
-                <a:solidFill>
-                  <a:srgbClr val="A5FF90"/>
-                </a:solidFill>
-                <a:effectLst/>
-                <a:latin typeface="Consolas" panose="020B0609020204030204" pitchFamily="49" charset="0"/>
-              </a:rPr>
-              <a:t>Write two marketing messages describing the product that is </a:t>
-            </a:r>
-            <a:r>
-              <a:rPr lang="en-US" b="0" dirty="0">
-                <a:solidFill>
-                  <a:srgbClr val="FF628C"/>
-                </a:solidFill>
-                <a:effectLst/>
-                <a:latin typeface="Consolas" panose="020B0609020204030204" pitchFamily="49" charset="0"/>
-              </a:rPr>
-              <a:t>{</a:t>
-            </a:r>
-            <a:r>
-              <a:rPr lang="en-US" b="0" dirty="0">
-                <a:solidFill>
-                  <a:srgbClr val="E1EFFF"/>
-                </a:solidFill>
-                <a:effectLst/>
-                <a:latin typeface="Consolas" panose="020B0609020204030204" pitchFamily="49" charset="0"/>
-              </a:rPr>
-              <a:t>product</a:t>
-            </a:r>
-            <a:r>
-              <a:rPr lang="en-US" b="0" dirty="0">
-                <a:solidFill>
-                  <a:srgbClr val="FF628C"/>
-                </a:solidFill>
-                <a:effectLst/>
-                <a:latin typeface="Consolas" panose="020B0609020204030204" pitchFamily="49" charset="0"/>
-              </a:rPr>
-              <a:t>}</a:t>
-            </a:r>
-            <a:r>
-              <a:rPr lang="en-US" b="0" dirty="0">
-                <a:solidFill>
-                  <a:srgbClr val="A5FF90"/>
-                </a:solidFill>
-                <a:effectLst/>
-                <a:latin typeface="Consolas" panose="020B0609020204030204" pitchFamily="49" charset="0"/>
-              </a:rPr>
-              <a:t>, that has the features </a:t>
-            </a:r>
-            <a:r>
-              <a:rPr lang="en-US" b="0" dirty="0">
-                <a:solidFill>
-                  <a:srgbClr val="FF628C"/>
-                </a:solidFill>
-                <a:effectLst/>
-                <a:latin typeface="Consolas" panose="020B0609020204030204" pitchFamily="49" charset="0"/>
-              </a:rPr>
-              <a:t>{</a:t>
-            </a:r>
-            <a:r>
-              <a:rPr lang="en-US" b="0" dirty="0">
-                <a:solidFill>
-                  <a:srgbClr val="E1EFFF"/>
-                </a:solidFill>
-                <a:effectLst/>
-                <a:latin typeface="Consolas" panose="020B0609020204030204" pitchFamily="49" charset="0"/>
-              </a:rPr>
-              <a:t>features</a:t>
-            </a:r>
-            <a:r>
-              <a:rPr lang="en-US" b="0" dirty="0">
-                <a:solidFill>
-                  <a:srgbClr val="FF628C"/>
-                </a:solidFill>
-                <a:effectLst/>
-                <a:latin typeface="Consolas" panose="020B0609020204030204" pitchFamily="49" charset="0"/>
-              </a:rPr>
-              <a:t>}</a:t>
-            </a:r>
-            <a:r>
-              <a:rPr lang="en-US" b="0" dirty="0">
-                <a:solidFill>
-                  <a:srgbClr val="A5FF90"/>
-                </a:solidFill>
-                <a:effectLst/>
-                <a:latin typeface="Consolas" panose="020B0609020204030204" pitchFamily="49" charset="0"/>
-              </a:rPr>
-              <a:t>. </a:t>
-            </a:r>
-            <a:endParaRPr lang="en-US" b="0" dirty="0">
-              <a:solidFill>
-                <a:srgbClr val="FFFFFF"/>
-              </a:solidFill>
-              <a:effectLst/>
-              <a:latin typeface="Consolas" panose="020B0609020204030204" pitchFamily="49" charset="0"/>
-            </a:endParaRPr>
-          </a:p>
-          <a:p>
-            <a:r>
-              <a:rPr lang="en-US" b="0" dirty="0">
-                <a:solidFill>
-                  <a:srgbClr val="A5FF90"/>
-                </a:solidFill>
-                <a:effectLst/>
-                <a:latin typeface="Consolas" panose="020B0609020204030204" pitchFamily="49" charset="0"/>
-              </a:rPr>
-              <a:t>The message is targeting towards </a:t>
-            </a:r>
-            <a:r>
-              <a:rPr lang="en-US" b="0" dirty="0">
-                <a:solidFill>
-                  <a:srgbClr val="FF628C"/>
-                </a:solidFill>
-                <a:effectLst/>
-                <a:latin typeface="Consolas" panose="020B0609020204030204" pitchFamily="49" charset="0"/>
-              </a:rPr>
-              <a:t>{</a:t>
-            </a:r>
-            <a:r>
-              <a:rPr lang="en-US" b="0" dirty="0" err="1">
-                <a:solidFill>
-                  <a:srgbClr val="E1EFFF"/>
-                </a:solidFill>
-                <a:effectLst/>
-                <a:latin typeface="Consolas" panose="020B0609020204030204" pitchFamily="49" charset="0"/>
-              </a:rPr>
-              <a:t>target_clients</a:t>
-            </a:r>
-            <a:r>
-              <a:rPr lang="en-US" b="0" dirty="0">
-                <a:solidFill>
-                  <a:srgbClr val="FF628C"/>
-                </a:solidFill>
-                <a:effectLst/>
-                <a:latin typeface="Consolas" panose="020B0609020204030204" pitchFamily="49" charset="0"/>
-              </a:rPr>
-              <a:t>}</a:t>
-            </a:r>
-            <a:r>
-              <a:rPr lang="en-US" b="0" dirty="0">
-                <a:solidFill>
-                  <a:srgbClr val="A5FF90"/>
-                </a:solidFill>
-                <a:effectLst/>
-                <a:latin typeface="Consolas" panose="020B0609020204030204" pitchFamily="49" charset="0"/>
-              </a:rPr>
-              <a:t>. </a:t>
-            </a:r>
-            <a:endParaRPr lang="en-US" b="0" dirty="0">
-              <a:solidFill>
-                <a:srgbClr val="FFFFFF"/>
-              </a:solidFill>
-              <a:effectLst/>
-              <a:latin typeface="Consolas" panose="020B0609020204030204" pitchFamily="49" charset="0"/>
-            </a:endParaRPr>
-          </a:p>
-          <a:p>
-            <a:r>
-              <a:rPr lang="en-US" b="0" dirty="0">
-                <a:solidFill>
-                  <a:srgbClr val="A5FF90"/>
-                </a:solidFill>
-                <a:effectLst/>
-                <a:latin typeface="Consolas" panose="020B0609020204030204" pitchFamily="49" charset="0"/>
-              </a:rPr>
-              <a:t>The first message should be as a paragraph in a professional tone, and the second message should be in main points in new lines with upbeat tone and emojis.</a:t>
-            </a:r>
-            <a:endParaRPr lang="en-US" b="0" dirty="0">
-              <a:solidFill>
-                <a:srgbClr val="FFFFFF"/>
-              </a:solidFill>
-              <a:effectLst/>
-              <a:latin typeface="Consolas" panose="020B0609020204030204" pitchFamily="49" charset="0"/>
-            </a:endParaRPr>
-          </a:p>
-          <a:p>
-            <a:r>
-              <a:rPr lang="en-US" b="0" dirty="0">
-                <a:solidFill>
-                  <a:srgbClr val="A5FF90"/>
-                </a:solidFill>
-                <a:effectLst/>
-                <a:latin typeface="Consolas" panose="020B0609020204030204" pitchFamily="49" charset="0"/>
-              </a:rPr>
-              <a:t>Each message should be no more than </a:t>
-            </a:r>
-            <a:r>
-              <a:rPr lang="en-US" b="0" dirty="0">
-                <a:solidFill>
-                  <a:srgbClr val="FF628C"/>
-                </a:solidFill>
-                <a:effectLst/>
-                <a:latin typeface="Consolas" panose="020B0609020204030204" pitchFamily="49" charset="0"/>
-              </a:rPr>
-              <a:t>{</a:t>
-            </a:r>
-            <a:r>
-              <a:rPr lang="en-US" b="0" dirty="0" err="1">
-                <a:solidFill>
-                  <a:srgbClr val="E1EFFF"/>
-                </a:solidFill>
-                <a:effectLst/>
-                <a:latin typeface="Consolas" panose="020B0609020204030204" pitchFamily="49" charset="0"/>
-              </a:rPr>
-              <a:t>word_limits</a:t>
-            </a:r>
-            <a:r>
-              <a:rPr lang="en-US" b="0" dirty="0">
-                <a:solidFill>
-                  <a:srgbClr val="FF628C"/>
-                </a:solidFill>
-                <a:effectLst/>
-                <a:latin typeface="Consolas" panose="020B0609020204030204" pitchFamily="49" charset="0"/>
-              </a:rPr>
-              <a:t>}</a:t>
-            </a:r>
-            <a:r>
-              <a:rPr lang="en-US" b="0" dirty="0">
-                <a:solidFill>
-                  <a:srgbClr val="A5FF90"/>
-                </a:solidFill>
-                <a:effectLst/>
-                <a:latin typeface="Consolas" panose="020B0609020204030204" pitchFamily="49" charset="0"/>
-              </a:rPr>
-              <a:t> words. </a:t>
-            </a:r>
-            <a:endParaRPr lang="en-US" b="0" dirty="0">
-              <a:solidFill>
-                <a:srgbClr val="FFFFFF"/>
-              </a:solidFill>
-              <a:effectLst/>
-              <a:latin typeface="Consolas" panose="020B0609020204030204" pitchFamily="49" charset="0"/>
-            </a:endParaRPr>
-          </a:p>
-          <a:p>
-            <a:r>
-              <a:rPr lang="en-US" b="0" dirty="0">
-                <a:solidFill>
-                  <a:srgbClr val="A5FF90"/>
-                </a:solidFill>
-                <a:effectLst/>
-                <a:latin typeface="Consolas" panose="020B0609020204030204" pitchFamily="49" charset="0"/>
-              </a:rPr>
-              <a:t>"""</a:t>
-            </a:r>
-            <a:endParaRPr lang="en-US" b="0" dirty="0">
-              <a:solidFill>
-                <a:srgbClr val="FFFFFF"/>
-              </a:solidFill>
-              <a:effectLst/>
-              <a:latin typeface="Consolas" panose="020B0609020204030204" pitchFamily="49" charset="0"/>
-            </a:endParaRPr>
-          </a:p>
-        </p:txBody>
-      </p:sp>
-    </p:spTree>
-    <p:extLst>
-      <p:ext uri="{BB962C8B-B14F-4D97-AF65-F5344CB8AC3E}">
-        <p14:creationId xmlns:p14="http://schemas.microsoft.com/office/powerpoint/2010/main" val="37847146"/>
       </p:ext>
     </p:extLst>
   </p:cSld>
@@ -7814,7 +7480,7 @@
           <p:cNvPr id="2" name="Title 1">
             <a:extLst>
               <a:ext uri="{FF2B5EF4-FFF2-40B4-BE49-F238E27FC236}">
-                <a16:creationId xmlns:a16="http://schemas.microsoft.com/office/drawing/2014/main" id="{23A33FCC-F5BB-E720-E2A1-EF6117C06EB3}"/>
+                <a16:creationId xmlns:a16="http://schemas.microsoft.com/office/drawing/2014/main" id="{D1EF2CDD-F9F8-9ED2-2224-CEC2B8242FF0}"/>
               </a:ext>
             </a:extLst>
           </p:cNvPr>
@@ -7832,40 +7498,400 @@
           <a:p>
             <a:r>
               <a:rPr lang="en-US" dirty="0"/>
-              <a:t>Customer AI Assistant</a:t>
+              <a:t>All-in-one prompt</a:t>
             </a:r>
           </a:p>
         </p:txBody>
       </p:sp>
+      <p:pic>
+        <p:nvPicPr>
+          <p:cNvPr id="5" name="Picture 4">
+            <a:extLst>
+              <a:ext uri="{FF2B5EF4-FFF2-40B4-BE49-F238E27FC236}">
+                <a16:creationId xmlns:a16="http://schemas.microsoft.com/office/drawing/2014/main" id="{F4497040-B1AD-9D5F-D06E-FD53561096E7}"/>
+              </a:ext>
+            </a:extLst>
+          </p:cNvPr>
+          <p:cNvPicPr>
+            <a:picLocks noChangeAspect="1"/>
+          </p:cNvPicPr>
+          <p:nvPr/>
+        </p:nvPicPr>
+        <p:blipFill>
+          <a:blip r:embed="rId2"/>
+          <a:stretch>
+            <a:fillRect/>
+          </a:stretch>
+        </p:blipFill>
+        <p:spPr>
+          <a:xfrm>
+            <a:off x="168131" y="1921164"/>
+            <a:ext cx="5708527" cy="3029491"/>
+          </a:xfrm>
+          <a:prstGeom prst="rect">
+            <a:avLst/>
+          </a:prstGeom>
+        </p:spPr>
+      </p:pic>
       <p:sp>
         <p:nvSpPr>
-          <p:cNvPr id="3" name="Text Placeholder 2">
+          <p:cNvPr id="6" name="TextBox 5">
             <a:extLst>
               <a:ext uri="{FF2B5EF4-FFF2-40B4-BE49-F238E27FC236}">
-                <a16:creationId xmlns:a16="http://schemas.microsoft.com/office/drawing/2014/main" id="{30E19318-BA72-E536-57CA-E5BD8F6AE0F0}"/>
+                <a16:creationId xmlns:a16="http://schemas.microsoft.com/office/drawing/2014/main" id="{EAD9CC98-7C84-42A0-F2F8-345D5DEAF786}"/>
               </a:ext>
             </a:extLst>
           </p:cNvPr>
-          <p:cNvSpPr>
-            <a:spLocks noGrp="1"/>
-          </p:cNvSpPr>
-          <p:nvPr>
-            <p:ph type="body" idx="1"/>
-          </p:nvPr>
+          <p:cNvSpPr txBox="1"/>
+          <p:nvPr/>
         </p:nvSpPr>
-        <p:spPr/>
+        <p:spPr>
+          <a:xfrm>
+            <a:off x="6315343" y="1921164"/>
+            <a:ext cx="5708526" cy="3693319"/>
+          </a:xfrm>
+          <a:prstGeom prst="rect">
+            <a:avLst/>
+          </a:prstGeom>
+          <a:solidFill>
+            <a:schemeClr val="tx1"/>
+          </a:solidFill>
+        </p:spPr>
         <p:txBody>
-          <a:bodyPr/>
+          <a:bodyPr wrap="square" rtlCol="0">
+            <a:spAutoFit/>
+          </a:bodyPr>
           <a:lstStyle/>
           <a:p>
-            <a:endParaRPr lang="en-US"/>
+            <a:r>
+              <a:rPr lang="en-US" b="0" dirty="0" err="1">
+                <a:solidFill>
+                  <a:srgbClr val="FFFFFF"/>
+                </a:solidFill>
+                <a:effectLst/>
+                <a:latin typeface="Consolas" panose="020B0609020204030204" pitchFamily="49" charset="0"/>
+              </a:rPr>
+              <a:t>request_marketing</a:t>
+            </a:r>
+            <a:r>
+              <a:rPr lang="en-US" b="0" dirty="0">
+                <a:solidFill>
+                  <a:srgbClr val="FFFFFF"/>
+                </a:solidFill>
+                <a:effectLst/>
+                <a:latin typeface="Consolas" panose="020B0609020204030204" pitchFamily="49" charset="0"/>
+              </a:rPr>
+              <a:t> </a:t>
+            </a:r>
+            <a:r>
+              <a:rPr lang="en-US" b="0" dirty="0">
+                <a:solidFill>
+                  <a:srgbClr val="FF9D00"/>
+                </a:solidFill>
+                <a:effectLst/>
+                <a:latin typeface="Consolas" panose="020B0609020204030204" pitchFamily="49" charset="0"/>
+              </a:rPr>
+              <a:t>=</a:t>
+            </a:r>
+            <a:r>
+              <a:rPr lang="en-US" b="0" dirty="0">
+                <a:solidFill>
+                  <a:srgbClr val="FFFFFF"/>
+                </a:solidFill>
+                <a:effectLst/>
+                <a:latin typeface="Consolas" panose="020B0609020204030204" pitchFamily="49" charset="0"/>
+              </a:rPr>
+              <a:t> </a:t>
+            </a:r>
+            <a:r>
+              <a:rPr lang="en-US" b="0" dirty="0">
+                <a:solidFill>
+                  <a:srgbClr val="FFC600"/>
+                </a:solidFill>
+                <a:effectLst/>
+                <a:latin typeface="Consolas" panose="020B0609020204030204" pitchFamily="49" charset="0"/>
+              </a:rPr>
+              <a:t>f</a:t>
+            </a:r>
+            <a:r>
+              <a:rPr lang="en-US" b="0" dirty="0">
+                <a:solidFill>
+                  <a:srgbClr val="A5FF90"/>
+                </a:solidFill>
+                <a:effectLst/>
+                <a:latin typeface="Consolas" panose="020B0609020204030204" pitchFamily="49" charset="0"/>
+              </a:rPr>
+              <a:t>"""</a:t>
+            </a:r>
+            <a:endParaRPr lang="en-US" b="0" dirty="0">
+              <a:solidFill>
+                <a:srgbClr val="FFFFFF"/>
+              </a:solidFill>
+              <a:effectLst/>
+              <a:latin typeface="Consolas" panose="020B0609020204030204" pitchFamily="49" charset="0"/>
+            </a:endParaRPr>
+          </a:p>
+          <a:p>
+            <a:r>
+              <a:rPr lang="en-US" b="0" dirty="0">
+                <a:solidFill>
+                  <a:srgbClr val="A5FF90"/>
+                </a:solidFill>
+                <a:effectLst/>
+                <a:latin typeface="Consolas" panose="020B0609020204030204" pitchFamily="49" charset="0"/>
+              </a:rPr>
+              <a:t>Write two marketing messages describing the product that is </a:t>
+            </a:r>
+            <a:r>
+              <a:rPr lang="en-US" b="0" dirty="0">
+                <a:solidFill>
+                  <a:srgbClr val="FF628C"/>
+                </a:solidFill>
+                <a:effectLst/>
+                <a:latin typeface="Consolas" panose="020B0609020204030204" pitchFamily="49" charset="0"/>
+              </a:rPr>
+              <a:t>{</a:t>
+            </a:r>
+            <a:r>
+              <a:rPr lang="en-US" b="0" dirty="0">
+                <a:solidFill>
+                  <a:srgbClr val="E1EFFF"/>
+                </a:solidFill>
+                <a:effectLst/>
+                <a:latin typeface="Consolas" panose="020B0609020204030204" pitchFamily="49" charset="0"/>
+              </a:rPr>
+              <a:t>product</a:t>
+            </a:r>
+            <a:r>
+              <a:rPr lang="en-US" b="0" dirty="0">
+                <a:solidFill>
+                  <a:srgbClr val="FF628C"/>
+                </a:solidFill>
+                <a:effectLst/>
+                <a:latin typeface="Consolas" panose="020B0609020204030204" pitchFamily="49" charset="0"/>
+              </a:rPr>
+              <a:t>}</a:t>
+            </a:r>
+            <a:r>
+              <a:rPr lang="en-US" b="0" dirty="0">
+                <a:solidFill>
+                  <a:srgbClr val="A5FF90"/>
+                </a:solidFill>
+                <a:effectLst/>
+                <a:latin typeface="Consolas" panose="020B0609020204030204" pitchFamily="49" charset="0"/>
+              </a:rPr>
+              <a:t>, that has the features </a:t>
+            </a:r>
+            <a:r>
+              <a:rPr lang="en-US" b="0" dirty="0">
+                <a:solidFill>
+                  <a:srgbClr val="FF628C"/>
+                </a:solidFill>
+                <a:effectLst/>
+                <a:latin typeface="Consolas" panose="020B0609020204030204" pitchFamily="49" charset="0"/>
+              </a:rPr>
+              <a:t>{</a:t>
+            </a:r>
+            <a:r>
+              <a:rPr lang="en-US" b="0" dirty="0">
+                <a:solidFill>
+                  <a:srgbClr val="E1EFFF"/>
+                </a:solidFill>
+                <a:effectLst/>
+                <a:latin typeface="Consolas" panose="020B0609020204030204" pitchFamily="49" charset="0"/>
+              </a:rPr>
+              <a:t>features</a:t>
+            </a:r>
+            <a:r>
+              <a:rPr lang="en-US" b="0" dirty="0">
+                <a:solidFill>
+                  <a:srgbClr val="FF628C"/>
+                </a:solidFill>
+                <a:effectLst/>
+                <a:latin typeface="Consolas" panose="020B0609020204030204" pitchFamily="49" charset="0"/>
+              </a:rPr>
+              <a:t>}</a:t>
+            </a:r>
+            <a:r>
+              <a:rPr lang="en-US" b="0" dirty="0">
+                <a:solidFill>
+                  <a:srgbClr val="A5FF90"/>
+                </a:solidFill>
+                <a:effectLst/>
+                <a:latin typeface="Consolas" panose="020B0609020204030204" pitchFamily="49" charset="0"/>
+              </a:rPr>
+              <a:t>. </a:t>
+            </a:r>
+            <a:endParaRPr lang="en-US" b="0" dirty="0">
+              <a:solidFill>
+                <a:srgbClr val="FFFFFF"/>
+              </a:solidFill>
+              <a:effectLst/>
+              <a:latin typeface="Consolas" panose="020B0609020204030204" pitchFamily="49" charset="0"/>
+            </a:endParaRPr>
+          </a:p>
+          <a:p>
+            <a:r>
+              <a:rPr lang="en-US" b="0" dirty="0">
+                <a:solidFill>
+                  <a:srgbClr val="A5FF90"/>
+                </a:solidFill>
+                <a:effectLst/>
+                <a:latin typeface="Consolas" panose="020B0609020204030204" pitchFamily="49" charset="0"/>
+              </a:rPr>
+              <a:t>The message is targeting towards </a:t>
+            </a:r>
+            <a:r>
+              <a:rPr lang="en-US" b="0" dirty="0">
+                <a:solidFill>
+                  <a:srgbClr val="FF628C"/>
+                </a:solidFill>
+                <a:effectLst/>
+                <a:latin typeface="Consolas" panose="020B0609020204030204" pitchFamily="49" charset="0"/>
+              </a:rPr>
+              <a:t>{</a:t>
+            </a:r>
+            <a:r>
+              <a:rPr lang="en-US" b="0" dirty="0" err="1">
+                <a:solidFill>
+                  <a:srgbClr val="E1EFFF"/>
+                </a:solidFill>
+                <a:effectLst/>
+                <a:latin typeface="Consolas" panose="020B0609020204030204" pitchFamily="49" charset="0"/>
+              </a:rPr>
+              <a:t>target_clients</a:t>
+            </a:r>
+            <a:r>
+              <a:rPr lang="en-US" b="0" dirty="0">
+                <a:solidFill>
+                  <a:srgbClr val="FF628C"/>
+                </a:solidFill>
+                <a:effectLst/>
+                <a:latin typeface="Consolas" panose="020B0609020204030204" pitchFamily="49" charset="0"/>
+              </a:rPr>
+              <a:t>}</a:t>
+            </a:r>
+            <a:r>
+              <a:rPr lang="en-US" b="0" dirty="0">
+                <a:solidFill>
+                  <a:srgbClr val="A5FF90"/>
+                </a:solidFill>
+                <a:effectLst/>
+                <a:latin typeface="Consolas" panose="020B0609020204030204" pitchFamily="49" charset="0"/>
+              </a:rPr>
+              <a:t>. </a:t>
+            </a:r>
+            <a:endParaRPr lang="en-US" b="0" dirty="0">
+              <a:solidFill>
+                <a:srgbClr val="FFFFFF"/>
+              </a:solidFill>
+              <a:effectLst/>
+              <a:latin typeface="Consolas" panose="020B0609020204030204" pitchFamily="49" charset="0"/>
+            </a:endParaRPr>
+          </a:p>
+          <a:p>
+            <a:r>
+              <a:rPr lang="en-US" b="0" dirty="0">
+                <a:solidFill>
+                  <a:srgbClr val="A5FF90"/>
+                </a:solidFill>
+                <a:effectLst/>
+                <a:latin typeface="Consolas" panose="020B0609020204030204" pitchFamily="49" charset="0"/>
+              </a:rPr>
+              <a:t>The first message should be as a paragraph in a professional tone, and the second message should be in main points in new lines with upbeat tone and emojis.</a:t>
+            </a:r>
+            <a:endParaRPr lang="en-US" b="0" dirty="0">
+              <a:solidFill>
+                <a:srgbClr val="FFFFFF"/>
+              </a:solidFill>
+              <a:effectLst/>
+              <a:latin typeface="Consolas" panose="020B0609020204030204" pitchFamily="49" charset="0"/>
+            </a:endParaRPr>
+          </a:p>
+          <a:p>
+            <a:r>
+              <a:rPr lang="en-US" b="0" dirty="0">
+                <a:solidFill>
+                  <a:srgbClr val="A5FF90"/>
+                </a:solidFill>
+                <a:effectLst/>
+                <a:latin typeface="Consolas" panose="020B0609020204030204" pitchFamily="49" charset="0"/>
+              </a:rPr>
+              <a:t>Each message should be no more than </a:t>
+            </a:r>
+            <a:r>
+              <a:rPr lang="en-US" b="0" dirty="0">
+                <a:solidFill>
+                  <a:srgbClr val="FF628C"/>
+                </a:solidFill>
+                <a:effectLst/>
+                <a:latin typeface="Consolas" panose="020B0609020204030204" pitchFamily="49" charset="0"/>
+              </a:rPr>
+              <a:t>{</a:t>
+            </a:r>
+            <a:r>
+              <a:rPr lang="en-US" b="0" dirty="0" err="1">
+                <a:solidFill>
+                  <a:srgbClr val="E1EFFF"/>
+                </a:solidFill>
+                <a:effectLst/>
+                <a:latin typeface="Consolas" panose="020B0609020204030204" pitchFamily="49" charset="0"/>
+              </a:rPr>
+              <a:t>word_limits</a:t>
+            </a:r>
+            <a:r>
+              <a:rPr lang="en-US" b="0" dirty="0">
+                <a:solidFill>
+                  <a:srgbClr val="FF628C"/>
+                </a:solidFill>
+                <a:effectLst/>
+                <a:latin typeface="Consolas" panose="020B0609020204030204" pitchFamily="49" charset="0"/>
+              </a:rPr>
+              <a:t>}</a:t>
+            </a:r>
+            <a:r>
+              <a:rPr lang="en-US" b="0" dirty="0">
+                <a:solidFill>
+                  <a:srgbClr val="A5FF90"/>
+                </a:solidFill>
+                <a:effectLst/>
+                <a:latin typeface="Consolas" panose="020B0609020204030204" pitchFamily="49" charset="0"/>
+              </a:rPr>
+              <a:t> words. </a:t>
+            </a:r>
+            <a:endParaRPr lang="en-US" b="0" dirty="0">
+              <a:solidFill>
+                <a:srgbClr val="FFFFFF"/>
+              </a:solidFill>
+              <a:effectLst/>
+              <a:latin typeface="Consolas" panose="020B0609020204030204" pitchFamily="49" charset="0"/>
+            </a:endParaRPr>
+          </a:p>
+          <a:p>
+            <a:r>
+              <a:rPr lang="en-US" b="0" dirty="0">
+                <a:solidFill>
+                  <a:srgbClr val="A5FF90"/>
+                </a:solidFill>
+                <a:effectLst/>
+                <a:latin typeface="Consolas" panose="020B0609020204030204" pitchFamily="49" charset="0"/>
+              </a:rPr>
+              <a:t>"""</a:t>
+            </a:r>
+            <a:endParaRPr lang="en-US" b="0" dirty="0">
+              <a:solidFill>
+                <a:srgbClr val="FFFFFF"/>
+              </a:solidFill>
+              <a:effectLst/>
+              <a:latin typeface="Consolas" panose="020B0609020204030204" pitchFamily="49" charset="0"/>
+            </a:endParaRPr>
           </a:p>
         </p:txBody>
       </p:sp>
     </p:spTree>
     <p:extLst>
       <p:ext uri="{BB962C8B-B14F-4D97-AF65-F5344CB8AC3E}">
-        <p14:creationId xmlns:p14="http://schemas.microsoft.com/office/powerpoint/2010/main" val="901911074"/>
+        <p14:creationId xmlns:p14="http://schemas.microsoft.com/office/powerpoint/2010/main" val="37847146"/>
       </p:ext>
     </p:extLst>
   </p:cSld>
@@ -7897,7 +7923,7 @@
           <p:cNvPr id="2" name="Title 1">
             <a:extLst>
               <a:ext uri="{FF2B5EF4-FFF2-40B4-BE49-F238E27FC236}">
-                <a16:creationId xmlns:a16="http://schemas.microsoft.com/office/drawing/2014/main" id="{124A2C71-7136-375E-1B9C-7BF42EECF40F}"/>
+                <a16:creationId xmlns:a16="http://schemas.microsoft.com/office/drawing/2014/main" id="{EF5CAB5D-E813-D02A-5D62-2CC85D50698F}"/>
               </a:ext>
             </a:extLst>
           </p:cNvPr>
@@ -7915,45 +7941,756 @@
           <a:p>
             <a:r>
               <a:rPr lang="en-US" dirty="0"/>
-              <a:t>Customer AI Assistant</a:t>
+              <a:t>What we have learned</a:t>
             </a:r>
           </a:p>
         </p:txBody>
       </p:sp>
-      <p:pic>
-        <p:nvPicPr>
-          <p:cNvPr id="5" name="Picture 4">
+      <p:sp>
+        <p:nvSpPr>
+          <p:cNvPr id="3" name="Content Placeholder 2">
             <a:extLst>
               <a:ext uri="{FF2B5EF4-FFF2-40B4-BE49-F238E27FC236}">
-                <a16:creationId xmlns:a16="http://schemas.microsoft.com/office/drawing/2014/main" id="{516A97A7-97AD-AC1A-8EE9-FB3198A4A2E5}"/>
+                <a16:creationId xmlns:a16="http://schemas.microsoft.com/office/drawing/2014/main" id="{13203917-D8C7-745C-8DC0-E3C397B5363D}"/>
               </a:ext>
             </a:extLst>
           </p:cNvPr>
-          <p:cNvPicPr>
-            <a:picLocks noChangeAspect="1"/>
-          </p:cNvPicPr>
+          <p:cNvSpPr>
+            <a:spLocks noGrp="1"/>
+          </p:cNvSpPr>
+          <p:nvPr>
+            <p:ph idx="1"/>
+          </p:nvPr>
+        </p:nvSpPr>
+        <p:spPr/>
+        <p:txBody>
+          <a:bodyPr/>
+          <a:lstStyle/>
+          <a:p>
+            <a:r>
+              <a:rPr lang="en-US" dirty="0"/>
+              <a:t>This app allows us to</a:t>
+            </a:r>
+          </a:p>
+          <a:p>
+            <a:pPr lvl="1"/>
+            <a:r>
+              <a:rPr lang="en-US" dirty="0"/>
+              <a:t> understand how to create a chain of requests/prompts, i.e. the result of the first request will be the input of the second one, etc. That allows us to create more tailored responses</a:t>
+            </a:r>
+          </a:p>
+          <a:p>
+            <a:pPr lvl="1"/>
+            <a:endParaRPr lang="en-US" dirty="0"/>
+          </a:p>
+          <a:p>
+            <a:pPr lvl="1"/>
+            <a:endParaRPr lang="en-US" dirty="0"/>
+          </a:p>
+          <a:p>
+            <a:pPr lvl="1"/>
+            <a:endParaRPr lang="en-US" dirty="0"/>
+          </a:p>
+          <a:p>
+            <a:pPr lvl="1"/>
+            <a:r>
+              <a:rPr lang="en-US" dirty="0"/>
+              <a:t>create multiple responses in different styles based on only one prompt/request</a:t>
+            </a:r>
+          </a:p>
+        </p:txBody>
+      </p:sp>
+      <p:sp>
+        <p:nvSpPr>
+          <p:cNvPr id="4" name="Rectangle 3">
+            <a:extLst>
+              <a:ext uri="{FF2B5EF4-FFF2-40B4-BE49-F238E27FC236}">
+                <a16:creationId xmlns:a16="http://schemas.microsoft.com/office/drawing/2014/main" id="{FFDB0BD5-DD34-6D2B-2052-40B2600603D1}"/>
+              </a:ext>
+            </a:extLst>
+          </p:cNvPr>
+          <p:cNvSpPr/>
           <p:nvPr/>
-        </p:nvPicPr>
-        <p:blipFill>
-          <a:blip r:embed="rId2"/>
-          <a:stretch>
-            <a:fillRect/>
-          </a:stretch>
-        </p:blipFill>
+        </p:nvSpPr>
         <p:spPr>
           <a:xfrm>
-            <a:off x="0" y="1679887"/>
-            <a:ext cx="12192000" cy="3498227"/>
+            <a:off x="4161801" y="3743060"/>
+            <a:ext cx="1350235" cy="393107"/>
           </a:xfrm>
           <a:prstGeom prst="rect">
             <a:avLst/>
           </a:prstGeom>
+          <a:solidFill>
+            <a:srgbClr val="002060"/>
+          </a:solidFill>
         </p:spPr>
-      </p:pic>
+        <p:style>
+          <a:lnRef idx="2">
+            <a:schemeClr val="accent1">
+              <a:shade val="15000"/>
+            </a:schemeClr>
+          </a:lnRef>
+          <a:fillRef idx="1">
+            <a:schemeClr val="accent1"/>
+          </a:fillRef>
+          <a:effectRef idx="0">
+            <a:schemeClr val="accent1"/>
+          </a:effectRef>
+          <a:fontRef idx="minor">
+            <a:schemeClr val="lt1"/>
+          </a:fontRef>
+        </p:style>
+        <p:txBody>
+          <a:bodyPr rtlCol="0" anchor="ctr"/>
+          <a:lstStyle/>
+          <a:p>
+            <a:pPr algn="ctr"/>
+            <a:r>
+              <a:rPr lang="en-US" dirty="0"/>
+              <a:t>Request 1</a:t>
+            </a:r>
+          </a:p>
+        </p:txBody>
+      </p:sp>
+      <p:sp>
+        <p:nvSpPr>
+          <p:cNvPr id="5" name="Rectangle 4">
+            <a:extLst>
+              <a:ext uri="{FF2B5EF4-FFF2-40B4-BE49-F238E27FC236}">
+                <a16:creationId xmlns:a16="http://schemas.microsoft.com/office/drawing/2014/main" id="{992A5FAB-8E2F-4D39-FF5B-62E7EB6A98FD}"/>
+              </a:ext>
+            </a:extLst>
+          </p:cNvPr>
+          <p:cNvSpPr/>
+          <p:nvPr/>
+        </p:nvSpPr>
+        <p:spPr>
+          <a:xfrm>
+            <a:off x="7082682" y="3743059"/>
+            <a:ext cx="1350235" cy="393107"/>
+          </a:xfrm>
+          <a:prstGeom prst="rect">
+            <a:avLst/>
+          </a:prstGeom>
+          <a:solidFill>
+            <a:srgbClr val="002060"/>
+          </a:solidFill>
+        </p:spPr>
+        <p:style>
+          <a:lnRef idx="2">
+            <a:schemeClr val="accent1">
+              <a:shade val="15000"/>
+            </a:schemeClr>
+          </a:lnRef>
+          <a:fillRef idx="1">
+            <a:schemeClr val="accent1"/>
+          </a:fillRef>
+          <a:effectRef idx="0">
+            <a:schemeClr val="accent1"/>
+          </a:effectRef>
+          <a:fontRef idx="minor">
+            <a:schemeClr val="lt1"/>
+          </a:fontRef>
+        </p:style>
+        <p:txBody>
+          <a:bodyPr rtlCol="0" anchor="ctr"/>
+          <a:lstStyle/>
+          <a:p>
+            <a:pPr algn="ctr"/>
+            <a:r>
+              <a:rPr lang="en-US" dirty="0"/>
+              <a:t>Request 2</a:t>
+            </a:r>
+          </a:p>
+        </p:txBody>
+      </p:sp>
+      <p:cxnSp>
+        <p:nvCxnSpPr>
+          <p:cNvPr id="7" name="Straight Arrow Connector 6">
+            <a:extLst>
+              <a:ext uri="{FF2B5EF4-FFF2-40B4-BE49-F238E27FC236}">
+                <a16:creationId xmlns:a16="http://schemas.microsoft.com/office/drawing/2014/main" id="{99DDDAB4-3AD8-6FB4-7099-A867EB4DABC2}"/>
+              </a:ext>
+            </a:extLst>
+          </p:cNvPr>
+          <p:cNvCxnSpPr/>
+          <p:nvPr/>
+        </p:nvCxnSpPr>
+        <p:spPr>
+          <a:xfrm>
+            <a:off x="3196127" y="3939612"/>
+            <a:ext cx="965674" cy="0"/>
+          </a:xfrm>
+          <a:prstGeom prst="straightConnector1">
+            <a:avLst/>
+          </a:prstGeom>
+          <a:ln>
+            <a:tailEnd type="triangle"/>
+          </a:ln>
+        </p:spPr>
+        <p:style>
+          <a:lnRef idx="2">
+            <a:schemeClr val="accent1"/>
+          </a:lnRef>
+          <a:fillRef idx="0">
+            <a:schemeClr val="accent1"/>
+          </a:fillRef>
+          <a:effectRef idx="1">
+            <a:schemeClr val="accent1"/>
+          </a:effectRef>
+          <a:fontRef idx="minor">
+            <a:schemeClr val="tx1"/>
+          </a:fontRef>
+        </p:style>
+      </p:cxnSp>
+      <p:cxnSp>
+        <p:nvCxnSpPr>
+          <p:cNvPr id="8" name="Straight Arrow Connector 7">
+            <a:extLst>
+              <a:ext uri="{FF2B5EF4-FFF2-40B4-BE49-F238E27FC236}">
+                <a16:creationId xmlns:a16="http://schemas.microsoft.com/office/drawing/2014/main" id="{6C9D26B3-BBF5-EAF5-9ED7-1C50B9922458}"/>
+              </a:ext>
+            </a:extLst>
+          </p:cNvPr>
+          <p:cNvCxnSpPr>
+            <a:cxnSpLocks/>
+          </p:cNvCxnSpPr>
+          <p:nvPr/>
+        </p:nvCxnSpPr>
+        <p:spPr>
+          <a:xfrm>
+            <a:off x="5512036" y="3948156"/>
+            <a:ext cx="1570646" cy="0"/>
+          </a:xfrm>
+          <a:prstGeom prst="straightConnector1">
+            <a:avLst/>
+          </a:prstGeom>
+          <a:ln>
+            <a:tailEnd type="triangle"/>
+          </a:ln>
+        </p:spPr>
+        <p:style>
+          <a:lnRef idx="2">
+            <a:schemeClr val="accent1"/>
+          </a:lnRef>
+          <a:fillRef idx="0">
+            <a:schemeClr val="accent1"/>
+          </a:fillRef>
+          <a:effectRef idx="1">
+            <a:schemeClr val="accent1"/>
+          </a:effectRef>
+          <a:fontRef idx="minor">
+            <a:schemeClr val="tx1"/>
+          </a:fontRef>
+        </p:style>
+      </p:cxnSp>
+      <p:cxnSp>
+        <p:nvCxnSpPr>
+          <p:cNvPr id="10" name="Straight Arrow Connector 9">
+            <a:extLst>
+              <a:ext uri="{FF2B5EF4-FFF2-40B4-BE49-F238E27FC236}">
+                <a16:creationId xmlns:a16="http://schemas.microsoft.com/office/drawing/2014/main" id="{4821C3F6-7245-C997-8740-E80968095F2A}"/>
+              </a:ext>
+            </a:extLst>
+          </p:cNvPr>
+          <p:cNvCxnSpPr>
+            <a:cxnSpLocks/>
+          </p:cNvCxnSpPr>
+          <p:nvPr/>
+        </p:nvCxnSpPr>
+        <p:spPr>
+          <a:xfrm>
+            <a:off x="8432917" y="3948154"/>
+            <a:ext cx="1570646" cy="0"/>
+          </a:xfrm>
+          <a:prstGeom prst="straightConnector1">
+            <a:avLst/>
+          </a:prstGeom>
+          <a:ln>
+            <a:tailEnd type="triangle"/>
+          </a:ln>
+        </p:spPr>
+        <p:style>
+          <a:lnRef idx="2">
+            <a:schemeClr val="accent1"/>
+          </a:lnRef>
+          <a:fillRef idx="0">
+            <a:schemeClr val="accent1"/>
+          </a:fillRef>
+          <a:effectRef idx="1">
+            <a:schemeClr val="accent1"/>
+          </a:effectRef>
+          <a:fontRef idx="minor">
+            <a:schemeClr val="tx1"/>
+          </a:fontRef>
+        </p:style>
+      </p:cxnSp>
+      <p:sp>
+        <p:nvSpPr>
+          <p:cNvPr id="11" name="TextBox 10">
+            <a:extLst>
+              <a:ext uri="{FF2B5EF4-FFF2-40B4-BE49-F238E27FC236}">
+                <a16:creationId xmlns:a16="http://schemas.microsoft.com/office/drawing/2014/main" id="{6B0016C7-407F-950E-6BEA-3013300357E0}"/>
+              </a:ext>
+            </a:extLst>
+          </p:cNvPr>
+          <p:cNvSpPr txBox="1"/>
+          <p:nvPr/>
+        </p:nvSpPr>
+        <p:spPr>
+          <a:xfrm>
+            <a:off x="3133954" y="3578822"/>
+            <a:ext cx="1027845" cy="369332"/>
+          </a:xfrm>
+          <a:prstGeom prst="rect">
+            <a:avLst/>
+          </a:prstGeom>
+          <a:noFill/>
+        </p:spPr>
+        <p:txBody>
+          <a:bodyPr wrap="none" rtlCol="0">
+            <a:spAutoFit/>
+          </a:bodyPr>
+          <a:lstStyle/>
+          <a:p>
+            <a:r>
+              <a:rPr lang="en-US" dirty="0"/>
+              <a:t>Inputs 1</a:t>
+            </a:r>
+          </a:p>
+        </p:txBody>
+      </p:sp>
+      <p:sp>
+        <p:nvSpPr>
+          <p:cNvPr id="12" name="TextBox 11">
+            <a:extLst>
+              <a:ext uri="{FF2B5EF4-FFF2-40B4-BE49-F238E27FC236}">
+                <a16:creationId xmlns:a16="http://schemas.microsoft.com/office/drawing/2014/main" id="{ECDC35BD-5209-C468-B130-D358065A8258}"/>
+              </a:ext>
+            </a:extLst>
+          </p:cNvPr>
+          <p:cNvSpPr txBox="1"/>
+          <p:nvPr/>
+        </p:nvSpPr>
+        <p:spPr>
+          <a:xfrm>
+            <a:off x="5655204" y="3558393"/>
+            <a:ext cx="1401730" cy="369332"/>
+          </a:xfrm>
+          <a:prstGeom prst="rect">
+            <a:avLst/>
+          </a:prstGeom>
+          <a:noFill/>
+        </p:spPr>
+        <p:txBody>
+          <a:bodyPr wrap="none" rtlCol="0">
+            <a:spAutoFit/>
+          </a:bodyPr>
+          <a:lstStyle/>
+          <a:p>
+            <a:r>
+              <a:rPr lang="en-US" dirty="0"/>
+              <a:t>Response 1</a:t>
+            </a:r>
+          </a:p>
+        </p:txBody>
+      </p:sp>
+      <p:sp>
+        <p:nvSpPr>
+          <p:cNvPr id="13" name="TextBox 12">
+            <a:extLst>
+              <a:ext uri="{FF2B5EF4-FFF2-40B4-BE49-F238E27FC236}">
+                <a16:creationId xmlns:a16="http://schemas.microsoft.com/office/drawing/2014/main" id="{064C8C3D-3EC3-5320-1991-959A83E426A6}"/>
+              </a:ext>
+            </a:extLst>
+          </p:cNvPr>
+          <p:cNvSpPr txBox="1"/>
+          <p:nvPr/>
+        </p:nvSpPr>
+        <p:spPr>
+          <a:xfrm>
+            <a:off x="8576087" y="3578822"/>
+            <a:ext cx="1401730" cy="369332"/>
+          </a:xfrm>
+          <a:prstGeom prst="rect">
+            <a:avLst/>
+          </a:prstGeom>
+          <a:noFill/>
+        </p:spPr>
+        <p:txBody>
+          <a:bodyPr wrap="none" rtlCol="0">
+            <a:spAutoFit/>
+          </a:bodyPr>
+          <a:lstStyle/>
+          <a:p>
+            <a:r>
+              <a:rPr lang="en-US" dirty="0"/>
+              <a:t>Response 2</a:t>
+            </a:r>
+          </a:p>
+        </p:txBody>
+      </p:sp>
+      <p:sp>
+        <p:nvSpPr>
+          <p:cNvPr id="14" name="Rectangle 13">
+            <a:extLst>
+              <a:ext uri="{FF2B5EF4-FFF2-40B4-BE49-F238E27FC236}">
+                <a16:creationId xmlns:a16="http://schemas.microsoft.com/office/drawing/2014/main" id="{9AB8B6E0-FC46-6F8D-B73A-53C2CF7C9879}"/>
+              </a:ext>
+            </a:extLst>
+          </p:cNvPr>
+          <p:cNvSpPr/>
+          <p:nvPr/>
+        </p:nvSpPr>
+        <p:spPr>
+          <a:xfrm>
+            <a:off x="5103619" y="5656981"/>
+            <a:ext cx="1570646" cy="393107"/>
+          </a:xfrm>
+          <a:prstGeom prst="rect">
+            <a:avLst/>
+          </a:prstGeom>
+          <a:solidFill>
+            <a:srgbClr val="002060"/>
+          </a:solidFill>
+        </p:spPr>
+        <p:style>
+          <a:lnRef idx="2">
+            <a:schemeClr val="accent1">
+              <a:shade val="15000"/>
+            </a:schemeClr>
+          </a:lnRef>
+          <a:fillRef idx="1">
+            <a:schemeClr val="accent1"/>
+          </a:fillRef>
+          <a:effectRef idx="0">
+            <a:schemeClr val="accent1"/>
+          </a:effectRef>
+          <a:fontRef idx="minor">
+            <a:schemeClr val="lt1"/>
+          </a:fontRef>
+        </p:style>
+        <p:txBody>
+          <a:bodyPr rtlCol="0" anchor="ctr"/>
+          <a:lstStyle/>
+          <a:p>
+            <a:pPr algn="ctr"/>
+            <a:r>
+              <a:rPr lang="en-US" dirty="0"/>
+              <a:t>One request</a:t>
+            </a:r>
+          </a:p>
+        </p:txBody>
+      </p:sp>
+      <p:cxnSp>
+        <p:nvCxnSpPr>
+          <p:cNvPr id="15" name="Straight Arrow Connector 14">
+            <a:extLst>
+              <a:ext uri="{FF2B5EF4-FFF2-40B4-BE49-F238E27FC236}">
+                <a16:creationId xmlns:a16="http://schemas.microsoft.com/office/drawing/2014/main" id="{B885A18A-9FF9-E460-7D4F-0C129FCA42E4}"/>
+              </a:ext>
+            </a:extLst>
+          </p:cNvPr>
+          <p:cNvCxnSpPr/>
+          <p:nvPr/>
+        </p:nvCxnSpPr>
+        <p:spPr>
+          <a:xfrm>
+            <a:off x="4093437" y="5844992"/>
+            <a:ext cx="965674" cy="0"/>
+          </a:xfrm>
+          <a:prstGeom prst="straightConnector1">
+            <a:avLst/>
+          </a:prstGeom>
+          <a:ln>
+            <a:tailEnd type="triangle"/>
+          </a:ln>
+        </p:spPr>
+        <p:style>
+          <a:lnRef idx="2">
+            <a:schemeClr val="accent1"/>
+          </a:lnRef>
+          <a:fillRef idx="0">
+            <a:schemeClr val="accent1"/>
+          </a:fillRef>
+          <a:effectRef idx="1">
+            <a:schemeClr val="accent1"/>
+          </a:effectRef>
+          <a:fontRef idx="minor">
+            <a:schemeClr val="tx1"/>
+          </a:fontRef>
+        </p:style>
+      </p:cxnSp>
+      <p:sp>
+        <p:nvSpPr>
+          <p:cNvPr id="16" name="TextBox 15">
+            <a:extLst>
+              <a:ext uri="{FF2B5EF4-FFF2-40B4-BE49-F238E27FC236}">
+                <a16:creationId xmlns:a16="http://schemas.microsoft.com/office/drawing/2014/main" id="{8741015F-BDF4-2B69-4707-1F53E7BA65CB}"/>
+              </a:ext>
+            </a:extLst>
+          </p:cNvPr>
+          <p:cNvSpPr txBox="1"/>
+          <p:nvPr/>
+        </p:nvSpPr>
+        <p:spPr>
+          <a:xfrm>
+            <a:off x="4031264" y="5484202"/>
+            <a:ext cx="893193" cy="369332"/>
+          </a:xfrm>
+          <a:prstGeom prst="rect">
+            <a:avLst/>
+          </a:prstGeom>
+          <a:noFill/>
+        </p:spPr>
+        <p:txBody>
+          <a:bodyPr wrap="none" rtlCol="0">
+            <a:spAutoFit/>
+          </a:bodyPr>
+          <a:lstStyle/>
+          <a:p>
+            <a:r>
+              <a:rPr lang="en-US" dirty="0"/>
+              <a:t>Inputs </a:t>
+            </a:r>
+          </a:p>
+        </p:txBody>
+      </p:sp>
+      <p:cxnSp>
+        <p:nvCxnSpPr>
+          <p:cNvPr id="18" name="Connector: Elbow 17">
+            <a:extLst>
+              <a:ext uri="{FF2B5EF4-FFF2-40B4-BE49-F238E27FC236}">
+                <a16:creationId xmlns:a16="http://schemas.microsoft.com/office/drawing/2014/main" id="{A20D2B37-59F7-327D-B081-3943D4F73EF6}"/>
+              </a:ext>
+            </a:extLst>
+          </p:cNvPr>
+          <p:cNvCxnSpPr>
+            <a:cxnSpLocks/>
+            <a:stCxn id="14" idx="3"/>
+          </p:cNvCxnSpPr>
+          <p:nvPr/>
+        </p:nvCxnSpPr>
+        <p:spPr>
+          <a:xfrm flipV="1">
+            <a:off x="6674265" y="5475659"/>
+            <a:ext cx="529840" cy="377876"/>
+          </a:xfrm>
+          <a:prstGeom prst="bentConnector3">
+            <a:avLst/>
+          </a:prstGeom>
+          <a:ln>
+            <a:tailEnd type="triangle"/>
+          </a:ln>
+        </p:spPr>
+        <p:style>
+          <a:lnRef idx="2">
+            <a:schemeClr val="accent1"/>
+          </a:lnRef>
+          <a:fillRef idx="0">
+            <a:schemeClr val="accent1"/>
+          </a:fillRef>
+          <a:effectRef idx="1">
+            <a:schemeClr val="accent1"/>
+          </a:effectRef>
+          <a:fontRef idx="minor">
+            <a:schemeClr val="tx1"/>
+          </a:fontRef>
+        </p:style>
+      </p:cxnSp>
+      <p:cxnSp>
+        <p:nvCxnSpPr>
+          <p:cNvPr id="27" name="Straight Arrow Connector 26">
+            <a:extLst>
+              <a:ext uri="{FF2B5EF4-FFF2-40B4-BE49-F238E27FC236}">
+                <a16:creationId xmlns:a16="http://schemas.microsoft.com/office/drawing/2014/main" id="{D00BF7CE-5351-1192-3F95-ECEF9A390202}"/>
+              </a:ext>
+            </a:extLst>
+          </p:cNvPr>
+          <p:cNvCxnSpPr>
+            <a:cxnSpLocks/>
+            <a:stCxn id="14" idx="3"/>
+          </p:cNvCxnSpPr>
+          <p:nvPr/>
+        </p:nvCxnSpPr>
+        <p:spPr>
+          <a:xfrm flipV="1">
+            <a:off x="6674265" y="5853534"/>
+            <a:ext cx="529840" cy="1"/>
+          </a:xfrm>
+          <a:prstGeom prst="straightConnector1">
+            <a:avLst/>
+          </a:prstGeom>
+          <a:ln>
+            <a:tailEnd type="triangle"/>
+          </a:ln>
+        </p:spPr>
+        <p:style>
+          <a:lnRef idx="2">
+            <a:schemeClr val="accent1"/>
+          </a:lnRef>
+          <a:fillRef idx="0">
+            <a:schemeClr val="accent1"/>
+          </a:fillRef>
+          <a:effectRef idx="1">
+            <a:schemeClr val="accent1"/>
+          </a:effectRef>
+          <a:fontRef idx="minor">
+            <a:schemeClr val="tx1"/>
+          </a:fontRef>
+        </p:style>
+      </p:cxnSp>
+      <p:sp>
+        <p:nvSpPr>
+          <p:cNvPr id="28" name="TextBox 27">
+            <a:extLst>
+              <a:ext uri="{FF2B5EF4-FFF2-40B4-BE49-F238E27FC236}">
+                <a16:creationId xmlns:a16="http://schemas.microsoft.com/office/drawing/2014/main" id="{543DC7F3-8C8F-2A4F-AF5E-727D0F997921}"/>
+              </a:ext>
+            </a:extLst>
+          </p:cNvPr>
+          <p:cNvSpPr txBox="1"/>
+          <p:nvPr/>
+        </p:nvSpPr>
+        <p:spPr>
+          <a:xfrm>
+            <a:off x="7245631" y="5269841"/>
+            <a:ext cx="1401730" cy="369332"/>
+          </a:xfrm>
+          <a:prstGeom prst="rect">
+            <a:avLst/>
+          </a:prstGeom>
+          <a:noFill/>
+        </p:spPr>
+        <p:txBody>
+          <a:bodyPr wrap="none" rtlCol="0">
+            <a:spAutoFit/>
+          </a:bodyPr>
+          <a:lstStyle/>
+          <a:p>
+            <a:r>
+              <a:rPr lang="en-US" dirty="0"/>
+              <a:t>Response 1</a:t>
+            </a:r>
+          </a:p>
+        </p:txBody>
+      </p:sp>
+      <p:sp>
+        <p:nvSpPr>
+          <p:cNvPr id="29" name="TextBox 28">
+            <a:extLst>
+              <a:ext uri="{FF2B5EF4-FFF2-40B4-BE49-F238E27FC236}">
+                <a16:creationId xmlns:a16="http://schemas.microsoft.com/office/drawing/2014/main" id="{B0BAC450-FD1B-E154-682E-9080022346CC}"/>
+              </a:ext>
+            </a:extLst>
+          </p:cNvPr>
+          <p:cNvSpPr txBox="1"/>
+          <p:nvPr/>
+        </p:nvSpPr>
+        <p:spPr>
+          <a:xfrm>
+            <a:off x="7245631" y="5651783"/>
+            <a:ext cx="1401730" cy="369332"/>
+          </a:xfrm>
+          <a:prstGeom prst="rect">
+            <a:avLst/>
+          </a:prstGeom>
+          <a:noFill/>
+        </p:spPr>
+        <p:txBody>
+          <a:bodyPr wrap="none" rtlCol="0">
+            <a:spAutoFit/>
+          </a:bodyPr>
+          <a:lstStyle/>
+          <a:p>
+            <a:r>
+              <a:rPr lang="en-US" dirty="0"/>
+              <a:t>Response 2</a:t>
+            </a:r>
+          </a:p>
+        </p:txBody>
+      </p:sp>
+      <p:cxnSp>
+        <p:nvCxnSpPr>
+          <p:cNvPr id="31" name="Connector: Elbow 30">
+            <a:extLst>
+              <a:ext uri="{FF2B5EF4-FFF2-40B4-BE49-F238E27FC236}">
+                <a16:creationId xmlns:a16="http://schemas.microsoft.com/office/drawing/2014/main" id="{206C14FA-0F46-64D8-D329-89FC2A78CA56}"/>
+              </a:ext>
+            </a:extLst>
+          </p:cNvPr>
+          <p:cNvCxnSpPr>
+            <a:cxnSpLocks/>
+            <a:stCxn id="14" idx="3"/>
+          </p:cNvCxnSpPr>
+          <p:nvPr/>
+        </p:nvCxnSpPr>
+        <p:spPr>
+          <a:xfrm>
+            <a:off x="6674265" y="5853535"/>
+            <a:ext cx="529840" cy="367809"/>
+          </a:xfrm>
+          <a:prstGeom prst="bentConnector3">
+            <a:avLst/>
+          </a:prstGeom>
+          <a:ln>
+            <a:tailEnd type="triangle"/>
+          </a:ln>
+        </p:spPr>
+        <p:style>
+          <a:lnRef idx="2">
+            <a:schemeClr val="accent1"/>
+          </a:lnRef>
+          <a:fillRef idx="0">
+            <a:schemeClr val="accent1"/>
+          </a:fillRef>
+          <a:effectRef idx="1">
+            <a:schemeClr val="accent1"/>
+          </a:effectRef>
+          <a:fontRef idx="minor">
+            <a:schemeClr val="tx1"/>
+          </a:fontRef>
+        </p:style>
+      </p:cxnSp>
+      <p:sp>
+        <p:nvSpPr>
+          <p:cNvPr id="32" name="TextBox 31">
+            <a:extLst>
+              <a:ext uri="{FF2B5EF4-FFF2-40B4-BE49-F238E27FC236}">
+                <a16:creationId xmlns:a16="http://schemas.microsoft.com/office/drawing/2014/main" id="{3D0FEF03-8E96-BF40-6CBD-1D35E5555AE1}"/>
+              </a:ext>
+            </a:extLst>
+          </p:cNvPr>
+          <p:cNvSpPr txBox="1"/>
+          <p:nvPr/>
+        </p:nvSpPr>
+        <p:spPr>
+          <a:xfrm>
+            <a:off x="7245631" y="6062146"/>
+            <a:ext cx="415498" cy="369332"/>
+          </a:xfrm>
+          <a:prstGeom prst="rect">
+            <a:avLst/>
+          </a:prstGeom>
+          <a:noFill/>
+        </p:spPr>
+        <p:txBody>
+          <a:bodyPr wrap="none" rtlCol="0">
+            <a:spAutoFit/>
+          </a:bodyPr>
+          <a:lstStyle/>
+          <a:p>
+            <a:r>
+              <a:rPr lang="en-US" dirty="0"/>
+              <a:t>…</a:t>
+            </a:r>
+          </a:p>
+        </p:txBody>
+      </p:sp>
     </p:spTree>
     <p:extLst>
       <p:ext uri="{BB962C8B-B14F-4D97-AF65-F5344CB8AC3E}">
-        <p14:creationId xmlns:p14="http://schemas.microsoft.com/office/powerpoint/2010/main" val="4028734363"/>
+        <p14:creationId xmlns:p14="http://schemas.microsoft.com/office/powerpoint/2010/main" val="16279012"/>
       </p:ext>
     </p:extLst>
   </p:cSld>
@@ -8365,7 +9102,7 @@
           <p:cNvPr id="2" name="Title 1">
             <a:extLst>
               <a:ext uri="{FF2B5EF4-FFF2-40B4-BE49-F238E27FC236}">
-                <a16:creationId xmlns:a16="http://schemas.microsoft.com/office/drawing/2014/main" id="{124A2C71-7136-375E-1B9C-7BF42EECF40F}"/>
+                <a16:creationId xmlns:a16="http://schemas.microsoft.com/office/drawing/2014/main" id="{23A33FCC-F5BB-E720-E2A1-EF6117C06EB3}"/>
               </a:ext>
             </a:extLst>
           </p:cNvPr>
@@ -8383,573 +9120,40 @@
           <a:p>
             <a:r>
               <a:rPr lang="en-US" dirty="0"/>
-              <a:t>Requesting output in a specific format</a:t>
+              <a:t>Customer AI Assistant</a:t>
             </a:r>
           </a:p>
         </p:txBody>
       </p:sp>
-      <p:pic>
-        <p:nvPicPr>
-          <p:cNvPr id="6" name="Picture 5">
-            <a:extLst>
-              <a:ext uri="{FF2B5EF4-FFF2-40B4-BE49-F238E27FC236}">
-                <a16:creationId xmlns:a16="http://schemas.microsoft.com/office/drawing/2014/main" id="{EBAAEA4B-267E-5502-4583-F3E82FE4A561}"/>
-              </a:ext>
-            </a:extLst>
-          </p:cNvPr>
-          <p:cNvPicPr>
-            <a:picLocks noChangeAspect="1"/>
-          </p:cNvPicPr>
-          <p:nvPr/>
-        </p:nvPicPr>
-        <p:blipFill>
-          <a:blip r:embed="rId2"/>
-          <a:stretch>
-            <a:fillRect/>
-          </a:stretch>
-        </p:blipFill>
-        <p:spPr>
-          <a:xfrm>
-            <a:off x="0" y="1690688"/>
-            <a:ext cx="7210425" cy="1933575"/>
-          </a:xfrm>
-          <a:prstGeom prst="rect">
-            <a:avLst/>
-          </a:prstGeom>
-        </p:spPr>
-      </p:pic>
-      <p:pic>
-        <p:nvPicPr>
-          <p:cNvPr id="8" name="Picture 7">
-            <a:extLst>
-              <a:ext uri="{FF2B5EF4-FFF2-40B4-BE49-F238E27FC236}">
-                <a16:creationId xmlns:a16="http://schemas.microsoft.com/office/drawing/2014/main" id="{BC23A132-88C2-2520-7E5B-23E1951DA010}"/>
-              </a:ext>
-            </a:extLst>
-          </p:cNvPr>
-          <p:cNvPicPr>
-            <a:picLocks noChangeAspect="1"/>
-          </p:cNvPicPr>
-          <p:nvPr/>
-        </p:nvPicPr>
-        <p:blipFill>
-          <a:blip r:embed="rId3"/>
-          <a:stretch>
-            <a:fillRect/>
-          </a:stretch>
-        </p:blipFill>
-        <p:spPr>
-          <a:xfrm>
-            <a:off x="0" y="3788930"/>
-            <a:ext cx="7153275" cy="2457450"/>
-          </a:xfrm>
-          <a:prstGeom prst="rect">
-            <a:avLst/>
-          </a:prstGeom>
-        </p:spPr>
-      </p:pic>
       <p:sp>
         <p:nvSpPr>
-          <p:cNvPr id="9" name="TextBox 8">
+          <p:cNvPr id="3" name="Text Placeholder 2">
             <a:extLst>
               <a:ext uri="{FF2B5EF4-FFF2-40B4-BE49-F238E27FC236}">
-                <a16:creationId xmlns:a16="http://schemas.microsoft.com/office/drawing/2014/main" id="{2282BC90-49B8-5D2D-061B-8F4545D3D2BE}"/>
+                <a16:creationId xmlns:a16="http://schemas.microsoft.com/office/drawing/2014/main" id="{30E19318-BA72-E536-57CA-E5BD8F6AE0F0}"/>
               </a:ext>
             </a:extLst>
           </p:cNvPr>
-          <p:cNvSpPr txBox="1"/>
-          <p:nvPr/>
+          <p:cNvSpPr>
+            <a:spLocks noGrp="1"/>
+          </p:cNvSpPr>
+          <p:nvPr>
+            <p:ph type="body" idx="1"/>
+          </p:nvPr>
         </p:nvSpPr>
-        <p:spPr>
-          <a:xfrm>
-            <a:off x="7210425" y="1485589"/>
-            <a:ext cx="4736596" cy="5262979"/>
-          </a:xfrm>
-          <a:prstGeom prst="rect">
-            <a:avLst/>
-          </a:prstGeom>
-          <a:solidFill>
-            <a:schemeClr val="tx1"/>
-          </a:solidFill>
-        </p:spPr>
+        <p:spPr/>
         <p:txBody>
-          <a:bodyPr wrap="square" rtlCol="0">
-            <a:spAutoFit/>
-          </a:bodyPr>
+          <a:bodyPr/>
           <a:lstStyle/>
           <a:p>
-            <a:r>
-              <a:rPr lang="en-US" sz="1600" b="0" dirty="0">
-                <a:solidFill>
-                  <a:srgbClr val="FFFFFF"/>
-                </a:solidFill>
-                <a:effectLst/>
-                <a:latin typeface="Consolas" panose="020B0609020204030204" pitchFamily="49" charset="0"/>
-              </a:rPr>
-              <a:t>request </a:t>
-            </a:r>
-            <a:r>
-              <a:rPr lang="en-US" sz="1600" b="0" dirty="0">
-                <a:solidFill>
-                  <a:srgbClr val="FF9D00"/>
-                </a:solidFill>
-                <a:effectLst/>
-                <a:latin typeface="Consolas" panose="020B0609020204030204" pitchFamily="49" charset="0"/>
-              </a:rPr>
-              <a:t>=</a:t>
-            </a:r>
-            <a:r>
-              <a:rPr lang="en-US" sz="1600" b="0" dirty="0">
-                <a:solidFill>
-                  <a:srgbClr val="FFFFFF"/>
-                </a:solidFill>
-                <a:effectLst/>
-                <a:latin typeface="Consolas" panose="020B0609020204030204" pitchFamily="49" charset="0"/>
-              </a:rPr>
-              <a:t> </a:t>
-            </a:r>
-            <a:r>
-              <a:rPr lang="en-US" sz="1600" b="0" dirty="0">
-                <a:solidFill>
-                  <a:srgbClr val="FFC600"/>
-                </a:solidFill>
-                <a:effectLst/>
-                <a:latin typeface="Consolas" panose="020B0609020204030204" pitchFamily="49" charset="0"/>
-              </a:rPr>
-              <a:t>f</a:t>
-            </a:r>
-            <a:r>
-              <a:rPr lang="en-US" sz="1600" b="0" dirty="0">
-                <a:solidFill>
-                  <a:srgbClr val="A5FF90"/>
-                </a:solidFill>
-                <a:effectLst/>
-                <a:latin typeface="Consolas" panose="020B0609020204030204" pitchFamily="49" charset="0"/>
-              </a:rPr>
-              <a:t>"""</a:t>
-            </a:r>
-            <a:endParaRPr lang="en-US" sz="1600" b="0" dirty="0">
-              <a:solidFill>
-                <a:srgbClr val="FFFFFF"/>
-              </a:solidFill>
-              <a:effectLst/>
-              <a:latin typeface="Consolas" panose="020B0609020204030204" pitchFamily="49" charset="0"/>
-            </a:endParaRPr>
-          </a:p>
-          <a:p>
-            <a:r>
-              <a:rPr lang="en-US" sz="1600" b="0" dirty="0">
-                <a:solidFill>
-                  <a:srgbClr val="A5FF90"/>
-                </a:solidFill>
-                <a:effectLst/>
-                <a:latin typeface="Consolas" panose="020B0609020204030204" pitchFamily="49" charset="0"/>
-              </a:rPr>
-              <a:t>    You received a client feedback: </a:t>
-            </a:r>
-            <a:r>
-              <a:rPr lang="en-US" sz="1600" b="0" dirty="0">
-                <a:solidFill>
-                  <a:srgbClr val="FF628C"/>
-                </a:solidFill>
-                <a:effectLst/>
-                <a:latin typeface="Consolas" panose="020B0609020204030204" pitchFamily="49" charset="0"/>
-              </a:rPr>
-              <a:t>{</a:t>
-            </a:r>
-            <a:r>
-              <a:rPr lang="en-US" sz="1600" b="0" dirty="0" err="1">
-                <a:solidFill>
-                  <a:srgbClr val="E1EFFF"/>
-                </a:solidFill>
-                <a:effectLst/>
-                <a:latin typeface="Consolas" panose="020B0609020204030204" pitchFamily="49" charset="0"/>
-              </a:rPr>
-              <a:t>client_feeback</a:t>
-            </a:r>
-            <a:r>
-              <a:rPr lang="en-US" sz="1600" b="0" dirty="0">
-                <a:solidFill>
-                  <a:srgbClr val="FF628C"/>
-                </a:solidFill>
-                <a:effectLst/>
-                <a:latin typeface="Consolas" panose="020B0609020204030204" pitchFamily="49" charset="0"/>
-              </a:rPr>
-              <a:t>}</a:t>
-            </a:r>
-            <a:r>
-              <a:rPr lang="en-US" sz="1600" b="0" dirty="0">
-                <a:solidFill>
-                  <a:srgbClr val="A5FF90"/>
-                </a:solidFill>
-                <a:effectLst/>
-                <a:latin typeface="Consolas" panose="020B0609020204030204" pitchFamily="49" charset="0"/>
-              </a:rPr>
-              <a:t>. Determine the sentiment of the feedback and write an email to response to the client, no more than 100 words. The sentiment should be one of the following: POSITIVE, NEUTRAL, NEGATIVE. </a:t>
-            </a:r>
-            <a:endParaRPr lang="en-US" sz="1600" b="0" dirty="0">
-              <a:solidFill>
-                <a:srgbClr val="FFFFFF"/>
-              </a:solidFill>
-              <a:effectLst/>
-              <a:latin typeface="Consolas" panose="020B0609020204030204" pitchFamily="49" charset="0"/>
-            </a:endParaRPr>
-          </a:p>
-          <a:p>
-            <a:r>
-              <a:rPr lang="en-US" sz="1600" b="0" dirty="0">
-                <a:solidFill>
-                  <a:srgbClr val="A5FF90"/>
-                </a:solidFill>
-                <a:effectLst/>
-                <a:latin typeface="Consolas" panose="020B0609020204030204" pitchFamily="49" charset="0"/>
-              </a:rPr>
-              <a:t>    Format the response as a JSON object with the following keys: 'sentiment' and 'response'.</a:t>
-            </a:r>
-            <a:endParaRPr lang="en-US" sz="1600" b="0" dirty="0">
-              <a:solidFill>
-                <a:srgbClr val="FFFFFF"/>
-              </a:solidFill>
-              <a:effectLst/>
-              <a:latin typeface="Consolas" panose="020B0609020204030204" pitchFamily="49" charset="0"/>
-            </a:endParaRPr>
-          </a:p>
-          <a:p>
-            <a:r>
-              <a:rPr lang="en-US" sz="1600" b="0" dirty="0">
-                <a:solidFill>
-                  <a:srgbClr val="A5FF90"/>
-                </a:solidFill>
-                <a:effectLst/>
-                <a:latin typeface="Consolas" panose="020B0609020204030204" pitchFamily="49" charset="0"/>
-              </a:rPr>
-              <a:t>    """</a:t>
-            </a:r>
-          </a:p>
-          <a:p>
-            <a:r>
-              <a:rPr lang="en-US" sz="1600" b="0" i="1" dirty="0">
-                <a:solidFill>
-                  <a:srgbClr val="0088FF"/>
-                </a:solidFill>
-                <a:effectLst/>
-                <a:latin typeface="Consolas" panose="020B0609020204030204" pitchFamily="49" charset="0"/>
-              </a:rPr>
-              <a:t># Get response</a:t>
-            </a:r>
-            <a:endParaRPr lang="en-US" sz="1600" b="0" dirty="0">
-              <a:solidFill>
-                <a:srgbClr val="FFFFFF"/>
-              </a:solidFill>
-              <a:effectLst/>
-              <a:latin typeface="Consolas" panose="020B0609020204030204" pitchFamily="49" charset="0"/>
-            </a:endParaRPr>
-          </a:p>
-          <a:p>
-            <a:r>
-              <a:rPr lang="en-US" sz="1600" b="0" dirty="0">
-                <a:solidFill>
-                  <a:srgbClr val="FFFFFF"/>
-                </a:solidFill>
-                <a:effectLst/>
-                <a:latin typeface="Consolas" panose="020B0609020204030204" pitchFamily="49" charset="0"/>
-              </a:rPr>
-              <a:t>response </a:t>
-            </a:r>
-            <a:r>
-              <a:rPr lang="en-US" sz="1600" b="0" dirty="0">
-                <a:solidFill>
-                  <a:srgbClr val="FF9D00"/>
-                </a:solidFill>
-                <a:effectLst/>
-                <a:latin typeface="Consolas" panose="020B0609020204030204" pitchFamily="49" charset="0"/>
-              </a:rPr>
-              <a:t>=</a:t>
-            </a:r>
-            <a:r>
-              <a:rPr lang="en-US" sz="1600" b="0" dirty="0">
-                <a:solidFill>
-                  <a:srgbClr val="FFFFFF"/>
-                </a:solidFill>
-                <a:effectLst/>
-                <a:latin typeface="Consolas" panose="020B0609020204030204" pitchFamily="49" charset="0"/>
-              </a:rPr>
-              <a:t> </a:t>
-            </a:r>
-            <a:r>
-              <a:rPr lang="en-US" sz="1600" b="0" dirty="0" err="1">
-                <a:solidFill>
-                  <a:srgbClr val="FFFFFF"/>
-                </a:solidFill>
-                <a:effectLst/>
-                <a:latin typeface="Consolas" panose="020B0609020204030204" pitchFamily="49" charset="0"/>
-              </a:rPr>
-              <a:t>chain</a:t>
-            </a:r>
-            <a:r>
-              <a:rPr lang="en-US" sz="1600" b="0" dirty="0" err="1">
-                <a:solidFill>
-                  <a:srgbClr val="E1EFFF"/>
-                </a:solidFill>
-                <a:effectLst/>
-                <a:latin typeface="Consolas" panose="020B0609020204030204" pitchFamily="49" charset="0"/>
-              </a:rPr>
-              <a:t>.</a:t>
-            </a:r>
-            <a:r>
-              <a:rPr lang="en-US" sz="1600" b="0" dirty="0" err="1">
-                <a:solidFill>
-                  <a:srgbClr val="FFC600"/>
-                </a:solidFill>
-                <a:effectLst/>
-                <a:latin typeface="Consolas" panose="020B0609020204030204" pitchFamily="49" charset="0"/>
-              </a:rPr>
-              <a:t>invoke</a:t>
-            </a:r>
-            <a:r>
-              <a:rPr lang="en-US" sz="1600" b="0" dirty="0">
-                <a:solidFill>
-                  <a:srgbClr val="E1EFFF"/>
-                </a:solidFill>
-                <a:effectLst/>
-                <a:latin typeface="Consolas" panose="020B0609020204030204" pitchFamily="49" charset="0"/>
-              </a:rPr>
-              <a:t>({</a:t>
-            </a:r>
-            <a:r>
-              <a:rPr lang="en-US" sz="1600" b="0" dirty="0">
-                <a:solidFill>
-                  <a:srgbClr val="92FC79"/>
-                </a:solidFill>
-                <a:effectLst/>
-                <a:latin typeface="Consolas" panose="020B0609020204030204" pitchFamily="49" charset="0"/>
-              </a:rPr>
-              <a:t>"</a:t>
-            </a:r>
-            <a:r>
-              <a:rPr lang="en-US" sz="1600" b="0" dirty="0">
-                <a:solidFill>
-                  <a:srgbClr val="A5FF90"/>
-                </a:solidFill>
-                <a:effectLst/>
-                <a:latin typeface="Consolas" panose="020B0609020204030204" pitchFamily="49" charset="0"/>
-              </a:rPr>
-              <a:t>request</a:t>
-            </a:r>
-            <a:r>
-              <a:rPr lang="en-US" sz="1600" b="0" dirty="0">
-                <a:solidFill>
-                  <a:srgbClr val="92FC79"/>
-                </a:solidFill>
-                <a:effectLst/>
-                <a:latin typeface="Consolas" panose="020B0609020204030204" pitchFamily="49" charset="0"/>
-              </a:rPr>
-              <a:t>"</a:t>
-            </a:r>
-            <a:r>
-              <a:rPr lang="en-US" sz="1600" b="0" dirty="0">
-                <a:solidFill>
-                  <a:srgbClr val="E1EFFF"/>
-                </a:solidFill>
-                <a:effectLst/>
-                <a:latin typeface="Consolas" panose="020B0609020204030204" pitchFamily="49" charset="0"/>
-              </a:rPr>
-              <a:t>:</a:t>
-            </a:r>
-            <a:r>
-              <a:rPr lang="en-US" sz="1600" b="0" dirty="0">
-                <a:solidFill>
-                  <a:srgbClr val="FB94FF"/>
-                </a:solidFill>
-                <a:effectLst/>
-                <a:latin typeface="Consolas" panose="020B0609020204030204" pitchFamily="49" charset="0"/>
-              </a:rPr>
-              <a:t> </a:t>
-            </a:r>
-            <a:r>
-              <a:rPr lang="en-US" sz="1600" b="0" dirty="0">
-                <a:solidFill>
-                  <a:srgbClr val="FFFFFF"/>
-                </a:solidFill>
-                <a:effectLst/>
-                <a:latin typeface="Consolas" panose="020B0609020204030204" pitchFamily="49" charset="0"/>
-              </a:rPr>
-              <a:t>request</a:t>
-            </a:r>
-            <a:r>
-              <a:rPr lang="en-US" sz="1600" b="0" dirty="0">
-                <a:solidFill>
-                  <a:srgbClr val="E1EFFF"/>
-                </a:solidFill>
-                <a:effectLst/>
-                <a:latin typeface="Consolas" panose="020B0609020204030204" pitchFamily="49" charset="0"/>
-              </a:rPr>
-              <a:t>})</a:t>
-            </a:r>
-            <a:endParaRPr lang="en-US" sz="1600" b="0" dirty="0">
-              <a:solidFill>
-                <a:srgbClr val="FFFFFF"/>
-              </a:solidFill>
-              <a:effectLst/>
-              <a:latin typeface="Consolas" panose="020B0609020204030204" pitchFamily="49" charset="0"/>
-            </a:endParaRPr>
-          </a:p>
-          <a:p>
-            <a:br>
-              <a:rPr lang="en-US" sz="1600" b="0" dirty="0">
-                <a:solidFill>
-                  <a:srgbClr val="FFFFFF"/>
-                </a:solidFill>
-                <a:effectLst/>
-                <a:latin typeface="Consolas" panose="020B0609020204030204" pitchFamily="49" charset="0"/>
-              </a:rPr>
-            </a:br>
-            <a:r>
-              <a:rPr lang="en-US" sz="1600" b="0" i="1" dirty="0">
-                <a:solidFill>
-                  <a:srgbClr val="0088FF"/>
-                </a:solidFill>
-                <a:effectLst/>
-                <a:latin typeface="Consolas" panose="020B0609020204030204" pitchFamily="49" charset="0"/>
-              </a:rPr>
-              <a:t># Parse the response as a JSON object</a:t>
-            </a:r>
-            <a:endParaRPr lang="en-US" sz="1600" b="0" dirty="0">
-              <a:solidFill>
-                <a:srgbClr val="FFFFFF"/>
-              </a:solidFill>
-              <a:effectLst/>
-              <a:latin typeface="Consolas" panose="020B0609020204030204" pitchFamily="49" charset="0"/>
-            </a:endParaRPr>
-          </a:p>
-          <a:p>
-            <a:r>
-              <a:rPr lang="en-US" sz="1600" b="0" dirty="0">
-                <a:solidFill>
-                  <a:srgbClr val="FFFFFF"/>
-                </a:solidFill>
-                <a:effectLst/>
-                <a:latin typeface="Consolas" panose="020B0609020204030204" pitchFamily="49" charset="0"/>
-              </a:rPr>
-              <a:t>response </a:t>
-            </a:r>
-            <a:r>
-              <a:rPr lang="en-US" sz="1600" b="0" dirty="0">
-                <a:solidFill>
-                  <a:srgbClr val="FF9D00"/>
-                </a:solidFill>
-                <a:effectLst/>
-                <a:latin typeface="Consolas" panose="020B0609020204030204" pitchFamily="49" charset="0"/>
-              </a:rPr>
-              <a:t>=</a:t>
-            </a:r>
-            <a:r>
-              <a:rPr lang="en-US" sz="1600" b="0" dirty="0">
-                <a:solidFill>
-                  <a:srgbClr val="FFFFFF"/>
-                </a:solidFill>
-                <a:effectLst/>
-                <a:latin typeface="Consolas" panose="020B0609020204030204" pitchFamily="49" charset="0"/>
-              </a:rPr>
-              <a:t> </a:t>
-            </a:r>
-            <a:r>
-              <a:rPr lang="en-US" sz="1600" b="0" dirty="0" err="1">
-                <a:solidFill>
-                  <a:srgbClr val="FFC600"/>
-                </a:solidFill>
-                <a:effectLst/>
-                <a:latin typeface="Consolas" panose="020B0609020204030204" pitchFamily="49" charset="0"/>
-              </a:rPr>
-              <a:t>json</a:t>
-            </a:r>
-            <a:r>
-              <a:rPr lang="en-US" sz="1600" b="0" dirty="0" err="1">
-                <a:solidFill>
-                  <a:srgbClr val="E1EFFF"/>
-                </a:solidFill>
-                <a:effectLst/>
-                <a:latin typeface="Consolas" panose="020B0609020204030204" pitchFamily="49" charset="0"/>
-              </a:rPr>
-              <a:t>.</a:t>
-            </a:r>
-            <a:r>
-              <a:rPr lang="en-US" sz="1600" b="0" dirty="0" err="1">
-                <a:solidFill>
-                  <a:srgbClr val="FFC600"/>
-                </a:solidFill>
-                <a:effectLst/>
-                <a:latin typeface="Consolas" panose="020B0609020204030204" pitchFamily="49" charset="0"/>
-              </a:rPr>
-              <a:t>loads</a:t>
-            </a:r>
-            <a:r>
-              <a:rPr lang="en-US" sz="1600" b="0" dirty="0">
-                <a:solidFill>
-                  <a:srgbClr val="E1EFFF"/>
-                </a:solidFill>
-                <a:effectLst/>
-                <a:latin typeface="Consolas" panose="020B0609020204030204" pitchFamily="49" charset="0"/>
-              </a:rPr>
-              <a:t>(</a:t>
-            </a:r>
-            <a:r>
-              <a:rPr lang="en-US" sz="1600" b="0" dirty="0">
-                <a:solidFill>
-                  <a:srgbClr val="FFFFFF"/>
-                </a:solidFill>
-                <a:effectLst/>
-                <a:latin typeface="Consolas" panose="020B0609020204030204" pitchFamily="49" charset="0"/>
-              </a:rPr>
-              <a:t>response</a:t>
-            </a:r>
-            <a:r>
-              <a:rPr lang="en-US" sz="1600" b="0" dirty="0">
-                <a:solidFill>
-                  <a:srgbClr val="E1EFFF"/>
-                </a:solidFill>
-                <a:effectLst/>
-                <a:latin typeface="Consolas" panose="020B0609020204030204" pitchFamily="49" charset="0"/>
-              </a:rPr>
-              <a:t>)</a:t>
-            </a:r>
-          </a:p>
-          <a:p>
-            <a:endParaRPr lang="en-US" sz="1600" i="1" dirty="0">
-              <a:solidFill>
-                <a:srgbClr val="0088FF"/>
-              </a:solidFill>
-              <a:latin typeface="Consolas" panose="020B0609020204030204" pitchFamily="49" charset="0"/>
-            </a:endParaRPr>
-          </a:p>
-          <a:p>
-            <a:r>
-              <a:rPr lang="en-US" sz="1600" i="1" dirty="0">
-                <a:solidFill>
-                  <a:srgbClr val="0088FF"/>
-                </a:solidFill>
-                <a:latin typeface="Consolas" panose="020B0609020204030204" pitchFamily="49" charset="0"/>
-              </a:rPr>
-              <a:t># response["sentiment"]</a:t>
-            </a:r>
-          </a:p>
-          <a:p>
-            <a:r>
-              <a:rPr lang="en-US" sz="1600" i="1" dirty="0">
-                <a:solidFill>
-                  <a:srgbClr val="0088FF"/>
-                </a:solidFill>
-                <a:latin typeface="Consolas" panose="020B0609020204030204" pitchFamily="49" charset="0"/>
-              </a:rPr>
-              <a:t># response["response"]</a:t>
-            </a:r>
+            <a:endParaRPr lang="en-US"/>
           </a:p>
         </p:txBody>
       </p:sp>
     </p:spTree>
     <p:extLst>
       <p:ext uri="{BB962C8B-B14F-4D97-AF65-F5344CB8AC3E}">
-        <p14:creationId xmlns:p14="http://schemas.microsoft.com/office/powerpoint/2010/main" val="2853387918"/>
+        <p14:creationId xmlns:p14="http://schemas.microsoft.com/office/powerpoint/2010/main" val="901911074"/>
       </p:ext>
     </p:extLst>
   </p:cSld>
@@ -8981,6 +9185,808 @@
           <p:cNvPr id="2" name="Title 1">
             <a:extLst>
               <a:ext uri="{FF2B5EF4-FFF2-40B4-BE49-F238E27FC236}">
+                <a16:creationId xmlns:a16="http://schemas.microsoft.com/office/drawing/2014/main" id="{124A2C71-7136-375E-1B9C-7BF42EECF40F}"/>
+              </a:ext>
+            </a:extLst>
+          </p:cNvPr>
+          <p:cNvSpPr>
+            <a:spLocks noGrp="1"/>
+          </p:cNvSpPr>
+          <p:nvPr>
+            <p:ph type="title"/>
+          </p:nvPr>
+        </p:nvSpPr>
+        <p:spPr/>
+        <p:txBody>
+          <a:bodyPr/>
+          <a:lstStyle/>
+          <a:p>
+            <a:r>
+              <a:rPr lang="en-US" dirty="0"/>
+              <a:t>Customer AI Assistant</a:t>
+            </a:r>
+          </a:p>
+        </p:txBody>
+      </p:sp>
+      <p:pic>
+        <p:nvPicPr>
+          <p:cNvPr id="5" name="Picture 4">
+            <a:extLst>
+              <a:ext uri="{FF2B5EF4-FFF2-40B4-BE49-F238E27FC236}">
+                <a16:creationId xmlns:a16="http://schemas.microsoft.com/office/drawing/2014/main" id="{516A97A7-97AD-AC1A-8EE9-FB3198A4A2E5}"/>
+              </a:ext>
+            </a:extLst>
+          </p:cNvPr>
+          <p:cNvPicPr>
+            <a:picLocks noChangeAspect="1"/>
+          </p:cNvPicPr>
+          <p:nvPr/>
+        </p:nvPicPr>
+        <p:blipFill>
+          <a:blip r:embed="rId2"/>
+          <a:stretch>
+            <a:fillRect/>
+          </a:stretch>
+        </p:blipFill>
+        <p:spPr>
+          <a:xfrm>
+            <a:off x="0" y="1679887"/>
+            <a:ext cx="12192000" cy="3498227"/>
+          </a:xfrm>
+          <a:prstGeom prst="rect">
+            <a:avLst/>
+          </a:prstGeom>
+        </p:spPr>
+      </p:pic>
+    </p:spTree>
+    <p:extLst>
+      <p:ext uri="{BB962C8B-B14F-4D97-AF65-F5344CB8AC3E}">
+        <p14:creationId xmlns:p14="http://schemas.microsoft.com/office/powerpoint/2010/main" val="4028734363"/>
+      </p:ext>
+    </p:extLst>
+  </p:cSld>
+  <p:clrMapOvr>
+    <a:masterClrMapping/>
+  </p:clrMapOvr>
+</p:sld>
+</file>
+
+<file path=ppt/slides/slide22.xml><?xml version="1.0" encoding="utf-8"?>
+<p:sld xmlns:a="http://schemas.openxmlformats.org/drawingml/2006/main" xmlns:r="http://schemas.openxmlformats.org/officeDocument/2006/relationships" xmlns:p="http://schemas.openxmlformats.org/presentationml/2006/main">
+  <p:cSld>
+    <p:spTree>
+      <p:nvGrpSpPr>
+        <p:cNvPr id="1" name=""/>
+        <p:cNvGrpSpPr/>
+        <p:nvPr/>
+      </p:nvGrpSpPr>
+      <p:grpSpPr>
+        <a:xfrm>
+          <a:off x="0" y="0"/>
+          <a:ext cx="0" cy="0"/>
+          <a:chOff x="0" y="0"/>
+          <a:chExt cx="0" cy="0"/>
+        </a:xfrm>
+      </p:grpSpPr>
+      <p:sp>
+        <p:nvSpPr>
+          <p:cNvPr id="2" name="Title 1">
+            <a:extLst>
+              <a:ext uri="{FF2B5EF4-FFF2-40B4-BE49-F238E27FC236}">
+                <a16:creationId xmlns:a16="http://schemas.microsoft.com/office/drawing/2014/main" id="{124A2C71-7136-375E-1B9C-7BF42EECF40F}"/>
+              </a:ext>
+            </a:extLst>
+          </p:cNvPr>
+          <p:cNvSpPr>
+            <a:spLocks noGrp="1"/>
+          </p:cNvSpPr>
+          <p:nvPr>
+            <p:ph type="title"/>
+          </p:nvPr>
+        </p:nvSpPr>
+        <p:spPr/>
+        <p:txBody>
+          <a:bodyPr/>
+          <a:lstStyle/>
+          <a:p>
+            <a:r>
+              <a:rPr lang="en-US" dirty="0"/>
+              <a:t>Requesting output in a specific format</a:t>
+            </a:r>
+          </a:p>
+        </p:txBody>
+      </p:sp>
+      <p:pic>
+        <p:nvPicPr>
+          <p:cNvPr id="6" name="Picture 5">
+            <a:extLst>
+              <a:ext uri="{FF2B5EF4-FFF2-40B4-BE49-F238E27FC236}">
+                <a16:creationId xmlns:a16="http://schemas.microsoft.com/office/drawing/2014/main" id="{EBAAEA4B-267E-5502-4583-F3E82FE4A561}"/>
+              </a:ext>
+            </a:extLst>
+          </p:cNvPr>
+          <p:cNvPicPr>
+            <a:picLocks noChangeAspect="1"/>
+          </p:cNvPicPr>
+          <p:nvPr/>
+        </p:nvPicPr>
+        <p:blipFill>
+          <a:blip r:embed="rId2"/>
+          <a:stretch>
+            <a:fillRect/>
+          </a:stretch>
+        </p:blipFill>
+        <p:spPr>
+          <a:xfrm>
+            <a:off x="0" y="1690688"/>
+            <a:ext cx="7210425" cy="1933575"/>
+          </a:xfrm>
+          <a:prstGeom prst="rect">
+            <a:avLst/>
+          </a:prstGeom>
+        </p:spPr>
+      </p:pic>
+      <p:pic>
+        <p:nvPicPr>
+          <p:cNvPr id="8" name="Picture 7">
+            <a:extLst>
+              <a:ext uri="{FF2B5EF4-FFF2-40B4-BE49-F238E27FC236}">
+                <a16:creationId xmlns:a16="http://schemas.microsoft.com/office/drawing/2014/main" id="{BC23A132-88C2-2520-7E5B-23E1951DA010}"/>
+              </a:ext>
+            </a:extLst>
+          </p:cNvPr>
+          <p:cNvPicPr>
+            <a:picLocks noChangeAspect="1"/>
+          </p:cNvPicPr>
+          <p:nvPr/>
+        </p:nvPicPr>
+        <p:blipFill>
+          <a:blip r:embed="rId3"/>
+          <a:stretch>
+            <a:fillRect/>
+          </a:stretch>
+        </p:blipFill>
+        <p:spPr>
+          <a:xfrm>
+            <a:off x="0" y="3788930"/>
+            <a:ext cx="7153275" cy="2457450"/>
+          </a:xfrm>
+          <a:prstGeom prst="rect">
+            <a:avLst/>
+          </a:prstGeom>
+        </p:spPr>
+      </p:pic>
+      <p:sp>
+        <p:nvSpPr>
+          <p:cNvPr id="9" name="TextBox 8">
+            <a:extLst>
+              <a:ext uri="{FF2B5EF4-FFF2-40B4-BE49-F238E27FC236}">
+                <a16:creationId xmlns:a16="http://schemas.microsoft.com/office/drawing/2014/main" id="{2282BC90-49B8-5D2D-061B-8F4545D3D2BE}"/>
+              </a:ext>
+            </a:extLst>
+          </p:cNvPr>
+          <p:cNvSpPr txBox="1"/>
+          <p:nvPr/>
+        </p:nvSpPr>
+        <p:spPr>
+          <a:xfrm>
+            <a:off x="7210425" y="1485589"/>
+            <a:ext cx="4736596" cy="5262979"/>
+          </a:xfrm>
+          <a:prstGeom prst="rect">
+            <a:avLst/>
+          </a:prstGeom>
+          <a:solidFill>
+            <a:schemeClr val="tx1"/>
+          </a:solidFill>
+        </p:spPr>
+        <p:txBody>
+          <a:bodyPr wrap="square" rtlCol="0">
+            <a:spAutoFit/>
+          </a:bodyPr>
+          <a:lstStyle/>
+          <a:p>
+            <a:r>
+              <a:rPr lang="en-US" sz="1600" b="0" dirty="0">
+                <a:solidFill>
+                  <a:srgbClr val="FFFFFF"/>
+                </a:solidFill>
+                <a:effectLst/>
+                <a:latin typeface="Consolas" panose="020B0609020204030204" pitchFamily="49" charset="0"/>
+              </a:rPr>
+              <a:t>request </a:t>
+            </a:r>
+            <a:r>
+              <a:rPr lang="en-US" sz="1600" b="0" dirty="0">
+                <a:solidFill>
+                  <a:srgbClr val="FF9D00"/>
+                </a:solidFill>
+                <a:effectLst/>
+                <a:latin typeface="Consolas" panose="020B0609020204030204" pitchFamily="49" charset="0"/>
+              </a:rPr>
+              <a:t>=</a:t>
+            </a:r>
+            <a:r>
+              <a:rPr lang="en-US" sz="1600" b="0" dirty="0">
+                <a:solidFill>
+                  <a:srgbClr val="FFFFFF"/>
+                </a:solidFill>
+                <a:effectLst/>
+                <a:latin typeface="Consolas" panose="020B0609020204030204" pitchFamily="49" charset="0"/>
+              </a:rPr>
+              <a:t> </a:t>
+            </a:r>
+            <a:r>
+              <a:rPr lang="en-US" sz="1600" b="0" dirty="0">
+                <a:solidFill>
+                  <a:srgbClr val="FFC600"/>
+                </a:solidFill>
+                <a:effectLst/>
+                <a:latin typeface="Consolas" panose="020B0609020204030204" pitchFamily="49" charset="0"/>
+              </a:rPr>
+              <a:t>f</a:t>
+            </a:r>
+            <a:r>
+              <a:rPr lang="en-US" sz="1600" b="0" dirty="0">
+                <a:solidFill>
+                  <a:srgbClr val="A5FF90"/>
+                </a:solidFill>
+                <a:effectLst/>
+                <a:latin typeface="Consolas" panose="020B0609020204030204" pitchFamily="49" charset="0"/>
+              </a:rPr>
+              <a:t>"""</a:t>
+            </a:r>
+            <a:endParaRPr lang="en-US" sz="1600" b="0" dirty="0">
+              <a:solidFill>
+                <a:srgbClr val="FFFFFF"/>
+              </a:solidFill>
+              <a:effectLst/>
+              <a:latin typeface="Consolas" panose="020B0609020204030204" pitchFamily="49" charset="0"/>
+            </a:endParaRPr>
+          </a:p>
+          <a:p>
+            <a:r>
+              <a:rPr lang="en-US" sz="1600" b="0" dirty="0">
+                <a:solidFill>
+                  <a:srgbClr val="A5FF90"/>
+                </a:solidFill>
+                <a:effectLst/>
+                <a:latin typeface="Consolas" panose="020B0609020204030204" pitchFamily="49" charset="0"/>
+              </a:rPr>
+              <a:t>    You received a client feedback: </a:t>
+            </a:r>
+            <a:r>
+              <a:rPr lang="en-US" sz="1600" b="0" dirty="0">
+                <a:solidFill>
+                  <a:srgbClr val="FF628C"/>
+                </a:solidFill>
+                <a:effectLst/>
+                <a:latin typeface="Consolas" panose="020B0609020204030204" pitchFamily="49" charset="0"/>
+              </a:rPr>
+              <a:t>{</a:t>
+            </a:r>
+            <a:r>
+              <a:rPr lang="en-US" sz="1600" b="0" dirty="0" err="1">
+                <a:solidFill>
+                  <a:srgbClr val="E1EFFF"/>
+                </a:solidFill>
+                <a:effectLst/>
+                <a:latin typeface="Consolas" panose="020B0609020204030204" pitchFamily="49" charset="0"/>
+              </a:rPr>
+              <a:t>client_feeback</a:t>
+            </a:r>
+            <a:r>
+              <a:rPr lang="en-US" sz="1600" b="0" dirty="0">
+                <a:solidFill>
+                  <a:srgbClr val="FF628C"/>
+                </a:solidFill>
+                <a:effectLst/>
+                <a:latin typeface="Consolas" panose="020B0609020204030204" pitchFamily="49" charset="0"/>
+              </a:rPr>
+              <a:t>}</a:t>
+            </a:r>
+            <a:r>
+              <a:rPr lang="en-US" sz="1600" b="0" dirty="0">
+                <a:solidFill>
+                  <a:srgbClr val="A5FF90"/>
+                </a:solidFill>
+                <a:effectLst/>
+                <a:latin typeface="Consolas" panose="020B0609020204030204" pitchFamily="49" charset="0"/>
+              </a:rPr>
+              <a:t>. Determine the sentiment of the feedback and write an email to response to the client, no more than 100 words. The sentiment should be one of the following: POSITIVE, NEUTRAL, NEGATIVE. </a:t>
+            </a:r>
+            <a:endParaRPr lang="en-US" sz="1600" b="0" dirty="0">
+              <a:solidFill>
+                <a:srgbClr val="FFFFFF"/>
+              </a:solidFill>
+              <a:effectLst/>
+              <a:latin typeface="Consolas" panose="020B0609020204030204" pitchFamily="49" charset="0"/>
+            </a:endParaRPr>
+          </a:p>
+          <a:p>
+            <a:r>
+              <a:rPr lang="en-US" sz="1600" b="0" dirty="0">
+                <a:solidFill>
+                  <a:srgbClr val="A5FF90"/>
+                </a:solidFill>
+                <a:effectLst/>
+                <a:latin typeface="Consolas" panose="020B0609020204030204" pitchFamily="49" charset="0"/>
+              </a:rPr>
+              <a:t>    Format the response as a JSON object with the following keys: 'sentiment' and 'response'.</a:t>
+            </a:r>
+            <a:endParaRPr lang="en-US" sz="1600" b="0" dirty="0">
+              <a:solidFill>
+                <a:srgbClr val="FFFFFF"/>
+              </a:solidFill>
+              <a:effectLst/>
+              <a:latin typeface="Consolas" panose="020B0609020204030204" pitchFamily="49" charset="0"/>
+            </a:endParaRPr>
+          </a:p>
+          <a:p>
+            <a:r>
+              <a:rPr lang="en-US" sz="1600" b="0" dirty="0">
+                <a:solidFill>
+                  <a:srgbClr val="A5FF90"/>
+                </a:solidFill>
+                <a:effectLst/>
+                <a:latin typeface="Consolas" panose="020B0609020204030204" pitchFamily="49" charset="0"/>
+              </a:rPr>
+              <a:t>    """</a:t>
+            </a:r>
+          </a:p>
+          <a:p>
+            <a:r>
+              <a:rPr lang="en-US" sz="1600" b="0" i="1" dirty="0">
+                <a:solidFill>
+                  <a:srgbClr val="0088FF"/>
+                </a:solidFill>
+                <a:effectLst/>
+                <a:latin typeface="Consolas" panose="020B0609020204030204" pitchFamily="49" charset="0"/>
+              </a:rPr>
+              <a:t># Get response</a:t>
+            </a:r>
+            <a:endParaRPr lang="en-US" sz="1600" b="0" dirty="0">
+              <a:solidFill>
+                <a:srgbClr val="FFFFFF"/>
+              </a:solidFill>
+              <a:effectLst/>
+              <a:latin typeface="Consolas" panose="020B0609020204030204" pitchFamily="49" charset="0"/>
+            </a:endParaRPr>
+          </a:p>
+          <a:p>
+            <a:r>
+              <a:rPr lang="en-US" sz="1600" b="0" dirty="0">
+                <a:solidFill>
+                  <a:srgbClr val="FFFFFF"/>
+                </a:solidFill>
+                <a:effectLst/>
+                <a:latin typeface="Consolas" panose="020B0609020204030204" pitchFamily="49" charset="0"/>
+              </a:rPr>
+              <a:t>response </a:t>
+            </a:r>
+            <a:r>
+              <a:rPr lang="en-US" sz="1600" b="0" dirty="0">
+                <a:solidFill>
+                  <a:srgbClr val="FF9D00"/>
+                </a:solidFill>
+                <a:effectLst/>
+                <a:latin typeface="Consolas" panose="020B0609020204030204" pitchFamily="49" charset="0"/>
+              </a:rPr>
+              <a:t>=</a:t>
+            </a:r>
+            <a:r>
+              <a:rPr lang="en-US" sz="1600" b="0" dirty="0">
+                <a:solidFill>
+                  <a:srgbClr val="FFFFFF"/>
+                </a:solidFill>
+                <a:effectLst/>
+                <a:latin typeface="Consolas" panose="020B0609020204030204" pitchFamily="49" charset="0"/>
+              </a:rPr>
+              <a:t> </a:t>
+            </a:r>
+            <a:r>
+              <a:rPr lang="en-US" sz="1600" b="0" dirty="0" err="1">
+                <a:solidFill>
+                  <a:srgbClr val="FFFFFF"/>
+                </a:solidFill>
+                <a:effectLst/>
+                <a:latin typeface="Consolas" panose="020B0609020204030204" pitchFamily="49" charset="0"/>
+              </a:rPr>
+              <a:t>chain</a:t>
+            </a:r>
+            <a:r>
+              <a:rPr lang="en-US" sz="1600" b="0" dirty="0" err="1">
+                <a:solidFill>
+                  <a:srgbClr val="E1EFFF"/>
+                </a:solidFill>
+                <a:effectLst/>
+                <a:latin typeface="Consolas" panose="020B0609020204030204" pitchFamily="49" charset="0"/>
+              </a:rPr>
+              <a:t>.</a:t>
+            </a:r>
+            <a:r>
+              <a:rPr lang="en-US" sz="1600" b="0" dirty="0" err="1">
+                <a:solidFill>
+                  <a:srgbClr val="FFC600"/>
+                </a:solidFill>
+                <a:effectLst/>
+                <a:latin typeface="Consolas" panose="020B0609020204030204" pitchFamily="49" charset="0"/>
+              </a:rPr>
+              <a:t>invoke</a:t>
+            </a:r>
+            <a:r>
+              <a:rPr lang="en-US" sz="1600" b="0" dirty="0">
+                <a:solidFill>
+                  <a:srgbClr val="E1EFFF"/>
+                </a:solidFill>
+                <a:effectLst/>
+                <a:latin typeface="Consolas" panose="020B0609020204030204" pitchFamily="49" charset="0"/>
+              </a:rPr>
+              <a:t>({</a:t>
+            </a:r>
+            <a:r>
+              <a:rPr lang="en-US" sz="1600" b="0" dirty="0">
+                <a:solidFill>
+                  <a:srgbClr val="92FC79"/>
+                </a:solidFill>
+                <a:effectLst/>
+                <a:latin typeface="Consolas" panose="020B0609020204030204" pitchFamily="49" charset="0"/>
+              </a:rPr>
+              <a:t>"</a:t>
+            </a:r>
+            <a:r>
+              <a:rPr lang="en-US" sz="1600" b="0" dirty="0">
+                <a:solidFill>
+                  <a:srgbClr val="A5FF90"/>
+                </a:solidFill>
+                <a:effectLst/>
+                <a:latin typeface="Consolas" panose="020B0609020204030204" pitchFamily="49" charset="0"/>
+              </a:rPr>
+              <a:t>request</a:t>
+            </a:r>
+            <a:r>
+              <a:rPr lang="en-US" sz="1600" b="0" dirty="0">
+                <a:solidFill>
+                  <a:srgbClr val="92FC79"/>
+                </a:solidFill>
+                <a:effectLst/>
+                <a:latin typeface="Consolas" panose="020B0609020204030204" pitchFamily="49" charset="0"/>
+              </a:rPr>
+              <a:t>"</a:t>
+            </a:r>
+            <a:r>
+              <a:rPr lang="en-US" sz="1600" b="0" dirty="0">
+                <a:solidFill>
+                  <a:srgbClr val="E1EFFF"/>
+                </a:solidFill>
+                <a:effectLst/>
+                <a:latin typeface="Consolas" panose="020B0609020204030204" pitchFamily="49" charset="0"/>
+              </a:rPr>
+              <a:t>:</a:t>
+            </a:r>
+            <a:r>
+              <a:rPr lang="en-US" sz="1600" b="0" dirty="0">
+                <a:solidFill>
+                  <a:srgbClr val="FB94FF"/>
+                </a:solidFill>
+                <a:effectLst/>
+                <a:latin typeface="Consolas" panose="020B0609020204030204" pitchFamily="49" charset="0"/>
+              </a:rPr>
+              <a:t> </a:t>
+            </a:r>
+            <a:r>
+              <a:rPr lang="en-US" sz="1600" b="0" dirty="0">
+                <a:solidFill>
+                  <a:srgbClr val="FFFFFF"/>
+                </a:solidFill>
+                <a:effectLst/>
+                <a:latin typeface="Consolas" panose="020B0609020204030204" pitchFamily="49" charset="0"/>
+              </a:rPr>
+              <a:t>request</a:t>
+            </a:r>
+            <a:r>
+              <a:rPr lang="en-US" sz="1600" b="0" dirty="0">
+                <a:solidFill>
+                  <a:srgbClr val="E1EFFF"/>
+                </a:solidFill>
+                <a:effectLst/>
+                <a:latin typeface="Consolas" panose="020B0609020204030204" pitchFamily="49" charset="0"/>
+              </a:rPr>
+              <a:t>})</a:t>
+            </a:r>
+            <a:endParaRPr lang="en-US" sz="1600" b="0" dirty="0">
+              <a:solidFill>
+                <a:srgbClr val="FFFFFF"/>
+              </a:solidFill>
+              <a:effectLst/>
+              <a:latin typeface="Consolas" panose="020B0609020204030204" pitchFamily="49" charset="0"/>
+            </a:endParaRPr>
+          </a:p>
+          <a:p>
+            <a:br>
+              <a:rPr lang="en-US" sz="1600" b="0" dirty="0">
+                <a:solidFill>
+                  <a:srgbClr val="FFFFFF"/>
+                </a:solidFill>
+                <a:effectLst/>
+                <a:latin typeface="Consolas" panose="020B0609020204030204" pitchFamily="49" charset="0"/>
+              </a:rPr>
+            </a:br>
+            <a:r>
+              <a:rPr lang="en-US" sz="1600" b="0" i="1" dirty="0">
+                <a:solidFill>
+                  <a:srgbClr val="0088FF"/>
+                </a:solidFill>
+                <a:effectLst/>
+                <a:latin typeface="Consolas" panose="020B0609020204030204" pitchFamily="49" charset="0"/>
+              </a:rPr>
+              <a:t># Parse the response as a JSON object</a:t>
+            </a:r>
+            <a:endParaRPr lang="en-US" sz="1600" b="0" dirty="0">
+              <a:solidFill>
+                <a:srgbClr val="FFFFFF"/>
+              </a:solidFill>
+              <a:effectLst/>
+              <a:latin typeface="Consolas" panose="020B0609020204030204" pitchFamily="49" charset="0"/>
+            </a:endParaRPr>
+          </a:p>
+          <a:p>
+            <a:r>
+              <a:rPr lang="en-US" sz="1600" b="0" dirty="0">
+                <a:solidFill>
+                  <a:srgbClr val="FFFFFF"/>
+                </a:solidFill>
+                <a:effectLst/>
+                <a:latin typeface="Consolas" panose="020B0609020204030204" pitchFamily="49" charset="0"/>
+              </a:rPr>
+              <a:t>response </a:t>
+            </a:r>
+            <a:r>
+              <a:rPr lang="en-US" sz="1600" b="0" dirty="0">
+                <a:solidFill>
+                  <a:srgbClr val="FF9D00"/>
+                </a:solidFill>
+                <a:effectLst/>
+                <a:latin typeface="Consolas" panose="020B0609020204030204" pitchFamily="49" charset="0"/>
+              </a:rPr>
+              <a:t>=</a:t>
+            </a:r>
+            <a:r>
+              <a:rPr lang="en-US" sz="1600" b="0" dirty="0">
+                <a:solidFill>
+                  <a:srgbClr val="FFFFFF"/>
+                </a:solidFill>
+                <a:effectLst/>
+                <a:latin typeface="Consolas" panose="020B0609020204030204" pitchFamily="49" charset="0"/>
+              </a:rPr>
+              <a:t> </a:t>
+            </a:r>
+            <a:r>
+              <a:rPr lang="en-US" sz="1600" b="0" dirty="0" err="1">
+                <a:solidFill>
+                  <a:srgbClr val="FFC600"/>
+                </a:solidFill>
+                <a:effectLst/>
+                <a:latin typeface="Consolas" panose="020B0609020204030204" pitchFamily="49" charset="0"/>
+              </a:rPr>
+              <a:t>json</a:t>
+            </a:r>
+            <a:r>
+              <a:rPr lang="en-US" sz="1600" b="0" dirty="0" err="1">
+                <a:solidFill>
+                  <a:srgbClr val="E1EFFF"/>
+                </a:solidFill>
+                <a:effectLst/>
+                <a:latin typeface="Consolas" panose="020B0609020204030204" pitchFamily="49" charset="0"/>
+              </a:rPr>
+              <a:t>.</a:t>
+            </a:r>
+            <a:r>
+              <a:rPr lang="en-US" sz="1600" b="0" dirty="0" err="1">
+                <a:solidFill>
+                  <a:srgbClr val="FFC600"/>
+                </a:solidFill>
+                <a:effectLst/>
+                <a:latin typeface="Consolas" panose="020B0609020204030204" pitchFamily="49" charset="0"/>
+              </a:rPr>
+              <a:t>loads</a:t>
+            </a:r>
+            <a:r>
+              <a:rPr lang="en-US" sz="1600" b="0" dirty="0">
+                <a:solidFill>
+                  <a:srgbClr val="E1EFFF"/>
+                </a:solidFill>
+                <a:effectLst/>
+                <a:latin typeface="Consolas" panose="020B0609020204030204" pitchFamily="49" charset="0"/>
+              </a:rPr>
+              <a:t>(</a:t>
+            </a:r>
+            <a:r>
+              <a:rPr lang="en-US" sz="1600" b="0" dirty="0">
+                <a:solidFill>
+                  <a:srgbClr val="FFFFFF"/>
+                </a:solidFill>
+                <a:effectLst/>
+                <a:latin typeface="Consolas" panose="020B0609020204030204" pitchFamily="49" charset="0"/>
+              </a:rPr>
+              <a:t>response</a:t>
+            </a:r>
+            <a:r>
+              <a:rPr lang="en-US" sz="1600" b="0" dirty="0">
+                <a:solidFill>
+                  <a:srgbClr val="E1EFFF"/>
+                </a:solidFill>
+                <a:effectLst/>
+                <a:latin typeface="Consolas" panose="020B0609020204030204" pitchFamily="49" charset="0"/>
+              </a:rPr>
+              <a:t>)</a:t>
+            </a:r>
+          </a:p>
+          <a:p>
+            <a:endParaRPr lang="en-US" sz="1600" i="1" dirty="0">
+              <a:solidFill>
+                <a:srgbClr val="0088FF"/>
+              </a:solidFill>
+              <a:latin typeface="Consolas" panose="020B0609020204030204" pitchFamily="49" charset="0"/>
+            </a:endParaRPr>
+          </a:p>
+          <a:p>
+            <a:r>
+              <a:rPr lang="en-US" sz="1600" i="1" dirty="0">
+                <a:solidFill>
+                  <a:srgbClr val="0088FF"/>
+                </a:solidFill>
+                <a:latin typeface="Consolas" panose="020B0609020204030204" pitchFamily="49" charset="0"/>
+              </a:rPr>
+              <a:t># response["sentiment"]</a:t>
+            </a:r>
+          </a:p>
+          <a:p>
+            <a:r>
+              <a:rPr lang="en-US" sz="1600" i="1" dirty="0">
+                <a:solidFill>
+                  <a:srgbClr val="0088FF"/>
+                </a:solidFill>
+                <a:latin typeface="Consolas" panose="020B0609020204030204" pitchFamily="49" charset="0"/>
+              </a:rPr>
+              <a:t># response["response"]</a:t>
+            </a:r>
+          </a:p>
+        </p:txBody>
+      </p:sp>
+    </p:spTree>
+    <p:extLst>
+      <p:ext uri="{BB962C8B-B14F-4D97-AF65-F5344CB8AC3E}">
+        <p14:creationId xmlns:p14="http://schemas.microsoft.com/office/powerpoint/2010/main" val="2853387918"/>
+      </p:ext>
+    </p:extLst>
+  </p:cSld>
+  <p:clrMapOvr>
+    <a:masterClrMapping/>
+  </p:clrMapOvr>
+</p:sld>
+</file>
+
+<file path=ppt/slides/slide23.xml><?xml version="1.0" encoding="utf-8"?>
+<p:sld xmlns:a="http://schemas.openxmlformats.org/drawingml/2006/main" xmlns:r="http://schemas.openxmlformats.org/officeDocument/2006/relationships" xmlns:p="http://schemas.openxmlformats.org/presentationml/2006/main">
+  <p:cSld>
+    <p:spTree>
+      <p:nvGrpSpPr>
+        <p:cNvPr id="1" name=""/>
+        <p:cNvGrpSpPr/>
+        <p:nvPr/>
+      </p:nvGrpSpPr>
+      <p:grpSpPr>
+        <a:xfrm>
+          <a:off x="0" y="0"/>
+          <a:ext cx="0" cy="0"/>
+          <a:chOff x="0" y="0"/>
+          <a:chExt cx="0" cy="0"/>
+        </a:xfrm>
+      </p:grpSpPr>
+      <p:sp>
+        <p:nvSpPr>
+          <p:cNvPr id="2" name="Title 1">
+            <a:extLst>
+              <a:ext uri="{FF2B5EF4-FFF2-40B4-BE49-F238E27FC236}">
+                <a16:creationId xmlns:a16="http://schemas.microsoft.com/office/drawing/2014/main" id="{538C8B13-B215-8A3A-0819-E346434F2A45}"/>
+              </a:ext>
+            </a:extLst>
+          </p:cNvPr>
+          <p:cNvSpPr>
+            <a:spLocks noGrp="1"/>
+          </p:cNvSpPr>
+          <p:nvPr>
+            <p:ph type="title"/>
+          </p:nvPr>
+        </p:nvSpPr>
+        <p:spPr/>
+        <p:txBody>
+          <a:bodyPr/>
+          <a:lstStyle/>
+          <a:p>
+            <a:r>
+              <a:rPr lang="en-US" dirty="0"/>
+              <a:t>What we have learned</a:t>
+            </a:r>
+          </a:p>
+        </p:txBody>
+      </p:sp>
+      <p:sp>
+        <p:nvSpPr>
+          <p:cNvPr id="3" name="Content Placeholder 2">
+            <a:extLst>
+              <a:ext uri="{FF2B5EF4-FFF2-40B4-BE49-F238E27FC236}">
+                <a16:creationId xmlns:a16="http://schemas.microsoft.com/office/drawing/2014/main" id="{C24A1036-4075-ED7D-BDE1-285EB6E63E67}"/>
+              </a:ext>
+            </a:extLst>
+          </p:cNvPr>
+          <p:cNvSpPr>
+            <a:spLocks noGrp="1"/>
+          </p:cNvSpPr>
+          <p:nvPr>
+            <p:ph idx="1"/>
+          </p:nvPr>
+        </p:nvSpPr>
+        <p:spPr/>
+        <p:txBody>
+          <a:bodyPr/>
+          <a:lstStyle/>
+          <a:p>
+            <a:r>
+              <a:rPr lang="en-US" dirty="0"/>
+              <a:t>Asking output as a specific format, e.g. </a:t>
+            </a:r>
+            <a:r>
+              <a:rPr lang="en-US" dirty="0" err="1"/>
+              <a:t>json</a:t>
+            </a:r>
+            <a:endParaRPr lang="en-US" dirty="0"/>
+          </a:p>
+          <a:p>
+            <a:pPr lvl="1"/>
+            <a:r>
+              <a:rPr lang="en-US" dirty="0"/>
+              <a:t>making it easy to integrate into applications</a:t>
+            </a:r>
+          </a:p>
+        </p:txBody>
+      </p:sp>
+    </p:spTree>
+    <p:extLst>
+      <p:ext uri="{BB962C8B-B14F-4D97-AF65-F5344CB8AC3E}">
+        <p14:creationId xmlns:p14="http://schemas.microsoft.com/office/powerpoint/2010/main" val="2989151170"/>
+      </p:ext>
+    </p:extLst>
+  </p:cSld>
+  <p:clrMapOvr>
+    <a:masterClrMapping/>
+  </p:clrMapOvr>
+</p:sld>
+</file>
+
+<file path=ppt/slides/slide24.xml><?xml version="1.0" encoding="utf-8"?>
+<p:sld xmlns:a="http://schemas.openxmlformats.org/drawingml/2006/main" xmlns:r="http://schemas.openxmlformats.org/officeDocument/2006/relationships" xmlns:p="http://schemas.openxmlformats.org/presentationml/2006/main">
+  <p:cSld>
+    <p:spTree>
+      <p:nvGrpSpPr>
+        <p:cNvPr id="1" name=""/>
+        <p:cNvGrpSpPr/>
+        <p:nvPr/>
+      </p:nvGrpSpPr>
+      <p:grpSpPr>
+        <a:xfrm>
+          <a:off x="0" y="0"/>
+          <a:ext cx="0" cy="0"/>
+          <a:chOff x="0" y="0"/>
+          <a:chExt cx="0" cy="0"/>
+        </a:xfrm>
+      </p:grpSpPr>
+      <p:sp>
+        <p:nvSpPr>
+          <p:cNvPr id="2" name="Title 1">
+            <a:extLst>
+              <a:ext uri="{FF2B5EF4-FFF2-40B4-BE49-F238E27FC236}">
                 <a16:creationId xmlns:a16="http://schemas.microsoft.com/office/drawing/2014/main" id="{23A33FCC-F5BB-E720-E2A1-EF6117C06EB3}"/>
               </a:ext>
             </a:extLst>
@@ -9042,7 +10048,7 @@
 </p:sld>
 </file>
 
-<file path=ppt/slides/slide22.xml><?xml version="1.0" encoding="utf-8"?>
+<file path=ppt/slides/slide25.xml><?xml version="1.0" encoding="utf-8"?>
 <p:sld xmlns:a="http://schemas.openxmlformats.org/drawingml/2006/main" xmlns:r="http://schemas.openxmlformats.org/officeDocument/2006/relationships" xmlns:p="http://schemas.openxmlformats.org/presentationml/2006/main">
   <p:cSld>
     <p:spTree>
@@ -9130,7 +10136,7 @@
 </p:sld>
 </file>
 
-<file path=ppt/slides/slide23.xml><?xml version="1.0" encoding="utf-8"?>
+<file path=ppt/slides/slide26.xml><?xml version="1.0" encoding="utf-8"?>
 <p:sld xmlns:a="http://schemas.openxmlformats.org/drawingml/2006/main" xmlns:r="http://schemas.openxmlformats.org/officeDocument/2006/relationships" xmlns:p="http://schemas.openxmlformats.org/presentationml/2006/main">
   <p:cSld>
     <p:spTree>
@@ -10834,7 +11840,7 @@
 </p:sld>
 </file>
 
-<file path=ppt/slides/slide24.xml><?xml version="1.0" encoding="utf-8"?>
+<file path=ppt/slides/slide27.xml><?xml version="1.0" encoding="utf-8"?>
 <p:sld xmlns:a="http://schemas.openxmlformats.org/drawingml/2006/main" xmlns:r="http://schemas.openxmlformats.org/officeDocument/2006/relationships" xmlns:p="http://schemas.openxmlformats.org/presentationml/2006/main">
   <p:cSld>
     <p:spTree>
@@ -12552,7 +13558,7 @@
 </p:sld>
 </file>
 
-<file path=ppt/slides/slide25.xml><?xml version="1.0" encoding="utf-8"?>
+<file path=ppt/slides/slide28.xml><?xml version="1.0" encoding="utf-8"?>
 <p:sld xmlns:a="http://schemas.openxmlformats.org/drawingml/2006/main" xmlns:r="http://schemas.openxmlformats.org/officeDocument/2006/relationships" xmlns:p="http://schemas.openxmlformats.org/presentationml/2006/main">
   <p:cSld>
     <p:spTree>
@@ -12574,7 +13580,7 @@
           <p:cNvPr id="2" name="Title 1">
             <a:extLst>
               <a:ext uri="{FF2B5EF4-FFF2-40B4-BE49-F238E27FC236}">
-                <a16:creationId xmlns:a16="http://schemas.microsoft.com/office/drawing/2014/main" id="{23A33FCC-F5BB-E720-E2A1-EF6117C06EB3}"/>
+                <a16:creationId xmlns:a16="http://schemas.microsoft.com/office/drawing/2014/main" id="{538C8B13-B215-8A3A-0819-E346434F2A45}"/>
               </a:ext>
             </a:extLst>
           </p:cNvPr>
@@ -12592,17 +13598,17 @@
           <a:p>
             <a:r>
               <a:rPr lang="en-US" dirty="0"/>
-              <a:t>More app ideas to explore on your own ;)</a:t>
+              <a:t>What we have learned</a:t>
             </a:r>
           </a:p>
         </p:txBody>
       </p:sp>
       <p:sp>
         <p:nvSpPr>
-          <p:cNvPr id="3" name="Text Placeholder 2">
+          <p:cNvPr id="3" name="Content Placeholder 2">
             <a:extLst>
               <a:ext uri="{FF2B5EF4-FFF2-40B4-BE49-F238E27FC236}">
-                <a16:creationId xmlns:a16="http://schemas.microsoft.com/office/drawing/2014/main" id="{30E19318-BA72-E536-57CA-E5BD8F6AE0F0}"/>
+                <a16:creationId xmlns:a16="http://schemas.microsoft.com/office/drawing/2014/main" id="{C24A1036-4075-ED7D-BDE1-285EB6E63E67}"/>
               </a:ext>
             </a:extLst>
           </p:cNvPr>
@@ -12610,7 +13616,7 @@
             <a:spLocks noGrp="1"/>
           </p:cNvSpPr>
           <p:nvPr>
-            <p:ph type="body" idx="1"/>
+            <p:ph idx="1"/>
           </p:nvPr>
         </p:nvSpPr>
         <p:spPr/>
@@ -12618,14 +13624,29 @@
           <a:bodyPr/>
           <a:lstStyle/>
           <a:p>
-            <a:endParaRPr lang="en-US"/>
+            <a:r>
+              <a:rPr lang="en-US" dirty="0"/>
+              <a:t> Natural language to SQL conversion</a:t>
+            </a:r>
+          </a:p>
+          <a:p>
+            <a:r>
+              <a:rPr lang="en-US" dirty="0"/>
+              <a:t> Schema utilization for accurate query generation</a:t>
+            </a:r>
+          </a:p>
+          <a:p>
+            <a:r>
+              <a:rPr lang="en-US" dirty="0"/>
+              <a:t> Integration and response generation</a:t>
+            </a:r>
           </a:p>
         </p:txBody>
       </p:sp>
     </p:spTree>
     <p:extLst>
       <p:ext uri="{BB962C8B-B14F-4D97-AF65-F5344CB8AC3E}">
-        <p14:creationId xmlns:p14="http://schemas.microsoft.com/office/powerpoint/2010/main" val="1222158270"/>
+        <p14:creationId xmlns:p14="http://schemas.microsoft.com/office/powerpoint/2010/main" val="180307565"/>
       </p:ext>
     </p:extLst>
   </p:cSld>
@@ -12635,7 +13656,7 @@
 </p:sld>
 </file>
 
-<file path=ppt/slides/slide26.xml><?xml version="1.0" encoding="utf-8"?>
+<file path=ppt/slides/slide29.xml><?xml version="1.0" encoding="utf-8"?>
 <p:sld xmlns:a="http://schemas.openxmlformats.org/drawingml/2006/main" xmlns:r="http://schemas.openxmlformats.org/officeDocument/2006/relationships" xmlns:p="http://schemas.openxmlformats.org/presentationml/2006/main">
   <p:cSld>
     <p:spTree>
@@ -12675,6 +13696,235 @@
           <a:p>
             <a:r>
               <a:rPr lang="en-US" dirty="0"/>
+              <a:t>More app ideas to explore on your own! 😉</a:t>
+            </a:r>
+          </a:p>
+        </p:txBody>
+      </p:sp>
+      <p:sp>
+        <p:nvSpPr>
+          <p:cNvPr id="3" name="Text Placeholder 2">
+            <a:extLst>
+              <a:ext uri="{FF2B5EF4-FFF2-40B4-BE49-F238E27FC236}">
+                <a16:creationId xmlns:a16="http://schemas.microsoft.com/office/drawing/2014/main" id="{30E19318-BA72-E536-57CA-E5BD8F6AE0F0}"/>
+              </a:ext>
+            </a:extLst>
+          </p:cNvPr>
+          <p:cNvSpPr>
+            <a:spLocks noGrp="1"/>
+          </p:cNvSpPr>
+          <p:nvPr>
+            <p:ph type="body" idx="1"/>
+          </p:nvPr>
+        </p:nvSpPr>
+        <p:spPr/>
+        <p:txBody>
+          <a:bodyPr/>
+          <a:lstStyle/>
+          <a:p>
+            <a:endParaRPr lang="en-US"/>
+          </a:p>
+        </p:txBody>
+      </p:sp>
+    </p:spTree>
+    <p:extLst>
+      <p:ext uri="{BB962C8B-B14F-4D97-AF65-F5344CB8AC3E}">
+        <p14:creationId xmlns:p14="http://schemas.microsoft.com/office/powerpoint/2010/main" val="1222158270"/>
+      </p:ext>
+    </p:extLst>
+  </p:cSld>
+  <p:clrMapOvr>
+    <a:masterClrMapping/>
+  </p:clrMapOvr>
+</p:sld>
+</file>
+
+<file path=ppt/slides/slide3.xml><?xml version="1.0" encoding="utf-8"?>
+<p:sld xmlns:a="http://schemas.openxmlformats.org/drawingml/2006/main" xmlns:r="http://schemas.openxmlformats.org/officeDocument/2006/relationships" xmlns:p="http://schemas.openxmlformats.org/presentationml/2006/main">
+  <p:cSld>
+    <p:spTree>
+      <p:nvGrpSpPr>
+        <p:cNvPr id="1" name=""/>
+        <p:cNvGrpSpPr/>
+        <p:nvPr/>
+      </p:nvGrpSpPr>
+      <p:grpSpPr>
+        <a:xfrm>
+          <a:off x="0" y="0"/>
+          <a:ext cx="0" cy="0"/>
+          <a:chOff x="0" y="0"/>
+          <a:chExt cx="0" cy="0"/>
+        </a:xfrm>
+      </p:grpSpPr>
+      <p:sp>
+        <p:nvSpPr>
+          <p:cNvPr id="2" name="Title 1">
+            <a:extLst>
+              <a:ext uri="{FF2B5EF4-FFF2-40B4-BE49-F238E27FC236}">
+                <a16:creationId xmlns:a16="http://schemas.microsoft.com/office/drawing/2014/main" id="{CE424D92-FC5D-65E8-CC61-B47CE3DBDA2B}"/>
+              </a:ext>
+            </a:extLst>
+          </p:cNvPr>
+          <p:cNvSpPr>
+            <a:spLocks noGrp="1"/>
+          </p:cNvSpPr>
+          <p:nvPr>
+            <p:ph type="title"/>
+          </p:nvPr>
+        </p:nvSpPr>
+        <p:spPr/>
+        <p:txBody>
+          <a:bodyPr/>
+          <a:lstStyle/>
+          <a:p>
+            <a:r>
+              <a:rPr lang="en-US" dirty="0"/>
+              <a:t>Backend &amp; Frontend frameworks</a:t>
+            </a:r>
+          </a:p>
+        </p:txBody>
+      </p:sp>
+      <p:sp>
+        <p:nvSpPr>
+          <p:cNvPr id="3" name="Content Placeholder 2">
+            <a:extLst>
+              <a:ext uri="{FF2B5EF4-FFF2-40B4-BE49-F238E27FC236}">
+                <a16:creationId xmlns:a16="http://schemas.microsoft.com/office/drawing/2014/main" id="{A8E8CD00-2AF0-113C-FD9F-6D21F3643E1E}"/>
+              </a:ext>
+            </a:extLst>
+          </p:cNvPr>
+          <p:cNvSpPr>
+            <a:spLocks noGrp="1"/>
+          </p:cNvSpPr>
+          <p:nvPr>
+            <p:ph idx="1"/>
+          </p:nvPr>
+        </p:nvSpPr>
+        <p:spPr/>
+        <p:txBody>
+          <a:bodyPr/>
+          <a:lstStyle/>
+          <a:p>
+            <a:r>
+              <a:rPr lang="en-US" dirty="0"/>
+              <a:t> In the scope of this course, I choose</a:t>
+            </a:r>
+          </a:p>
+          <a:p>
+            <a:pPr lvl="1"/>
+            <a:r>
+              <a:rPr lang="en-US" dirty="0"/>
+              <a:t>Backend with Python</a:t>
+            </a:r>
+          </a:p>
+          <a:p>
+            <a:pPr lvl="2"/>
+            <a:r>
+              <a:rPr lang="en-US" dirty="0"/>
+              <a:t>LLMs: OpenAI API GPT-3.5</a:t>
+            </a:r>
+          </a:p>
+          <a:p>
+            <a:pPr lvl="2"/>
+            <a:r>
+              <a:rPr lang="en-US" dirty="0"/>
+              <a:t>LLM orchestrator: </a:t>
+            </a:r>
+            <a:r>
+              <a:rPr lang="en-US" dirty="0" err="1"/>
+              <a:t>LangChain</a:t>
+            </a:r>
+            <a:endParaRPr lang="en-US" dirty="0"/>
+          </a:p>
+          <a:p>
+            <a:pPr lvl="2"/>
+            <a:r>
+              <a:rPr lang="en-US" dirty="0"/>
+              <a:t>Vector database: FAISS </a:t>
+            </a:r>
+          </a:p>
+          <a:p>
+            <a:pPr lvl="2"/>
+            <a:r>
+              <a:rPr lang="en-US" dirty="0"/>
+              <a:t>External tools: Wikipedia, </a:t>
+            </a:r>
+            <a:r>
+              <a:rPr lang="en-US" dirty="0" err="1"/>
+              <a:t>Tavily</a:t>
+            </a:r>
+            <a:endParaRPr lang="en-US" dirty="0"/>
+          </a:p>
+          <a:p>
+            <a:pPr lvl="1"/>
+            <a:r>
+              <a:rPr lang="en-US" dirty="0"/>
+              <a:t>Frontend with Python</a:t>
+            </a:r>
+          </a:p>
+          <a:p>
+            <a:pPr lvl="2"/>
+            <a:r>
+              <a:rPr lang="en-US" dirty="0" err="1"/>
+              <a:t>Gradio</a:t>
+            </a:r>
+            <a:endParaRPr lang="en-US" dirty="0"/>
+          </a:p>
+        </p:txBody>
+      </p:sp>
+    </p:spTree>
+    <p:extLst>
+      <p:ext uri="{BB962C8B-B14F-4D97-AF65-F5344CB8AC3E}">
+        <p14:creationId xmlns:p14="http://schemas.microsoft.com/office/powerpoint/2010/main" val="285492924"/>
+      </p:ext>
+    </p:extLst>
+  </p:cSld>
+  <p:clrMapOvr>
+    <a:masterClrMapping/>
+  </p:clrMapOvr>
+</p:sld>
+</file>
+
+<file path=ppt/slides/slide30.xml><?xml version="1.0" encoding="utf-8"?>
+<p:sld xmlns:a="http://schemas.openxmlformats.org/drawingml/2006/main" xmlns:r="http://schemas.openxmlformats.org/officeDocument/2006/relationships" xmlns:p="http://schemas.openxmlformats.org/presentationml/2006/main">
+  <p:cSld>
+    <p:spTree>
+      <p:nvGrpSpPr>
+        <p:cNvPr id="1" name=""/>
+        <p:cNvGrpSpPr/>
+        <p:nvPr/>
+      </p:nvGrpSpPr>
+      <p:grpSpPr>
+        <a:xfrm>
+          <a:off x="0" y="0"/>
+          <a:ext cx="0" cy="0"/>
+          <a:chOff x="0" y="0"/>
+          <a:chExt cx="0" cy="0"/>
+        </a:xfrm>
+      </p:grpSpPr>
+      <p:sp>
+        <p:nvSpPr>
+          <p:cNvPr id="2" name="Title 1">
+            <a:extLst>
+              <a:ext uri="{FF2B5EF4-FFF2-40B4-BE49-F238E27FC236}">
+                <a16:creationId xmlns:a16="http://schemas.microsoft.com/office/drawing/2014/main" id="{23A33FCC-F5BB-E720-E2A1-EF6117C06EB3}"/>
+              </a:ext>
+            </a:extLst>
+          </p:cNvPr>
+          <p:cNvSpPr>
+            <a:spLocks noGrp="1"/>
+          </p:cNvSpPr>
+          <p:nvPr>
+            <p:ph type="title"/>
+          </p:nvPr>
+        </p:nvSpPr>
+        <p:spPr/>
+        <p:txBody>
+          <a:bodyPr/>
+          <a:lstStyle/>
+          <a:p>
+            <a:r>
+              <a:rPr lang="en-US" dirty="0"/>
               <a:t>Travel AI Assistant</a:t>
             </a:r>
           </a:p>
@@ -12718,7 +13968,7 @@
 </p:sld>
 </file>
 
-<file path=ppt/slides/slide27.xml><?xml version="1.0" encoding="utf-8"?>
+<file path=ppt/slides/slide31.xml><?xml version="1.0" encoding="utf-8"?>
 <p:sld xmlns:a="http://schemas.openxmlformats.org/drawingml/2006/main" xmlns:r="http://schemas.openxmlformats.org/officeDocument/2006/relationships" xmlns:p="http://schemas.openxmlformats.org/presentationml/2006/main">
   <p:cSld>
     <p:spTree>
@@ -12806,7 +14056,7 @@
 </p:sld>
 </file>
 
-<file path=ppt/slides/slide28.xml><?xml version="1.0" encoding="utf-8"?>
+<file path=ppt/slides/slide32.xml><?xml version="1.0" encoding="utf-8"?>
 <p:sld xmlns:a="http://schemas.openxmlformats.org/drawingml/2006/main" xmlns:r="http://schemas.openxmlformats.org/officeDocument/2006/relationships" xmlns:p="http://schemas.openxmlformats.org/presentationml/2006/main">
   <p:cSld>
     <p:spTree>
@@ -12889,7 +14139,7 @@
 </p:sld>
 </file>
 
-<file path=ppt/slides/slide29.xml><?xml version="1.0" encoding="utf-8"?>
+<file path=ppt/slides/slide33.xml><?xml version="1.0" encoding="utf-8"?>
 <p:sld xmlns:a="http://schemas.openxmlformats.org/drawingml/2006/main" xmlns:r="http://schemas.openxmlformats.org/officeDocument/2006/relationships" xmlns:p="http://schemas.openxmlformats.org/presentationml/2006/main">
   <p:cSld>
     <p:spTree>
@@ -12977,7 +14227,7 @@
 </p:sld>
 </file>
 
-<file path=ppt/slides/slide3.xml><?xml version="1.0" encoding="utf-8"?>
+<file path=ppt/slides/slide34.xml><?xml version="1.0" encoding="utf-8"?>
 <p:sld xmlns:a="http://schemas.openxmlformats.org/drawingml/2006/main" xmlns:r="http://schemas.openxmlformats.org/officeDocument/2006/relationships" xmlns:p="http://schemas.openxmlformats.org/presentationml/2006/main">
   <p:cSld>
     <p:spTree>
@@ -12999,152 +14249,6 @@
           <p:cNvPr id="2" name="Title 1">
             <a:extLst>
               <a:ext uri="{FF2B5EF4-FFF2-40B4-BE49-F238E27FC236}">
-                <a16:creationId xmlns:a16="http://schemas.microsoft.com/office/drawing/2014/main" id="{CE424D92-FC5D-65E8-CC61-B47CE3DBDA2B}"/>
-              </a:ext>
-            </a:extLst>
-          </p:cNvPr>
-          <p:cNvSpPr>
-            <a:spLocks noGrp="1"/>
-          </p:cNvSpPr>
-          <p:nvPr>
-            <p:ph type="title"/>
-          </p:nvPr>
-        </p:nvSpPr>
-        <p:spPr/>
-        <p:txBody>
-          <a:bodyPr/>
-          <a:lstStyle/>
-          <a:p>
-            <a:r>
-              <a:rPr lang="en-US" dirty="0"/>
-              <a:t>Backend &amp; Frontend frameworks</a:t>
-            </a:r>
-          </a:p>
-        </p:txBody>
-      </p:sp>
-      <p:sp>
-        <p:nvSpPr>
-          <p:cNvPr id="3" name="Content Placeholder 2">
-            <a:extLst>
-              <a:ext uri="{FF2B5EF4-FFF2-40B4-BE49-F238E27FC236}">
-                <a16:creationId xmlns:a16="http://schemas.microsoft.com/office/drawing/2014/main" id="{A8E8CD00-2AF0-113C-FD9F-6D21F3643E1E}"/>
-              </a:ext>
-            </a:extLst>
-          </p:cNvPr>
-          <p:cNvSpPr>
-            <a:spLocks noGrp="1"/>
-          </p:cNvSpPr>
-          <p:nvPr>
-            <p:ph idx="1"/>
-          </p:nvPr>
-        </p:nvSpPr>
-        <p:spPr/>
-        <p:txBody>
-          <a:bodyPr/>
-          <a:lstStyle/>
-          <a:p>
-            <a:r>
-              <a:rPr lang="en-US" dirty="0"/>
-              <a:t> In the scope of this course, I choose</a:t>
-            </a:r>
-          </a:p>
-          <a:p>
-            <a:pPr lvl="1"/>
-            <a:r>
-              <a:rPr lang="en-US" dirty="0"/>
-              <a:t>Backend with Python</a:t>
-            </a:r>
-          </a:p>
-          <a:p>
-            <a:pPr lvl="2"/>
-            <a:r>
-              <a:rPr lang="en-US" dirty="0"/>
-              <a:t>LLMs: OpenAI API GPT-3.5</a:t>
-            </a:r>
-          </a:p>
-          <a:p>
-            <a:pPr lvl="2"/>
-            <a:r>
-              <a:rPr lang="en-US" dirty="0"/>
-              <a:t>LLM orchestrator: </a:t>
-            </a:r>
-            <a:r>
-              <a:rPr lang="en-US" dirty="0" err="1"/>
-              <a:t>LangChain</a:t>
-            </a:r>
-            <a:endParaRPr lang="en-US" dirty="0"/>
-          </a:p>
-          <a:p>
-            <a:pPr lvl="2"/>
-            <a:r>
-              <a:rPr lang="en-US" dirty="0"/>
-              <a:t>Vector database: FAISS </a:t>
-            </a:r>
-          </a:p>
-          <a:p>
-            <a:pPr lvl="2"/>
-            <a:r>
-              <a:rPr lang="en-US" dirty="0"/>
-              <a:t>External tools: Wikipedia, </a:t>
-            </a:r>
-            <a:r>
-              <a:rPr lang="en-US" dirty="0" err="1"/>
-              <a:t>Tavily</a:t>
-            </a:r>
-            <a:endParaRPr lang="en-US" dirty="0"/>
-          </a:p>
-          <a:p>
-            <a:pPr lvl="1"/>
-            <a:r>
-              <a:rPr lang="en-US" dirty="0"/>
-              <a:t>Frontend with Python</a:t>
-            </a:r>
-          </a:p>
-          <a:p>
-            <a:pPr lvl="2"/>
-            <a:r>
-              <a:rPr lang="en-US" dirty="0" err="1"/>
-              <a:t>Gradio</a:t>
-            </a:r>
-            <a:endParaRPr lang="en-US" dirty="0"/>
-          </a:p>
-        </p:txBody>
-      </p:sp>
-    </p:spTree>
-    <p:extLst>
-      <p:ext uri="{BB962C8B-B14F-4D97-AF65-F5344CB8AC3E}">
-        <p14:creationId xmlns:p14="http://schemas.microsoft.com/office/powerpoint/2010/main" val="285492924"/>
-      </p:ext>
-    </p:extLst>
-  </p:cSld>
-  <p:clrMapOvr>
-    <a:masterClrMapping/>
-  </p:clrMapOvr>
-</p:sld>
-</file>
-
-<file path=ppt/slides/slide30.xml><?xml version="1.0" encoding="utf-8"?>
-<p:sld xmlns:a="http://schemas.openxmlformats.org/drawingml/2006/main" xmlns:r="http://schemas.openxmlformats.org/officeDocument/2006/relationships" xmlns:p="http://schemas.openxmlformats.org/presentationml/2006/main">
-  <p:cSld>
-    <p:spTree>
-      <p:nvGrpSpPr>
-        <p:cNvPr id="1" name=""/>
-        <p:cNvGrpSpPr/>
-        <p:nvPr/>
-      </p:nvGrpSpPr>
-      <p:grpSpPr>
-        <a:xfrm>
-          <a:off x="0" y="0"/>
-          <a:ext cx="0" cy="0"/>
-          <a:chOff x="0" y="0"/>
-          <a:chExt cx="0" cy="0"/>
-        </a:xfrm>
-      </p:grpSpPr>
-      <p:sp>
-        <p:nvSpPr>
-          <p:cNvPr id="2" name="Title 1">
-            <a:extLst>
-              <a:ext uri="{FF2B5EF4-FFF2-40B4-BE49-F238E27FC236}">
                 <a16:creationId xmlns:a16="http://schemas.microsoft.com/office/drawing/2014/main" id="{23A33FCC-F5BB-E720-E2A1-EF6117C06EB3}"/>
               </a:ext>
             </a:extLst>
@@ -13206,7 +14310,7 @@
 </p:sld>
 </file>
 
-<file path=ppt/slides/slide31.xml><?xml version="1.0" encoding="utf-8"?>
+<file path=ppt/slides/slide35.xml><?xml version="1.0" encoding="utf-8"?>
 <p:sld xmlns:a="http://schemas.openxmlformats.org/drawingml/2006/main" xmlns:r="http://schemas.openxmlformats.org/officeDocument/2006/relationships" xmlns:p="http://schemas.openxmlformats.org/presentationml/2006/main">
   <p:cSld>
     <p:spTree>
@@ -13294,7 +14398,7 @@
 </p:sld>
 </file>
 
-<file path=ppt/slides/slide32.xml><?xml version="1.0" encoding="utf-8"?>
+<file path=ppt/slides/slide36.xml><?xml version="1.0" encoding="utf-8"?>
 <p:sld xmlns:a="http://schemas.openxmlformats.org/drawingml/2006/main" xmlns:r="http://schemas.openxmlformats.org/officeDocument/2006/relationships" xmlns:p="http://schemas.openxmlformats.org/presentationml/2006/main">
   <p:cSld>
     <p:spTree>
@@ -13377,7 +14481,7 @@
 </p:sld>
 </file>
 
-<file path=ppt/slides/slide33.xml><?xml version="1.0" encoding="utf-8"?>
+<file path=ppt/slides/slide37.xml><?xml version="1.0" encoding="utf-8"?>
 <p:sld xmlns:a="http://schemas.openxmlformats.org/drawingml/2006/main" xmlns:r="http://schemas.openxmlformats.org/officeDocument/2006/relationships" xmlns:p="http://schemas.openxmlformats.org/presentationml/2006/main">
   <p:cSld>
     <p:spTree>
@@ -13924,7 +15028,7 @@
 </p:sld>
 </file>
 
-<file path=ppt/slides/slide34.xml><?xml version="1.0" encoding="utf-8"?>
+<file path=ppt/slides/slide38.xml><?xml version="1.0" encoding="utf-8"?>
 <p:sld xmlns:a="http://schemas.openxmlformats.org/drawingml/2006/main" xmlns:r="http://schemas.openxmlformats.org/officeDocument/2006/relationships" xmlns:p="http://schemas.openxmlformats.org/presentationml/2006/main">
   <p:cSld>
     <p:spTree>
@@ -14012,7 +15116,7 @@
 </p:sld>
 </file>
 
-<file path=ppt/slides/slide35.xml><?xml version="1.0" encoding="utf-8"?>
+<file path=ppt/slides/slide39.xml><?xml version="1.0" encoding="utf-8"?>
 <p:sld xmlns:a="http://schemas.openxmlformats.org/drawingml/2006/main" xmlns:r="http://schemas.openxmlformats.org/officeDocument/2006/relationships" xmlns:p="http://schemas.openxmlformats.org/presentationml/2006/main">
   <p:cSld>
     <p:spTree>
@@ -14394,7 +15498,90 @@
 </p:sld>
 </file>
 
-<file path=ppt/slides/slide36.xml><?xml version="1.0" encoding="utf-8"?>
+<file path=ppt/slides/slide4.xml><?xml version="1.0" encoding="utf-8"?>
+<p:sld xmlns:a="http://schemas.openxmlformats.org/drawingml/2006/main" xmlns:r="http://schemas.openxmlformats.org/officeDocument/2006/relationships" xmlns:p="http://schemas.openxmlformats.org/presentationml/2006/main">
+  <p:cSld>
+    <p:spTree>
+      <p:nvGrpSpPr>
+        <p:cNvPr id="1" name=""/>
+        <p:cNvGrpSpPr/>
+        <p:nvPr/>
+      </p:nvGrpSpPr>
+      <p:grpSpPr>
+        <a:xfrm>
+          <a:off x="0" y="0"/>
+          <a:ext cx="0" cy="0"/>
+          <a:chOff x="0" y="0"/>
+          <a:chExt cx="0" cy="0"/>
+        </a:xfrm>
+      </p:grpSpPr>
+      <p:sp>
+        <p:nvSpPr>
+          <p:cNvPr id="2" name="Title 1">
+            <a:extLst>
+              <a:ext uri="{FF2B5EF4-FFF2-40B4-BE49-F238E27FC236}">
+                <a16:creationId xmlns:a16="http://schemas.microsoft.com/office/drawing/2014/main" id="{23A33FCC-F5BB-E720-E2A1-EF6117C06EB3}"/>
+              </a:ext>
+            </a:extLst>
+          </p:cNvPr>
+          <p:cNvSpPr>
+            <a:spLocks noGrp="1"/>
+          </p:cNvSpPr>
+          <p:nvPr>
+            <p:ph type="title"/>
+          </p:nvPr>
+        </p:nvSpPr>
+        <p:spPr/>
+        <p:txBody>
+          <a:bodyPr/>
+          <a:lstStyle/>
+          <a:p>
+            <a:r>
+              <a:rPr lang="en-US" dirty="0"/>
+              <a:t>Task-specific AI assistants</a:t>
+            </a:r>
+          </a:p>
+        </p:txBody>
+      </p:sp>
+      <p:sp>
+        <p:nvSpPr>
+          <p:cNvPr id="3" name="Text Placeholder 2">
+            <a:extLst>
+              <a:ext uri="{FF2B5EF4-FFF2-40B4-BE49-F238E27FC236}">
+                <a16:creationId xmlns:a16="http://schemas.microsoft.com/office/drawing/2014/main" id="{30E19318-BA72-E536-57CA-E5BD8F6AE0F0}"/>
+              </a:ext>
+            </a:extLst>
+          </p:cNvPr>
+          <p:cNvSpPr>
+            <a:spLocks noGrp="1"/>
+          </p:cNvSpPr>
+          <p:nvPr>
+            <p:ph type="body" idx="1"/>
+          </p:nvPr>
+        </p:nvSpPr>
+        <p:spPr/>
+        <p:txBody>
+          <a:bodyPr/>
+          <a:lstStyle/>
+          <a:p>
+            <a:endParaRPr lang="en-US"/>
+          </a:p>
+        </p:txBody>
+      </p:sp>
+    </p:spTree>
+    <p:extLst>
+      <p:ext uri="{BB962C8B-B14F-4D97-AF65-F5344CB8AC3E}">
+        <p14:creationId xmlns:p14="http://schemas.microsoft.com/office/powerpoint/2010/main" val="2444730612"/>
+      </p:ext>
+    </p:extLst>
+  </p:cSld>
+  <p:clrMapOvr>
+    <a:masterClrMapping/>
+  </p:clrMapOvr>
+</p:sld>
+</file>
+
+<file path=ppt/slides/slide40.xml><?xml version="1.0" encoding="utf-8"?>
 <p:sld xmlns:a="http://schemas.openxmlformats.org/drawingml/2006/main" xmlns:r="http://schemas.openxmlformats.org/officeDocument/2006/relationships" xmlns:p="http://schemas.openxmlformats.org/presentationml/2006/main">
   <p:cSld>
     <p:spTree>
@@ -15365,7 +16552,7 @@
 </p:sld>
 </file>
 
-<file path=ppt/slides/slide37.xml><?xml version="1.0" encoding="utf-8"?>
+<file path=ppt/slides/slide41.xml><?xml version="1.0" encoding="utf-8"?>
 <p:sld xmlns:a="http://schemas.openxmlformats.org/drawingml/2006/main" xmlns:r="http://schemas.openxmlformats.org/officeDocument/2006/relationships" xmlns:p="http://schemas.openxmlformats.org/presentationml/2006/main">
   <p:cSld>
     <p:spTree>
@@ -15453,7 +16640,7 @@
 </p:sld>
 </file>
 
-<file path=ppt/slides/slide38.xml><?xml version="1.0" encoding="utf-8"?>
+<file path=ppt/slides/slide42.xml><?xml version="1.0" encoding="utf-8"?>
 <p:sld xmlns:a="http://schemas.openxmlformats.org/drawingml/2006/main" xmlns:r="http://schemas.openxmlformats.org/officeDocument/2006/relationships" xmlns:p="http://schemas.openxmlformats.org/presentationml/2006/main">
   <p:cSld>
     <p:spTree>
@@ -17051,7 +18238,7 @@
 </p:sld>
 </file>
 
-<file path=ppt/slides/slide39.xml><?xml version="1.0" encoding="utf-8"?>
+<file path=ppt/slides/slide43.xml><?xml version="1.0" encoding="utf-8"?>
 <p:sld xmlns:a="http://schemas.openxmlformats.org/drawingml/2006/main" xmlns:r="http://schemas.openxmlformats.org/officeDocument/2006/relationships" xmlns:p="http://schemas.openxmlformats.org/presentationml/2006/main">
   <p:cSld>
     <p:spTree>
@@ -17139,7 +18326,7 @@
 </p:sld>
 </file>
 
-<file path=ppt/slides/slide4.xml><?xml version="1.0" encoding="utf-8"?>
+<file path=ppt/slides/slide44.xml><?xml version="1.0" encoding="utf-8"?>
 <p:sld xmlns:a="http://schemas.openxmlformats.org/drawingml/2006/main" xmlns:r="http://schemas.openxmlformats.org/officeDocument/2006/relationships" xmlns:p="http://schemas.openxmlformats.org/presentationml/2006/main">
   <p:cSld>
     <p:spTree>
@@ -17179,7 +18366,7 @@
           <a:p>
             <a:r>
               <a:rPr lang="en-US" dirty="0"/>
-              <a:t>Task-specific AI assistants</a:t>
+              <a:t>RAG-based AI Chatbot</a:t>
             </a:r>
           </a:p>
         </p:txBody>
@@ -17212,7 +18399,7 @@
     </p:spTree>
     <p:extLst>
       <p:ext uri="{BB962C8B-B14F-4D97-AF65-F5344CB8AC3E}">
-        <p14:creationId xmlns:p14="http://schemas.microsoft.com/office/powerpoint/2010/main" val="2444730612"/>
+        <p14:creationId xmlns:p14="http://schemas.microsoft.com/office/powerpoint/2010/main" val="1680789942"/>
       </p:ext>
     </p:extLst>
   </p:cSld>
@@ -17222,7 +18409,7 @@
 </p:sld>
 </file>
 
-<file path=ppt/slides/slide40.xml><?xml version="1.0" encoding="utf-8"?>
+<file path=ppt/slides/slide45.xml><?xml version="1.0" encoding="utf-8"?>
 <p:sld xmlns:a="http://schemas.openxmlformats.org/drawingml/2006/main" xmlns:r="http://schemas.openxmlformats.org/officeDocument/2006/relationships" xmlns:p="http://schemas.openxmlformats.org/presentationml/2006/main">
   <p:cSld>
     <p:spTree>
@@ -17244,7 +18431,7 @@
           <p:cNvPr id="2" name="Title 1">
             <a:extLst>
               <a:ext uri="{FF2B5EF4-FFF2-40B4-BE49-F238E27FC236}">
-                <a16:creationId xmlns:a16="http://schemas.microsoft.com/office/drawing/2014/main" id="{23A33FCC-F5BB-E720-E2A1-EF6117C06EB3}"/>
+                <a16:creationId xmlns:a16="http://schemas.microsoft.com/office/drawing/2014/main" id="{BA430D94-70CE-5C5C-A368-4E8EDE9D3259}"/>
               </a:ext>
             </a:extLst>
           </p:cNvPr>
@@ -17262,17 +18449,17 @@
           <a:p>
             <a:r>
               <a:rPr lang="en-US" dirty="0"/>
-              <a:t>RAG-based AI Chatbot</a:t>
+              <a:t>Simple AI Chatbot limitations</a:t>
             </a:r>
           </a:p>
         </p:txBody>
       </p:sp>
       <p:sp>
         <p:nvSpPr>
-          <p:cNvPr id="3" name="Text Placeholder 2">
+          <p:cNvPr id="3" name="Content Placeholder 2">
             <a:extLst>
               <a:ext uri="{FF2B5EF4-FFF2-40B4-BE49-F238E27FC236}">
-                <a16:creationId xmlns:a16="http://schemas.microsoft.com/office/drawing/2014/main" id="{30E19318-BA72-E536-57CA-E5BD8F6AE0F0}"/>
+                <a16:creationId xmlns:a16="http://schemas.microsoft.com/office/drawing/2014/main" id="{6ECD05D5-9B8C-9925-6D06-958BA08431C4}"/>
               </a:ext>
             </a:extLst>
           </p:cNvPr>
@@ -17280,7 +18467,7 @@
             <a:spLocks noGrp="1"/>
           </p:cNvSpPr>
           <p:nvPr>
-            <p:ph type="body" idx="1"/>
+            <p:ph idx="1"/>
           </p:nvPr>
         </p:nvSpPr>
         <p:spPr/>
@@ -17288,74 +18475,33 @@
           <a:bodyPr/>
           <a:lstStyle/>
           <a:p>
-            <a:endParaRPr lang="en-US"/>
-          </a:p>
-        </p:txBody>
-      </p:sp>
-    </p:spTree>
-    <p:extLst>
-      <p:ext uri="{BB962C8B-B14F-4D97-AF65-F5344CB8AC3E}">
-        <p14:creationId xmlns:p14="http://schemas.microsoft.com/office/powerpoint/2010/main" val="1680789942"/>
-      </p:ext>
-    </p:extLst>
-  </p:cSld>
-  <p:clrMapOvr>
-    <a:masterClrMapping/>
-  </p:clrMapOvr>
-</p:sld>
-</file>
-
-<file path=ppt/slides/slide41.xml><?xml version="1.0" encoding="utf-8"?>
-<p:sld xmlns:a="http://schemas.openxmlformats.org/drawingml/2006/main" xmlns:r="http://schemas.openxmlformats.org/officeDocument/2006/relationships" xmlns:p="http://schemas.openxmlformats.org/presentationml/2006/main">
-  <p:cSld>
-    <p:spTree>
-      <p:nvGrpSpPr>
-        <p:cNvPr id="1" name=""/>
-        <p:cNvGrpSpPr/>
-        <p:nvPr/>
-      </p:nvGrpSpPr>
-      <p:grpSpPr>
-        <a:xfrm>
-          <a:off x="0" y="0"/>
-          <a:ext cx="0" cy="0"/>
-          <a:chOff x="0" y="0"/>
-          <a:chExt cx="0" cy="0"/>
-        </a:xfrm>
-      </p:grpSpPr>
-      <p:sp>
-        <p:nvSpPr>
-          <p:cNvPr id="2" name="Title 1">
-            <a:extLst>
-              <a:ext uri="{FF2B5EF4-FFF2-40B4-BE49-F238E27FC236}">
-                <a16:creationId xmlns:a16="http://schemas.microsoft.com/office/drawing/2014/main" id="{D16C5EDE-0280-8A5A-20E5-EF92CA317EFB}"/>
-              </a:ext>
-            </a:extLst>
-          </p:cNvPr>
-          <p:cNvSpPr>
-            <a:spLocks noGrp="1"/>
-          </p:cNvSpPr>
-          <p:nvPr>
-            <p:ph type="title"/>
-          </p:nvPr>
-        </p:nvSpPr>
-        <p:spPr/>
-        <p:txBody>
-          <a:bodyPr/>
-          <a:lstStyle/>
-          <a:p>
             <a:r>
               <a:rPr lang="en-US" dirty="0"/>
-              <a:t>Simple AI Chatbot</a:t>
+              <a:t> What's about</a:t>
+            </a:r>
+          </a:p>
+          <a:p>
+            <a:pPr lvl="1"/>
+            <a:r>
+              <a:rPr lang="en-US" dirty="0"/>
+              <a:t> Recent knowledge?</a:t>
+            </a:r>
+          </a:p>
+          <a:p>
+            <a:pPr lvl="1"/>
+            <a:r>
+              <a:rPr lang="en-US" dirty="0"/>
+              <a:t> Private knowledge?</a:t>
             </a:r>
           </a:p>
         </p:txBody>
       </p:sp>
       <p:pic>
         <p:nvPicPr>
-          <p:cNvPr id="1030" name="Picture 6">
+          <p:cNvPr id="4" name="Picture 6">
             <a:extLst>
               <a:ext uri="{FF2B5EF4-FFF2-40B4-BE49-F238E27FC236}">
-                <a16:creationId xmlns:a16="http://schemas.microsoft.com/office/drawing/2014/main" id="{9F6EBFFA-A7CB-A452-6BE7-8B205A4A6899}"/>
+                <a16:creationId xmlns:a16="http://schemas.microsoft.com/office/drawing/2014/main" id="{228F96F2-C00B-5FBE-3236-DBFD9931DCAD}"/>
               </a:ext>
             </a:extLst>
           </p:cNvPr>
@@ -17399,10 +18545,10 @@
       </p:pic>
       <p:sp>
         <p:nvSpPr>
-          <p:cNvPr id="12" name="TextBox 11">
+          <p:cNvPr id="5" name="TextBox 4">
             <a:extLst>
               <a:ext uri="{FF2B5EF4-FFF2-40B4-BE49-F238E27FC236}">
-                <a16:creationId xmlns:a16="http://schemas.microsoft.com/office/drawing/2014/main" id="{B1AA0DCA-0D79-CB67-0B03-3DDA66D102F3}"/>
+                <a16:creationId xmlns:a16="http://schemas.microsoft.com/office/drawing/2014/main" id="{3A147CB9-27E9-2EB6-015C-40D17344642B}"/>
               </a:ext>
             </a:extLst>
           </p:cNvPr>
@@ -17435,10 +18581,10 @@
       </p:sp>
       <p:sp>
         <p:nvSpPr>
-          <p:cNvPr id="32" name="TextBox 31">
+          <p:cNvPr id="6" name="TextBox 5">
             <a:extLst>
               <a:ext uri="{FF2B5EF4-FFF2-40B4-BE49-F238E27FC236}">
-                <a16:creationId xmlns:a16="http://schemas.microsoft.com/office/drawing/2014/main" id="{564D5F6D-A9D1-DCC9-0BB4-9F0D23E22CD9}"/>
+                <a16:creationId xmlns:a16="http://schemas.microsoft.com/office/drawing/2014/main" id="{97E19CD1-5595-C6C9-10A3-F948AB2581BB}"/>
               </a:ext>
             </a:extLst>
           </p:cNvPr>
@@ -17470,10 +18616,10 @@
       </p:sp>
       <p:sp>
         <p:nvSpPr>
-          <p:cNvPr id="33" name="TextBox 32">
+          <p:cNvPr id="7" name="TextBox 6">
             <a:extLst>
               <a:ext uri="{FF2B5EF4-FFF2-40B4-BE49-F238E27FC236}">
-                <a16:creationId xmlns:a16="http://schemas.microsoft.com/office/drawing/2014/main" id="{06C379B9-46EE-434E-0CBE-640D9D06D462}"/>
+                <a16:creationId xmlns:a16="http://schemas.microsoft.com/office/drawing/2014/main" id="{B7E2A16E-991D-245F-C8E7-E3A7AC40C442}"/>
               </a:ext>
             </a:extLst>
           </p:cNvPr>
@@ -17505,10 +18651,10 @@
       </p:sp>
       <p:sp>
         <p:nvSpPr>
-          <p:cNvPr id="37" name="Rectangle 36">
+          <p:cNvPr id="8" name="Rectangle 7">
             <a:extLst>
               <a:ext uri="{FF2B5EF4-FFF2-40B4-BE49-F238E27FC236}">
-                <a16:creationId xmlns:a16="http://schemas.microsoft.com/office/drawing/2014/main" id="{65A902C1-7035-02E9-4118-2A31F6A845E6}"/>
+                <a16:creationId xmlns:a16="http://schemas.microsoft.com/office/drawing/2014/main" id="{D2FD0AAA-3436-C65A-0C10-114BE65DA1A2}"/>
               </a:ext>
             </a:extLst>
           </p:cNvPr>
@@ -17554,10 +18700,10 @@
       </p:sp>
       <p:pic>
         <p:nvPicPr>
-          <p:cNvPr id="38" name="Picture 4">
+          <p:cNvPr id="9" name="Picture 4">
             <a:extLst>
               <a:ext uri="{FF2B5EF4-FFF2-40B4-BE49-F238E27FC236}">
-                <a16:creationId xmlns:a16="http://schemas.microsoft.com/office/drawing/2014/main" id="{F8F73363-1C36-4BC2-518B-56878C4F1383}"/>
+                <a16:creationId xmlns:a16="http://schemas.microsoft.com/office/drawing/2014/main" id="{0BFBE810-1529-FF73-975A-724BEB606D2F}"/>
               </a:ext>
             </a:extLst>
           </p:cNvPr>
@@ -17601,10 +18747,10 @@
       </p:pic>
       <p:pic>
         <p:nvPicPr>
-          <p:cNvPr id="39" name="Picture 8">
+          <p:cNvPr id="10" name="Picture 8">
             <a:extLst>
               <a:ext uri="{FF2B5EF4-FFF2-40B4-BE49-F238E27FC236}">
-                <a16:creationId xmlns:a16="http://schemas.microsoft.com/office/drawing/2014/main" id="{DA16717E-4990-A846-9F2D-94DA691F76FB}"/>
+                <a16:creationId xmlns:a16="http://schemas.microsoft.com/office/drawing/2014/main" id="{A6430835-02CC-F7B6-5EC9-72210F87A3DA}"/>
               </a:ext>
             </a:extLst>
           </p:cNvPr>
@@ -17648,10 +18794,10 @@
       </p:pic>
       <p:sp>
         <p:nvSpPr>
-          <p:cNvPr id="40" name="TextBox 39">
+          <p:cNvPr id="11" name="TextBox 10">
             <a:extLst>
               <a:ext uri="{FF2B5EF4-FFF2-40B4-BE49-F238E27FC236}">
-                <a16:creationId xmlns:a16="http://schemas.microsoft.com/office/drawing/2014/main" id="{E7AA1080-906E-25C5-A4E3-7D2D3414D0A1}"/>
+                <a16:creationId xmlns:a16="http://schemas.microsoft.com/office/drawing/2014/main" id="{F567073D-36C0-1C63-71C2-B7744176C9AC}"/>
               </a:ext>
             </a:extLst>
           </p:cNvPr>
@@ -17684,10 +18830,10 @@
       </p:sp>
       <p:sp>
         <p:nvSpPr>
-          <p:cNvPr id="41" name="TextBox 40">
+          <p:cNvPr id="12" name="TextBox 11">
             <a:extLst>
               <a:ext uri="{FF2B5EF4-FFF2-40B4-BE49-F238E27FC236}">
-                <a16:creationId xmlns:a16="http://schemas.microsoft.com/office/drawing/2014/main" id="{DA101FC8-75D5-EF75-25D9-8DE437394722}"/>
+                <a16:creationId xmlns:a16="http://schemas.microsoft.com/office/drawing/2014/main" id="{F9672718-F48E-497B-E877-AABC1136BA69}"/>
               </a:ext>
             </a:extLst>
           </p:cNvPr>
@@ -17720,10 +18866,10 @@
       </p:sp>
       <p:sp>
         <p:nvSpPr>
-          <p:cNvPr id="42" name="TextBox 41">
+          <p:cNvPr id="13" name="TextBox 12">
             <a:extLst>
               <a:ext uri="{FF2B5EF4-FFF2-40B4-BE49-F238E27FC236}">
-                <a16:creationId xmlns:a16="http://schemas.microsoft.com/office/drawing/2014/main" id="{53131ACE-C376-B9C7-C06C-B15BA7C5B729}"/>
+                <a16:creationId xmlns:a16="http://schemas.microsoft.com/office/drawing/2014/main" id="{599E6A44-EF7D-58B0-73BE-57004644D941}"/>
               </a:ext>
             </a:extLst>
           </p:cNvPr>
@@ -17756,10 +18902,10 @@
       </p:sp>
       <p:cxnSp>
         <p:nvCxnSpPr>
-          <p:cNvPr id="5" name="Straight Arrow Connector 4">
+          <p:cNvPr id="14" name="Straight Arrow Connector 13">
             <a:extLst>
               <a:ext uri="{FF2B5EF4-FFF2-40B4-BE49-F238E27FC236}">
-                <a16:creationId xmlns:a16="http://schemas.microsoft.com/office/drawing/2014/main" id="{C7A8FB1A-2E9F-92EF-BD6F-210CCCCA2A58}"/>
+                <a16:creationId xmlns:a16="http://schemas.microsoft.com/office/drawing/2014/main" id="{8FD8144E-E347-1393-61D2-A988A5E65A52}"/>
               </a:ext>
             </a:extLst>
           </p:cNvPr>
@@ -17800,10 +18946,10 @@
       </p:cxnSp>
       <p:cxnSp>
         <p:nvCxnSpPr>
-          <p:cNvPr id="6" name="Straight Arrow Connector 5">
+          <p:cNvPr id="15" name="Straight Arrow Connector 14">
             <a:extLst>
               <a:ext uri="{FF2B5EF4-FFF2-40B4-BE49-F238E27FC236}">
-                <a16:creationId xmlns:a16="http://schemas.microsoft.com/office/drawing/2014/main" id="{9F3CDF10-B174-2224-0AA5-93D763144002}"/>
+                <a16:creationId xmlns:a16="http://schemas.microsoft.com/office/drawing/2014/main" id="{8478574C-69CE-4932-3536-A012630BE387}"/>
               </a:ext>
             </a:extLst>
           </p:cNvPr>
@@ -17842,7 +18988,7 @@
     </p:spTree>
     <p:extLst>
       <p:ext uri="{BB962C8B-B14F-4D97-AF65-F5344CB8AC3E}">
-        <p14:creationId xmlns:p14="http://schemas.microsoft.com/office/powerpoint/2010/main" val="3530888172"/>
+        <p14:creationId xmlns:p14="http://schemas.microsoft.com/office/powerpoint/2010/main" val="2175586705"/>
       </p:ext>
     </p:extLst>
   </p:cSld>
@@ -17852,7 +18998,7 @@
 </p:sld>
 </file>
 
-<file path=ppt/slides/slide42.xml><?xml version="1.0" encoding="utf-8"?>
+<file path=ppt/slides/slide46.xml><?xml version="1.0" encoding="utf-8"?>
 <p:sld xmlns:a="http://schemas.openxmlformats.org/drawingml/2006/main" xmlns:r="http://schemas.openxmlformats.org/officeDocument/2006/relationships" xmlns:p="http://schemas.openxmlformats.org/presentationml/2006/main">
   <p:cSld>
     <p:spTree>
@@ -18627,7 +19773,7 @@
 </p:sld>
 </file>
 
-<file path=ppt/slides/slide43.xml><?xml version="1.0" encoding="utf-8"?>
+<file path=ppt/slides/slide47.xml><?xml version="1.0" encoding="utf-8"?>
 <p:sld xmlns:a="http://schemas.openxmlformats.org/drawingml/2006/main" xmlns:r="http://schemas.openxmlformats.org/officeDocument/2006/relationships" xmlns:p="http://schemas.openxmlformats.org/presentationml/2006/main">
   <p:cSld>
     <p:spTree>
@@ -18734,7 +19880,7 @@
 </p:sld>
 </file>
 
-<file path=ppt/slides/slide44.xml><?xml version="1.0" encoding="utf-8"?>
+<file path=ppt/slides/slide48.xml><?xml version="1.0" encoding="utf-8"?>
 <p:sld xmlns:a="http://schemas.openxmlformats.org/drawingml/2006/main" xmlns:r="http://schemas.openxmlformats.org/officeDocument/2006/relationships" xmlns:p="http://schemas.openxmlformats.org/presentationml/2006/main">
   <p:cSld>
     <p:spTree>
@@ -19194,7 +20340,7 @@
 </p:sld>
 </file>
 
-<file path=ppt/slides/slide45.xml><?xml version="1.0" encoding="utf-8"?>
+<file path=ppt/slides/slide49.xml><?xml version="1.0" encoding="utf-8"?>
 <p:sld xmlns:a="http://schemas.openxmlformats.org/drawingml/2006/main" xmlns:r="http://schemas.openxmlformats.org/officeDocument/2006/relationships" xmlns:p="http://schemas.openxmlformats.org/presentationml/2006/main">
   <p:cSld>
     <p:spTree>
@@ -19737,7 +20883,543 @@
 </p:sld>
 </file>
 
-<file path=ppt/slides/slide46.xml><?xml version="1.0" encoding="utf-8"?>
+<file path=ppt/slides/slide5.xml><?xml version="1.0" encoding="utf-8"?>
+<p:sld xmlns:a="http://schemas.openxmlformats.org/drawingml/2006/main" xmlns:r="http://schemas.openxmlformats.org/officeDocument/2006/relationships" xmlns:p="http://schemas.openxmlformats.org/presentationml/2006/main">
+  <p:cSld>
+    <p:spTree>
+      <p:nvGrpSpPr>
+        <p:cNvPr id="1" name=""/>
+        <p:cNvGrpSpPr/>
+        <p:nvPr/>
+      </p:nvGrpSpPr>
+      <p:grpSpPr>
+        <a:xfrm>
+          <a:off x="0" y="0"/>
+          <a:ext cx="0" cy="0"/>
+          <a:chOff x="0" y="0"/>
+          <a:chExt cx="0" cy="0"/>
+        </a:xfrm>
+      </p:grpSpPr>
+      <p:sp>
+        <p:nvSpPr>
+          <p:cNvPr id="2" name="Title 1">
+            <a:extLst>
+              <a:ext uri="{FF2B5EF4-FFF2-40B4-BE49-F238E27FC236}">
+                <a16:creationId xmlns:a16="http://schemas.microsoft.com/office/drawing/2014/main" id="{D16C5EDE-0280-8A5A-20E5-EF92CA317EFB}"/>
+              </a:ext>
+            </a:extLst>
+          </p:cNvPr>
+          <p:cNvSpPr>
+            <a:spLocks noGrp="1"/>
+          </p:cNvSpPr>
+          <p:nvPr>
+            <p:ph type="title"/>
+          </p:nvPr>
+        </p:nvSpPr>
+        <p:spPr/>
+        <p:txBody>
+          <a:bodyPr/>
+          <a:lstStyle/>
+          <a:p>
+            <a:r>
+              <a:rPr lang="en-US" dirty="0"/>
+              <a:t>Task-specific AI Assistants</a:t>
+            </a:r>
+          </a:p>
+        </p:txBody>
+      </p:sp>
+      <p:pic>
+        <p:nvPicPr>
+          <p:cNvPr id="1030" name="Picture 6">
+            <a:extLst>
+              <a:ext uri="{FF2B5EF4-FFF2-40B4-BE49-F238E27FC236}">
+                <a16:creationId xmlns:a16="http://schemas.microsoft.com/office/drawing/2014/main" id="{9F6EBFFA-A7CB-A452-6BE7-8B205A4A6899}"/>
+              </a:ext>
+            </a:extLst>
+          </p:cNvPr>
+          <p:cNvPicPr>
+            <a:picLocks noChangeAspect="1" noChangeArrowheads="1"/>
+          </p:cNvPicPr>
+          <p:nvPr/>
+        </p:nvPicPr>
+        <p:blipFill>
+          <a:blip r:embed="rId2">
+            <a:extLst>
+              <a:ext uri="{28A0092B-C50C-407E-A947-70E740481C1C}">
+                <a14:useLocalDpi xmlns:a14="http://schemas.microsoft.com/office/drawing/2010/main" val="0"/>
+              </a:ext>
+            </a:extLst>
+          </a:blip>
+          <a:srcRect/>
+          <a:stretch>
+            <a:fillRect/>
+          </a:stretch>
+        </p:blipFill>
+        <p:spPr bwMode="auto">
+          <a:xfrm>
+            <a:off x="9094376" y="2603530"/>
+            <a:ext cx="1276350" cy="1295400"/>
+          </a:xfrm>
+          <a:prstGeom prst="rect">
+            <a:avLst/>
+          </a:prstGeom>
+          <a:noFill/>
+          <a:extLst>
+            <a:ext uri="{909E8E84-426E-40DD-AFC4-6F175D3DCCD1}">
+              <a14:hiddenFill xmlns:a14="http://schemas.microsoft.com/office/drawing/2010/main">
+                <a:solidFill>
+                  <a:srgbClr val="FFFFFF"/>
+                </a:solidFill>
+              </a14:hiddenFill>
+            </a:ext>
+          </a:extLst>
+        </p:spPr>
+      </p:pic>
+      <p:sp>
+        <p:nvSpPr>
+          <p:cNvPr id="12" name="TextBox 11">
+            <a:extLst>
+              <a:ext uri="{FF2B5EF4-FFF2-40B4-BE49-F238E27FC236}">
+                <a16:creationId xmlns:a16="http://schemas.microsoft.com/office/drawing/2014/main" id="{B1AA0DCA-0D79-CB67-0B03-3DDA66D102F3}"/>
+              </a:ext>
+            </a:extLst>
+          </p:cNvPr>
+          <p:cNvSpPr txBox="1"/>
+          <p:nvPr/>
+        </p:nvSpPr>
+        <p:spPr>
+          <a:xfrm>
+            <a:off x="9399768" y="3985009"/>
+            <a:ext cx="665567" cy="369332"/>
+          </a:xfrm>
+          <a:prstGeom prst="rect">
+            <a:avLst/>
+          </a:prstGeom>
+          <a:noFill/>
+        </p:spPr>
+        <p:txBody>
+          <a:bodyPr wrap="none" rtlCol="0">
+            <a:spAutoFit/>
+          </a:bodyPr>
+          <a:lstStyle/>
+          <a:p>
+            <a:pPr algn="ctr"/>
+            <a:r>
+              <a:rPr lang="en-US" dirty="0"/>
+              <a:t>User</a:t>
+            </a:r>
+          </a:p>
+        </p:txBody>
+      </p:sp>
+      <p:cxnSp>
+        <p:nvCxnSpPr>
+          <p:cNvPr id="16" name="Straight Arrow Connector 15">
+            <a:extLst>
+              <a:ext uri="{FF2B5EF4-FFF2-40B4-BE49-F238E27FC236}">
+                <a16:creationId xmlns:a16="http://schemas.microsoft.com/office/drawing/2014/main" id="{120E7B1A-E9B3-5954-6076-CCAFC27FB897}"/>
+              </a:ext>
+            </a:extLst>
+          </p:cNvPr>
+          <p:cNvCxnSpPr>
+            <a:cxnSpLocks/>
+          </p:cNvCxnSpPr>
+          <p:nvPr/>
+        </p:nvCxnSpPr>
+        <p:spPr>
+          <a:xfrm>
+            <a:off x="5222198" y="3178809"/>
+            <a:ext cx="3447510" cy="0"/>
+          </a:xfrm>
+          <a:prstGeom prst="straightConnector1">
+            <a:avLst/>
+          </a:prstGeom>
+          <a:ln w="38100">
+            <a:solidFill>
+              <a:srgbClr val="EA6B66"/>
+            </a:solidFill>
+            <a:tailEnd type="triangle"/>
+          </a:ln>
+        </p:spPr>
+        <p:style>
+          <a:lnRef idx="2">
+            <a:schemeClr val="accent1"/>
+          </a:lnRef>
+          <a:fillRef idx="0">
+            <a:schemeClr val="accent1"/>
+          </a:fillRef>
+          <a:effectRef idx="1">
+            <a:schemeClr val="accent1"/>
+          </a:effectRef>
+          <a:fontRef idx="minor">
+            <a:schemeClr val="tx1"/>
+          </a:fontRef>
+        </p:style>
+      </p:cxnSp>
+      <p:cxnSp>
+        <p:nvCxnSpPr>
+          <p:cNvPr id="17" name="Straight Arrow Connector 16">
+            <a:extLst>
+              <a:ext uri="{FF2B5EF4-FFF2-40B4-BE49-F238E27FC236}">
+                <a16:creationId xmlns:a16="http://schemas.microsoft.com/office/drawing/2014/main" id="{A75A1AC6-68F9-0793-DFCC-EFDBEBEBF8EC}"/>
+              </a:ext>
+            </a:extLst>
+          </p:cNvPr>
+          <p:cNvCxnSpPr>
+            <a:cxnSpLocks/>
+          </p:cNvCxnSpPr>
+          <p:nvPr/>
+        </p:nvCxnSpPr>
+        <p:spPr>
+          <a:xfrm flipH="1">
+            <a:off x="5222198" y="3554824"/>
+            <a:ext cx="3413327" cy="0"/>
+          </a:xfrm>
+          <a:prstGeom prst="straightConnector1">
+            <a:avLst/>
+          </a:prstGeom>
+          <a:ln w="38100">
+            <a:tailEnd type="triangle"/>
+          </a:ln>
+        </p:spPr>
+        <p:style>
+          <a:lnRef idx="2">
+            <a:schemeClr val="accent1"/>
+          </a:lnRef>
+          <a:fillRef idx="0">
+            <a:schemeClr val="accent1"/>
+          </a:fillRef>
+          <a:effectRef idx="1">
+            <a:schemeClr val="accent1"/>
+          </a:effectRef>
+          <a:fontRef idx="minor">
+            <a:schemeClr val="tx1"/>
+          </a:fontRef>
+        </p:style>
+      </p:cxnSp>
+      <p:sp>
+        <p:nvSpPr>
+          <p:cNvPr id="32" name="TextBox 31">
+            <a:extLst>
+              <a:ext uri="{FF2B5EF4-FFF2-40B4-BE49-F238E27FC236}">
+                <a16:creationId xmlns:a16="http://schemas.microsoft.com/office/drawing/2014/main" id="{564D5F6D-A9D1-DCC9-0BB4-9F0D23E22CD9}"/>
+              </a:ext>
+            </a:extLst>
+          </p:cNvPr>
+          <p:cNvSpPr txBox="1"/>
+          <p:nvPr/>
+        </p:nvSpPr>
+        <p:spPr>
+          <a:xfrm>
+            <a:off x="5325430" y="3578730"/>
+            <a:ext cx="3639779" cy="369332"/>
+          </a:xfrm>
+          <a:prstGeom prst="rect">
+            <a:avLst/>
+          </a:prstGeom>
+          <a:noFill/>
+        </p:spPr>
+        <p:txBody>
+          <a:bodyPr wrap="none" rtlCol="0">
+            <a:spAutoFit/>
+          </a:bodyPr>
+          <a:lstStyle/>
+          <a:p>
+            <a:r>
+              <a:rPr lang="en-US" b="1" dirty="0"/>
+              <a:t>Add specific requests on a task</a:t>
+            </a:r>
+          </a:p>
+        </p:txBody>
+      </p:sp>
+      <p:sp>
+        <p:nvSpPr>
+          <p:cNvPr id="33" name="TextBox 32">
+            <a:extLst>
+              <a:ext uri="{FF2B5EF4-FFF2-40B4-BE49-F238E27FC236}">
+                <a16:creationId xmlns:a16="http://schemas.microsoft.com/office/drawing/2014/main" id="{06C379B9-46EE-434E-0CBE-640D9D06D462}"/>
+              </a:ext>
+            </a:extLst>
+          </p:cNvPr>
+          <p:cNvSpPr txBox="1"/>
+          <p:nvPr/>
+        </p:nvSpPr>
+        <p:spPr>
+          <a:xfrm>
+            <a:off x="6443792" y="2835731"/>
+            <a:ext cx="1034257" cy="369332"/>
+          </a:xfrm>
+          <a:prstGeom prst="rect">
+            <a:avLst/>
+          </a:prstGeom>
+          <a:noFill/>
+        </p:spPr>
+        <p:txBody>
+          <a:bodyPr wrap="none" rtlCol="0">
+            <a:spAutoFit/>
+          </a:bodyPr>
+          <a:lstStyle/>
+          <a:p>
+            <a:r>
+              <a:rPr lang="en-US" b="1" dirty="0"/>
+              <a:t>Answer</a:t>
+            </a:r>
+          </a:p>
+        </p:txBody>
+      </p:sp>
+      <p:sp>
+        <p:nvSpPr>
+          <p:cNvPr id="37" name="Rectangle 36">
+            <a:extLst>
+              <a:ext uri="{FF2B5EF4-FFF2-40B4-BE49-F238E27FC236}">
+                <a16:creationId xmlns:a16="http://schemas.microsoft.com/office/drawing/2014/main" id="{65A902C1-7035-02E9-4118-2A31F6A845E6}"/>
+              </a:ext>
+            </a:extLst>
+          </p:cNvPr>
+          <p:cNvSpPr/>
+          <p:nvPr/>
+        </p:nvSpPr>
+        <p:spPr>
+          <a:xfrm>
+            <a:off x="1821275" y="2405075"/>
+            <a:ext cx="3192134" cy="2047850"/>
+          </a:xfrm>
+          <a:prstGeom prst="rect">
+            <a:avLst/>
+          </a:prstGeom>
+          <a:solidFill>
+            <a:schemeClr val="bg1"/>
+          </a:solidFill>
+        </p:spPr>
+        <p:style>
+          <a:lnRef idx="2">
+            <a:schemeClr val="accent1">
+              <a:shade val="15000"/>
+            </a:schemeClr>
+          </a:lnRef>
+          <a:fillRef idx="1">
+            <a:schemeClr val="accent1"/>
+          </a:fillRef>
+          <a:effectRef idx="0">
+            <a:schemeClr val="accent1"/>
+          </a:effectRef>
+          <a:fontRef idx="minor">
+            <a:schemeClr val="lt1"/>
+          </a:fontRef>
+        </p:style>
+        <p:txBody>
+          <a:bodyPr rtlCol="0" anchor="ctr"/>
+          <a:lstStyle/>
+          <a:p>
+            <a:pPr algn="ctr"/>
+            <a:endParaRPr lang="en-US"/>
+          </a:p>
+        </p:txBody>
+      </p:sp>
+      <p:pic>
+        <p:nvPicPr>
+          <p:cNvPr id="39" name="Picture 8">
+            <a:extLst>
+              <a:ext uri="{FF2B5EF4-FFF2-40B4-BE49-F238E27FC236}">
+                <a16:creationId xmlns:a16="http://schemas.microsoft.com/office/drawing/2014/main" id="{DA16717E-4990-A846-9F2D-94DA691F76FB}"/>
+              </a:ext>
+            </a:extLst>
+          </p:cNvPr>
+          <p:cNvPicPr>
+            <a:picLocks noChangeAspect="1" noChangeArrowheads="1"/>
+          </p:cNvPicPr>
+          <p:nvPr/>
+        </p:nvPicPr>
+        <p:blipFill>
+          <a:blip r:embed="rId3">
+            <a:extLst>
+              <a:ext uri="{28A0092B-C50C-407E-A947-70E740481C1C}">
+                <a14:useLocalDpi xmlns:a14="http://schemas.microsoft.com/office/drawing/2010/main" val="0"/>
+              </a:ext>
+            </a:extLst>
+          </a:blip>
+          <a:srcRect/>
+          <a:stretch>
+            <a:fillRect/>
+          </a:stretch>
+        </p:blipFill>
+        <p:spPr bwMode="auto">
+          <a:xfrm>
+            <a:off x="2228001" y="3135455"/>
+            <a:ext cx="1000125" cy="1057275"/>
+          </a:xfrm>
+          <a:prstGeom prst="rect">
+            <a:avLst/>
+          </a:prstGeom>
+          <a:noFill/>
+          <a:extLst>
+            <a:ext uri="{909E8E84-426E-40DD-AFC4-6F175D3DCCD1}">
+              <a14:hiddenFill xmlns:a14="http://schemas.microsoft.com/office/drawing/2010/main">
+                <a:solidFill>
+                  <a:srgbClr val="FFFFFF"/>
+                </a:solidFill>
+              </a14:hiddenFill>
+            </a:ext>
+          </a:extLst>
+        </p:spPr>
+      </p:pic>
+      <p:sp>
+        <p:nvSpPr>
+          <p:cNvPr id="41" name="TextBox 40">
+            <a:extLst>
+              <a:ext uri="{FF2B5EF4-FFF2-40B4-BE49-F238E27FC236}">
+                <a16:creationId xmlns:a16="http://schemas.microsoft.com/office/drawing/2014/main" id="{DA101FC8-75D5-EF75-25D9-8DE437394722}"/>
+              </a:ext>
+            </a:extLst>
+          </p:cNvPr>
+          <p:cNvSpPr txBox="1"/>
+          <p:nvPr/>
+        </p:nvSpPr>
+        <p:spPr>
+          <a:xfrm>
+            <a:off x="2361719" y="4082136"/>
+            <a:ext cx="726481" cy="369332"/>
+          </a:xfrm>
+          <a:prstGeom prst="rect">
+            <a:avLst/>
+          </a:prstGeom>
+          <a:noFill/>
+        </p:spPr>
+        <p:txBody>
+          <a:bodyPr wrap="none" rtlCol="0">
+            <a:spAutoFit/>
+          </a:bodyPr>
+          <a:lstStyle/>
+          <a:p>
+            <a:pPr algn="ctr"/>
+            <a:r>
+              <a:rPr lang="en-US" dirty="0"/>
+              <a:t>LLMs</a:t>
+            </a:r>
+          </a:p>
+        </p:txBody>
+      </p:sp>
+      <p:sp>
+        <p:nvSpPr>
+          <p:cNvPr id="42" name="TextBox 41">
+            <a:extLst>
+              <a:ext uri="{FF2B5EF4-FFF2-40B4-BE49-F238E27FC236}">
+                <a16:creationId xmlns:a16="http://schemas.microsoft.com/office/drawing/2014/main" id="{53131ACE-C376-B9C7-C06C-B15BA7C5B729}"/>
+              </a:ext>
+            </a:extLst>
+          </p:cNvPr>
+          <p:cNvSpPr txBox="1"/>
+          <p:nvPr/>
+        </p:nvSpPr>
+        <p:spPr>
+          <a:xfrm>
+            <a:off x="1826127" y="2420233"/>
+            <a:ext cx="1797667" cy="830997"/>
+          </a:xfrm>
+          <a:prstGeom prst="rect">
+            <a:avLst/>
+          </a:prstGeom>
+          <a:noFill/>
+        </p:spPr>
+        <p:txBody>
+          <a:bodyPr wrap="square" rtlCol="0">
+            <a:spAutoFit/>
+          </a:bodyPr>
+          <a:lstStyle/>
+          <a:p>
+            <a:pPr algn="ctr"/>
+            <a:r>
+              <a:rPr lang="en-US" sz="1200" dirty="0"/>
+              <a:t>Trained on publicly available, non-private data up to a certain point in time.</a:t>
+            </a:r>
+          </a:p>
+        </p:txBody>
+      </p:sp>
+      <p:sp>
+        <p:nvSpPr>
+          <p:cNvPr id="5" name="TextBox 4">
+            <a:extLst>
+              <a:ext uri="{FF2B5EF4-FFF2-40B4-BE49-F238E27FC236}">
+                <a16:creationId xmlns:a16="http://schemas.microsoft.com/office/drawing/2014/main" id="{AE4BD591-5CB9-DB3B-5EBF-3A462715A6C1}"/>
+              </a:ext>
+            </a:extLst>
+          </p:cNvPr>
+          <p:cNvSpPr txBox="1"/>
+          <p:nvPr/>
+        </p:nvSpPr>
+        <p:spPr>
+          <a:xfrm>
+            <a:off x="3394178" y="3187038"/>
+            <a:ext cx="1574123" cy="954107"/>
+          </a:xfrm>
+          <a:prstGeom prst="rect">
+            <a:avLst/>
+          </a:prstGeom>
+          <a:noFill/>
+        </p:spPr>
+        <p:txBody>
+          <a:bodyPr wrap="square" rtlCol="0">
+            <a:spAutoFit/>
+          </a:bodyPr>
+          <a:lstStyle/>
+          <a:p>
+            <a:pPr algn="ctr"/>
+            <a:r>
+              <a:rPr lang="en-US" sz="1400" dirty="0"/>
+              <a:t>Customized prompt based on user's requests</a:t>
+            </a:r>
+          </a:p>
+        </p:txBody>
+      </p:sp>
+      <p:sp>
+        <p:nvSpPr>
+          <p:cNvPr id="6" name="TextBox 5">
+            <a:extLst>
+              <a:ext uri="{FF2B5EF4-FFF2-40B4-BE49-F238E27FC236}">
+                <a16:creationId xmlns:a16="http://schemas.microsoft.com/office/drawing/2014/main" id="{D3CA8E70-D8A4-C4E4-9D58-A898EE330326}"/>
+              </a:ext>
+            </a:extLst>
+          </p:cNvPr>
+          <p:cNvSpPr txBox="1"/>
+          <p:nvPr/>
+        </p:nvSpPr>
+        <p:spPr>
+          <a:xfrm>
+            <a:off x="3138473" y="3429000"/>
+            <a:ext cx="417592" cy="369332"/>
+          </a:xfrm>
+          <a:prstGeom prst="rect">
+            <a:avLst/>
+          </a:prstGeom>
+          <a:noFill/>
+        </p:spPr>
+        <p:txBody>
+          <a:bodyPr wrap="square" rtlCol="0">
+            <a:spAutoFit/>
+          </a:bodyPr>
+          <a:lstStyle/>
+          <a:p>
+            <a:pPr algn="ctr"/>
+            <a:r>
+              <a:rPr lang="en-US" dirty="0"/>
+              <a:t>+</a:t>
+            </a:r>
+          </a:p>
+        </p:txBody>
+      </p:sp>
+    </p:spTree>
+    <p:extLst>
+      <p:ext uri="{BB962C8B-B14F-4D97-AF65-F5344CB8AC3E}">
+        <p14:creationId xmlns:p14="http://schemas.microsoft.com/office/powerpoint/2010/main" val="3673693858"/>
+      </p:ext>
+    </p:extLst>
+  </p:cSld>
+  <p:clrMapOvr>
+    <a:masterClrMapping/>
+  </p:clrMapOvr>
+</p:sld>
+</file>
+
+<file path=ppt/slides/slide50.xml><?xml version="1.0" encoding="utf-8"?>
 <p:sld xmlns:a="http://schemas.openxmlformats.org/drawingml/2006/main" xmlns:r="http://schemas.openxmlformats.org/officeDocument/2006/relationships" xmlns:p="http://schemas.openxmlformats.org/presentationml/2006/main">
   <p:cSld>
     <p:spTree>
@@ -20366,7 +22048,7 @@
 </p:sld>
 </file>
 
-<file path=ppt/slides/slide47.xml><?xml version="1.0" encoding="utf-8"?>
+<file path=ppt/slides/slide51.xml><?xml version="1.0" encoding="utf-8"?>
 <p:sld xmlns:a="http://schemas.openxmlformats.org/drawingml/2006/main" xmlns:r="http://schemas.openxmlformats.org/officeDocument/2006/relationships" xmlns:p="http://schemas.openxmlformats.org/presentationml/2006/main">
   <p:cSld>
     <p:spTree>
@@ -22137,7 +23819,7 @@
 </p:sld>
 </file>
 
-<file path=ppt/slides/slide48.xml><?xml version="1.0" encoding="utf-8"?>
+<file path=ppt/slides/slide52.xml><?xml version="1.0" encoding="utf-8"?>
 <p:sld xmlns:a="http://schemas.openxmlformats.org/drawingml/2006/main" xmlns:r="http://schemas.openxmlformats.org/officeDocument/2006/relationships" xmlns:p="http://schemas.openxmlformats.org/presentationml/2006/main">
   <p:cSld>
     <p:spTree>
@@ -23910,7 +25592,7 @@
 </p:sld>
 </file>
 
-<file path=ppt/slides/slide49.xml><?xml version="1.0" encoding="utf-8"?>
+<file path=ppt/slides/slide53.xml><?xml version="1.0" encoding="utf-8"?>
 <p:sld xmlns:a="http://schemas.openxmlformats.org/drawingml/2006/main" xmlns:r="http://schemas.openxmlformats.org/officeDocument/2006/relationships" xmlns:p="http://schemas.openxmlformats.org/presentationml/2006/main">
   <p:cSld>
     <p:spTree>
@@ -23998,7 +25680,7 @@
 </p:sld>
 </file>
 
-<file path=ppt/slides/slide5.xml><?xml version="1.0" encoding="utf-8"?>
+<file path=ppt/slides/slide54.xml><?xml version="1.0" encoding="utf-8"?>
 <p:sld xmlns:a="http://schemas.openxmlformats.org/drawingml/2006/main" xmlns:r="http://schemas.openxmlformats.org/officeDocument/2006/relationships" xmlns:p="http://schemas.openxmlformats.org/presentationml/2006/main">
   <p:cSld>
     <p:spTree>
@@ -24020,7 +25702,7 @@
           <p:cNvPr id="2" name="Title 1">
             <a:extLst>
               <a:ext uri="{FF2B5EF4-FFF2-40B4-BE49-F238E27FC236}">
-                <a16:creationId xmlns:a16="http://schemas.microsoft.com/office/drawing/2014/main" id="{D16C5EDE-0280-8A5A-20E5-EF92CA317EFB}"/>
+                <a16:creationId xmlns:a16="http://schemas.microsoft.com/office/drawing/2014/main" id="{23A33FCC-F5BB-E720-E2A1-EF6117C06EB3}"/>
               </a:ext>
             </a:extLst>
           </p:cNvPr>
@@ -24038,493 +25720,40 @@
           <a:p>
             <a:r>
               <a:rPr lang="en-US" dirty="0"/>
-              <a:t>Task-specific AI Assistants</a:t>
-            </a:r>
-          </a:p>
-        </p:txBody>
-      </p:sp>
-      <p:pic>
-        <p:nvPicPr>
-          <p:cNvPr id="1030" name="Picture 6">
-            <a:extLst>
-              <a:ext uri="{FF2B5EF4-FFF2-40B4-BE49-F238E27FC236}">
-                <a16:creationId xmlns:a16="http://schemas.microsoft.com/office/drawing/2014/main" id="{9F6EBFFA-A7CB-A452-6BE7-8B205A4A6899}"/>
-              </a:ext>
-            </a:extLst>
-          </p:cNvPr>
-          <p:cNvPicPr>
-            <a:picLocks noChangeAspect="1" noChangeArrowheads="1"/>
-          </p:cNvPicPr>
-          <p:nvPr/>
-        </p:nvPicPr>
-        <p:blipFill>
-          <a:blip r:embed="rId2">
-            <a:extLst>
-              <a:ext uri="{28A0092B-C50C-407E-A947-70E740481C1C}">
-                <a14:useLocalDpi xmlns:a14="http://schemas.microsoft.com/office/drawing/2010/main" val="0"/>
-              </a:ext>
-            </a:extLst>
-          </a:blip>
-          <a:srcRect/>
-          <a:stretch>
-            <a:fillRect/>
-          </a:stretch>
-        </p:blipFill>
-        <p:spPr bwMode="auto">
-          <a:xfrm>
-            <a:off x="9094376" y="2603530"/>
-            <a:ext cx="1276350" cy="1295400"/>
-          </a:xfrm>
-          <a:prstGeom prst="rect">
-            <a:avLst/>
-          </a:prstGeom>
-          <a:noFill/>
-          <a:extLst>
-            <a:ext uri="{909E8E84-426E-40DD-AFC4-6F175D3DCCD1}">
-              <a14:hiddenFill xmlns:a14="http://schemas.microsoft.com/office/drawing/2010/main">
-                <a:solidFill>
-                  <a:srgbClr val="FFFFFF"/>
-                </a:solidFill>
-              </a14:hiddenFill>
-            </a:ext>
-          </a:extLst>
-        </p:spPr>
-      </p:pic>
-      <p:sp>
-        <p:nvSpPr>
-          <p:cNvPr id="12" name="TextBox 11">
-            <a:extLst>
-              <a:ext uri="{FF2B5EF4-FFF2-40B4-BE49-F238E27FC236}">
-                <a16:creationId xmlns:a16="http://schemas.microsoft.com/office/drawing/2014/main" id="{B1AA0DCA-0D79-CB67-0B03-3DDA66D102F3}"/>
-              </a:ext>
-            </a:extLst>
-          </p:cNvPr>
-          <p:cNvSpPr txBox="1"/>
-          <p:nvPr/>
-        </p:nvSpPr>
-        <p:spPr>
-          <a:xfrm>
-            <a:off x="9399768" y="3985009"/>
-            <a:ext cx="665567" cy="369332"/>
-          </a:xfrm>
-          <a:prstGeom prst="rect">
-            <a:avLst/>
-          </a:prstGeom>
-          <a:noFill/>
-        </p:spPr>
-        <p:txBody>
-          <a:bodyPr wrap="none" rtlCol="0">
-            <a:spAutoFit/>
-          </a:bodyPr>
-          <a:lstStyle/>
-          <a:p>
-            <a:pPr algn="ctr"/>
-            <a:r>
-              <a:rPr lang="en-US" dirty="0"/>
-              <a:t>User</a:t>
-            </a:r>
-          </a:p>
-        </p:txBody>
-      </p:sp>
-      <p:cxnSp>
-        <p:nvCxnSpPr>
-          <p:cNvPr id="16" name="Straight Arrow Connector 15">
-            <a:extLst>
-              <a:ext uri="{FF2B5EF4-FFF2-40B4-BE49-F238E27FC236}">
-                <a16:creationId xmlns:a16="http://schemas.microsoft.com/office/drawing/2014/main" id="{120E7B1A-E9B3-5954-6076-CCAFC27FB897}"/>
-              </a:ext>
-            </a:extLst>
-          </p:cNvPr>
-          <p:cNvCxnSpPr>
-            <a:cxnSpLocks/>
-          </p:cNvCxnSpPr>
-          <p:nvPr/>
-        </p:nvCxnSpPr>
-        <p:spPr>
-          <a:xfrm>
-            <a:off x="5222198" y="3178809"/>
-            <a:ext cx="3447510" cy="0"/>
-          </a:xfrm>
-          <a:prstGeom prst="straightConnector1">
-            <a:avLst/>
-          </a:prstGeom>
-          <a:ln w="38100">
-            <a:solidFill>
-              <a:srgbClr val="EA6B66"/>
-            </a:solidFill>
-            <a:tailEnd type="triangle"/>
-          </a:ln>
-        </p:spPr>
-        <p:style>
-          <a:lnRef idx="2">
-            <a:schemeClr val="accent1"/>
-          </a:lnRef>
-          <a:fillRef idx="0">
-            <a:schemeClr val="accent1"/>
-          </a:fillRef>
-          <a:effectRef idx="1">
-            <a:schemeClr val="accent1"/>
-          </a:effectRef>
-          <a:fontRef idx="minor">
-            <a:schemeClr val="tx1"/>
-          </a:fontRef>
-        </p:style>
-      </p:cxnSp>
-      <p:cxnSp>
-        <p:nvCxnSpPr>
-          <p:cNvPr id="17" name="Straight Arrow Connector 16">
-            <a:extLst>
-              <a:ext uri="{FF2B5EF4-FFF2-40B4-BE49-F238E27FC236}">
-                <a16:creationId xmlns:a16="http://schemas.microsoft.com/office/drawing/2014/main" id="{A75A1AC6-68F9-0793-DFCC-EFDBEBEBF8EC}"/>
-              </a:ext>
-            </a:extLst>
-          </p:cNvPr>
-          <p:cNvCxnSpPr>
-            <a:cxnSpLocks/>
-          </p:cNvCxnSpPr>
-          <p:nvPr/>
-        </p:nvCxnSpPr>
-        <p:spPr>
-          <a:xfrm flipH="1">
-            <a:off x="5222198" y="3554824"/>
-            <a:ext cx="3413327" cy="0"/>
-          </a:xfrm>
-          <a:prstGeom prst="straightConnector1">
-            <a:avLst/>
-          </a:prstGeom>
-          <a:ln w="38100">
-            <a:tailEnd type="triangle"/>
-          </a:ln>
-        </p:spPr>
-        <p:style>
-          <a:lnRef idx="2">
-            <a:schemeClr val="accent1"/>
-          </a:lnRef>
-          <a:fillRef idx="0">
-            <a:schemeClr val="accent1"/>
-          </a:fillRef>
-          <a:effectRef idx="1">
-            <a:schemeClr val="accent1"/>
-          </a:effectRef>
-          <a:fontRef idx="minor">
-            <a:schemeClr val="tx1"/>
-          </a:fontRef>
-        </p:style>
-      </p:cxnSp>
-      <p:sp>
-        <p:nvSpPr>
-          <p:cNvPr id="32" name="TextBox 31">
-            <a:extLst>
-              <a:ext uri="{FF2B5EF4-FFF2-40B4-BE49-F238E27FC236}">
-                <a16:creationId xmlns:a16="http://schemas.microsoft.com/office/drawing/2014/main" id="{564D5F6D-A9D1-DCC9-0BB4-9F0D23E22CD9}"/>
-              </a:ext>
-            </a:extLst>
-          </p:cNvPr>
-          <p:cNvSpPr txBox="1"/>
-          <p:nvPr/>
-        </p:nvSpPr>
-        <p:spPr>
-          <a:xfrm>
-            <a:off x="5325430" y="3578730"/>
-            <a:ext cx="3639779" cy="369332"/>
-          </a:xfrm>
-          <a:prstGeom prst="rect">
-            <a:avLst/>
-          </a:prstGeom>
-          <a:noFill/>
-        </p:spPr>
-        <p:txBody>
-          <a:bodyPr wrap="none" rtlCol="0">
-            <a:spAutoFit/>
-          </a:bodyPr>
-          <a:lstStyle/>
-          <a:p>
-            <a:r>
-              <a:rPr lang="en-US" b="1" dirty="0"/>
-              <a:t>Add specific requests on a task</a:t>
+              <a:t>Agent-based AI Chatbot</a:t>
             </a:r>
           </a:p>
         </p:txBody>
       </p:sp>
       <p:sp>
         <p:nvSpPr>
-          <p:cNvPr id="33" name="TextBox 32">
+          <p:cNvPr id="3" name="Text Placeholder 2">
             <a:extLst>
               <a:ext uri="{FF2B5EF4-FFF2-40B4-BE49-F238E27FC236}">
-                <a16:creationId xmlns:a16="http://schemas.microsoft.com/office/drawing/2014/main" id="{06C379B9-46EE-434E-0CBE-640D9D06D462}"/>
+                <a16:creationId xmlns:a16="http://schemas.microsoft.com/office/drawing/2014/main" id="{30E19318-BA72-E536-57CA-E5BD8F6AE0F0}"/>
               </a:ext>
             </a:extLst>
           </p:cNvPr>
-          <p:cNvSpPr txBox="1"/>
-          <p:nvPr/>
+          <p:cNvSpPr>
+            <a:spLocks noGrp="1"/>
+          </p:cNvSpPr>
+          <p:nvPr>
+            <p:ph type="body" idx="1"/>
+          </p:nvPr>
         </p:nvSpPr>
-        <p:spPr>
-          <a:xfrm>
-            <a:off x="6443792" y="2835731"/>
-            <a:ext cx="1034257" cy="369332"/>
-          </a:xfrm>
-          <a:prstGeom prst="rect">
-            <a:avLst/>
-          </a:prstGeom>
-          <a:noFill/>
-        </p:spPr>
+        <p:spPr/>
         <p:txBody>
-          <a:bodyPr wrap="none" rtlCol="0">
-            <a:spAutoFit/>
-          </a:bodyPr>
+          <a:bodyPr/>
           <a:lstStyle/>
           <a:p>
-            <a:r>
-              <a:rPr lang="en-US" b="1" dirty="0"/>
-              <a:t>Answer</a:t>
-            </a:r>
-          </a:p>
-        </p:txBody>
-      </p:sp>
-      <p:sp>
-        <p:nvSpPr>
-          <p:cNvPr id="37" name="Rectangle 36">
-            <a:extLst>
-              <a:ext uri="{FF2B5EF4-FFF2-40B4-BE49-F238E27FC236}">
-                <a16:creationId xmlns:a16="http://schemas.microsoft.com/office/drawing/2014/main" id="{65A902C1-7035-02E9-4118-2A31F6A845E6}"/>
-              </a:ext>
-            </a:extLst>
-          </p:cNvPr>
-          <p:cNvSpPr/>
-          <p:nvPr/>
-        </p:nvSpPr>
-        <p:spPr>
-          <a:xfrm>
-            <a:off x="1821275" y="2405075"/>
-            <a:ext cx="3192134" cy="2047850"/>
-          </a:xfrm>
-          <a:prstGeom prst="rect">
-            <a:avLst/>
-          </a:prstGeom>
-          <a:solidFill>
-            <a:schemeClr val="bg1"/>
-          </a:solidFill>
-        </p:spPr>
-        <p:style>
-          <a:lnRef idx="2">
-            <a:schemeClr val="accent1">
-              <a:shade val="15000"/>
-            </a:schemeClr>
-          </a:lnRef>
-          <a:fillRef idx="1">
-            <a:schemeClr val="accent1"/>
-          </a:fillRef>
-          <a:effectRef idx="0">
-            <a:schemeClr val="accent1"/>
-          </a:effectRef>
-          <a:fontRef idx="minor">
-            <a:schemeClr val="lt1"/>
-          </a:fontRef>
-        </p:style>
-        <p:txBody>
-          <a:bodyPr rtlCol="0" anchor="ctr"/>
-          <a:lstStyle/>
-          <a:p>
-            <a:pPr algn="ctr"/>
             <a:endParaRPr lang="en-US"/>
-          </a:p>
-        </p:txBody>
-      </p:sp>
-      <p:pic>
-        <p:nvPicPr>
-          <p:cNvPr id="39" name="Picture 8">
-            <a:extLst>
-              <a:ext uri="{FF2B5EF4-FFF2-40B4-BE49-F238E27FC236}">
-                <a16:creationId xmlns:a16="http://schemas.microsoft.com/office/drawing/2014/main" id="{DA16717E-4990-A846-9F2D-94DA691F76FB}"/>
-              </a:ext>
-            </a:extLst>
-          </p:cNvPr>
-          <p:cNvPicPr>
-            <a:picLocks noChangeAspect="1" noChangeArrowheads="1"/>
-          </p:cNvPicPr>
-          <p:nvPr/>
-        </p:nvPicPr>
-        <p:blipFill>
-          <a:blip r:embed="rId3">
-            <a:extLst>
-              <a:ext uri="{28A0092B-C50C-407E-A947-70E740481C1C}">
-                <a14:useLocalDpi xmlns:a14="http://schemas.microsoft.com/office/drawing/2010/main" val="0"/>
-              </a:ext>
-            </a:extLst>
-          </a:blip>
-          <a:srcRect/>
-          <a:stretch>
-            <a:fillRect/>
-          </a:stretch>
-        </p:blipFill>
-        <p:spPr bwMode="auto">
-          <a:xfrm>
-            <a:off x="2228001" y="3135455"/>
-            <a:ext cx="1000125" cy="1057275"/>
-          </a:xfrm>
-          <a:prstGeom prst="rect">
-            <a:avLst/>
-          </a:prstGeom>
-          <a:noFill/>
-          <a:extLst>
-            <a:ext uri="{909E8E84-426E-40DD-AFC4-6F175D3DCCD1}">
-              <a14:hiddenFill xmlns:a14="http://schemas.microsoft.com/office/drawing/2010/main">
-                <a:solidFill>
-                  <a:srgbClr val="FFFFFF"/>
-                </a:solidFill>
-              </a14:hiddenFill>
-            </a:ext>
-          </a:extLst>
-        </p:spPr>
-      </p:pic>
-      <p:sp>
-        <p:nvSpPr>
-          <p:cNvPr id="41" name="TextBox 40">
-            <a:extLst>
-              <a:ext uri="{FF2B5EF4-FFF2-40B4-BE49-F238E27FC236}">
-                <a16:creationId xmlns:a16="http://schemas.microsoft.com/office/drawing/2014/main" id="{DA101FC8-75D5-EF75-25D9-8DE437394722}"/>
-              </a:ext>
-            </a:extLst>
-          </p:cNvPr>
-          <p:cNvSpPr txBox="1"/>
-          <p:nvPr/>
-        </p:nvSpPr>
-        <p:spPr>
-          <a:xfrm>
-            <a:off x="2361719" y="4082136"/>
-            <a:ext cx="726481" cy="369332"/>
-          </a:xfrm>
-          <a:prstGeom prst="rect">
-            <a:avLst/>
-          </a:prstGeom>
-          <a:noFill/>
-        </p:spPr>
-        <p:txBody>
-          <a:bodyPr wrap="none" rtlCol="0">
-            <a:spAutoFit/>
-          </a:bodyPr>
-          <a:lstStyle/>
-          <a:p>
-            <a:pPr algn="ctr"/>
-            <a:r>
-              <a:rPr lang="en-US" dirty="0"/>
-              <a:t>LLMs</a:t>
-            </a:r>
-          </a:p>
-        </p:txBody>
-      </p:sp>
-      <p:sp>
-        <p:nvSpPr>
-          <p:cNvPr id="42" name="TextBox 41">
-            <a:extLst>
-              <a:ext uri="{FF2B5EF4-FFF2-40B4-BE49-F238E27FC236}">
-                <a16:creationId xmlns:a16="http://schemas.microsoft.com/office/drawing/2014/main" id="{53131ACE-C376-B9C7-C06C-B15BA7C5B729}"/>
-              </a:ext>
-            </a:extLst>
-          </p:cNvPr>
-          <p:cNvSpPr txBox="1"/>
-          <p:nvPr/>
-        </p:nvSpPr>
-        <p:spPr>
-          <a:xfrm>
-            <a:off x="1826127" y="2420233"/>
-            <a:ext cx="1797667" cy="830997"/>
-          </a:xfrm>
-          <a:prstGeom prst="rect">
-            <a:avLst/>
-          </a:prstGeom>
-          <a:noFill/>
-        </p:spPr>
-        <p:txBody>
-          <a:bodyPr wrap="square" rtlCol="0">
-            <a:spAutoFit/>
-          </a:bodyPr>
-          <a:lstStyle/>
-          <a:p>
-            <a:pPr algn="ctr"/>
-            <a:r>
-              <a:rPr lang="en-US" sz="1200" dirty="0"/>
-              <a:t>Trained on publicly available, non-private data up to a certain point in time.</a:t>
-            </a:r>
-          </a:p>
-        </p:txBody>
-      </p:sp>
-      <p:sp>
-        <p:nvSpPr>
-          <p:cNvPr id="5" name="TextBox 4">
-            <a:extLst>
-              <a:ext uri="{FF2B5EF4-FFF2-40B4-BE49-F238E27FC236}">
-                <a16:creationId xmlns:a16="http://schemas.microsoft.com/office/drawing/2014/main" id="{AE4BD591-5CB9-DB3B-5EBF-3A462715A6C1}"/>
-              </a:ext>
-            </a:extLst>
-          </p:cNvPr>
-          <p:cNvSpPr txBox="1"/>
-          <p:nvPr/>
-        </p:nvSpPr>
-        <p:spPr>
-          <a:xfrm>
-            <a:off x="3394178" y="3187038"/>
-            <a:ext cx="1574123" cy="954107"/>
-          </a:xfrm>
-          <a:prstGeom prst="rect">
-            <a:avLst/>
-          </a:prstGeom>
-          <a:noFill/>
-        </p:spPr>
-        <p:txBody>
-          <a:bodyPr wrap="square" rtlCol="0">
-            <a:spAutoFit/>
-          </a:bodyPr>
-          <a:lstStyle/>
-          <a:p>
-            <a:pPr algn="ctr"/>
-            <a:r>
-              <a:rPr lang="en-US" sz="1400" dirty="0"/>
-              <a:t>Customized prompt based on user's requests</a:t>
-            </a:r>
-          </a:p>
-        </p:txBody>
-      </p:sp>
-      <p:sp>
-        <p:nvSpPr>
-          <p:cNvPr id="6" name="TextBox 5">
-            <a:extLst>
-              <a:ext uri="{FF2B5EF4-FFF2-40B4-BE49-F238E27FC236}">
-                <a16:creationId xmlns:a16="http://schemas.microsoft.com/office/drawing/2014/main" id="{D3CA8E70-D8A4-C4E4-9D58-A898EE330326}"/>
-              </a:ext>
-            </a:extLst>
-          </p:cNvPr>
-          <p:cNvSpPr txBox="1"/>
-          <p:nvPr/>
-        </p:nvSpPr>
-        <p:spPr>
-          <a:xfrm>
-            <a:off x="3138473" y="3429000"/>
-            <a:ext cx="417592" cy="369332"/>
-          </a:xfrm>
-          <a:prstGeom prst="rect">
-            <a:avLst/>
-          </a:prstGeom>
-          <a:noFill/>
-        </p:spPr>
-        <p:txBody>
-          <a:bodyPr wrap="square" rtlCol="0">
-            <a:spAutoFit/>
-          </a:bodyPr>
-          <a:lstStyle/>
-          <a:p>
-            <a:pPr algn="ctr"/>
-            <a:r>
-              <a:rPr lang="en-US" dirty="0"/>
-              <a:t>+</a:t>
-            </a:r>
           </a:p>
         </p:txBody>
       </p:sp>
     </p:spTree>
     <p:extLst>
       <p:ext uri="{BB962C8B-B14F-4D97-AF65-F5344CB8AC3E}">
-        <p14:creationId xmlns:p14="http://schemas.microsoft.com/office/powerpoint/2010/main" val="3673693858"/>
+        <p14:creationId xmlns:p14="http://schemas.microsoft.com/office/powerpoint/2010/main" val="341329503"/>
       </p:ext>
     </p:extLst>
   </p:cSld>
@@ -24534,7 +25763,7 @@
 </p:sld>
 </file>
 
-<file path=ppt/slides/slide50.xml><?xml version="1.0" encoding="utf-8"?>
+<file path=ppt/slides/slide55.xml><?xml version="1.0" encoding="utf-8"?>
 <p:sld xmlns:a="http://schemas.openxmlformats.org/drawingml/2006/main" xmlns:r="http://schemas.openxmlformats.org/officeDocument/2006/relationships" xmlns:p="http://schemas.openxmlformats.org/presentationml/2006/main">
   <p:cSld>
     <p:spTree>
@@ -24556,7 +25785,7 @@
           <p:cNvPr id="2" name="Title 1">
             <a:extLst>
               <a:ext uri="{FF2B5EF4-FFF2-40B4-BE49-F238E27FC236}">
-                <a16:creationId xmlns:a16="http://schemas.microsoft.com/office/drawing/2014/main" id="{23A33FCC-F5BB-E720-E2A1-EF6117C06EB3}"/>
+                <a16:creationId xmlns:a16="http://schemas.microsoft.com/office/drawing/2014/main" id="{476F2AA8-3A23-5BA2-86F9-3ED7480E7BAE}"/>
               </a:ext>
             </a:extLst>
           </p:cNvPr>
@@ -24567,97 +25796,19 @@
             <p:ph type="title"/>
           </p:nvPr>
         </p:nvSpPr>
-        <p:spPr/>
+        <p:spPr>
+          <a:xfrm>
+            <a:off x="838200" y="365125"/>
+            <a:ext cx="10961875" cy="1325563"/>
+          </a:xfrm>
+        </p:spPr>
         <p:txBody>
           <a:bodyPr/>
           <a:lstStyle/>
           <a:p>
             <a:r>
               <a:rPr lang="en-US" dirty="0"/>
-              <a:t>Agent-based AI Chatbot</a:t>
-            </a:r>
-          </a:p>
-        </p:txBody>
-      </p:sp>
-      <p:sp>
-        <p:nvSpPr>
-          <p:cNvPr id="3" name="Text Placeholder 2">
-            <a:extLst>
-              <a:ext uri="{FF2B5EF4-FFF2-40B4-BE49-F238E27FC236}">
-                <a16:creationId xmlns:a16="http://schemas.microsoft.com/office/drawing/2014/main" id="{30E19318-BA72-E536-57CA-E5BD8F6AE0F0}"/>
-              </a:ext>
-            </a:extLst>
-          </p:cNvPr>
-          <p:cNvSpPr>
-            <a:spLocks noGrp="1"/>
-          </p:cNvSpPr>
-          <p:nvPr>
-            <p:ph type="body" idx="1"/>
-          </p:nvPr>
-        </p:nvSpPr>
-        <p:spPr/>
-        <p:txBody>
-          <a:bodyPr/>
-          <a:lstStyle/>
-          <a:p>
-            <a:endParaRPr lang="en-US"/>
-          </a:p>
-        </p:txBody>
-      </p:sp>
-    </p:spTree>
-    <p:extLst>
-      <p:ext uri="{BB962C8B-B14F-4D97-AF65-F5344CB8AC3E}">
-        <p14:creationId xmlns:p14="http://schemas.microsoft.com/office/powerpoint/2010/main" val="341329503"/>
-      </p:ext>
-    </p:extLst>
-  </p:cSld>
-  <p:clrMapOvr>
-    <a:masterClrMapping/>
-  </p:clrMapOvr>
-</p:sld>
-</file>
-
-<file path=ppt/slides/slide51.xml><?xml version="1.0" encoding="utf-8"?>
-<p:sld xmlns:a="http://schemas.openxmlformats.org/drawingml/2006/main" xmlns:r="http://schemas.openxmlformats.org/officeDocument/2006/relationships" xmlns:p="http://schemas.openxmlformats.org/presentationml/2006/main">
-  <p:cSld>
-    <p:spTree>
-      <p:nvGrpSpPr>
-        <p:cNvPr id="1" name=""/>
-        <p:cNvGrpSpPr/>
-        <p:nvPr/>
-      </p:nvGrpSpPr>
-      <p:grpSpPr>
-        <a:xfrm>
-          <a:off x="0" y="0"/>
-          <a:ext cx="0" cy="0"/>
-          <a:chOff x="0" y="0"/>
-          <a:chExt cx="0" cy="0"/>
-        </a:xfrm>
-      </p:grpSpPr>
-      <p:sp>
-        <p:nvSpPr>
-          <p:cNvPr id="2" name="Title 1">
-            <a:extLst>
-              <a:ext uri="{FF2B5EF4-FFF2-40B4-BE49-F238E27FC236}">
-                <a16:creationId xmlns:a16="http://schemas.microsoft.com/office/drawing/2014/main" id="{476F2AA8-3A23-5BA2-86F9-3ED7480E7BAE}"/>
-              </a:ext>
-            </a:extLst>
-          </p:cNvPr>
-          <p:cNvSpPr>
-            <a:spLocks noGrp="1"/>
-          </p:cNvSpPr>
-          <p:nvPr>
-            <p:ph type="title"/>
-          </p:nvPr>
-        </p:nvSpPr>
-        <p:spPr/>
-        <p:txBody>
-          <a:bodyPr/>
-          <a:lstStyle/>
-          <a:p>
-            <a:r>
-              <a:rPr lang="en-US" dirty="0"/>
-              <a:t>What are AI Chatbot limitations?</a:t>
+              <a:t>What are some other limitations of AI Chatbot ?</a:t>
             </a:r>
           </a:p>
         </p:txBody>
@@ -25204,7 +26355,7 @@
 </p:sld>
 </file>
 
-<file path=ppt/slides/slide52.xml><?xml version="1.0" encoding="utf-8"?>
+<file path=ppt/slides/slide56.xml><?xml version="1.0" encoding="utf-8"?>
 <p:sld xmlns:a="http://schemas.openxmlformats.org/drawingml/2006/main" xmlns:r="http://schemas.openxmlformats.org/officeDocument/2006/relationships" xmlns:p="http://schemas.openxmlformats.org/presentationml/2006/main">
   <p:cSld>
     <p:spTree>
@@ -25292,7 +26443,7 @@
 </p:sld>
 </file>
 
-<file path=ppt/slides/slide53.xml><?xml version="1.0" encoding="utf-8"?>
+<file path=ppt/slides/slide57.xml><?xml version="1.0" encoding="utf-8"?>
 <p:sld xmlns:a="http://schemas.openxmlformats.org/drawingml/2006/main" xmlns:r="http://schemas.openxmlformats.org/officeDocument/2006/relationships" xmlns:p="http://schemas.openxmlformats.org/presentationml/2006/main">
   <p:cSld>
     <p:spTree>
@@ -26237,7 +27388,7 @@
 </p:sld>
 </file>
 
-<file path=ppt/slides/slide54.xml><?xml version="1.0" encoding="utf-8"?>
+<file path=ppt/slides/slide58.xml><?xml version="1.0" encoding="utf-8"?>
 <p:sld xmlns:a="http://schemas.openxmlformats.org/drawingml/2006/main" xmlns:r="http://schemas.openxmlformats.org/officeDocument/2006/relationships" xmlns:p="http://schemas.openxmlformats.org/presentationml/2006/main">
   <p:cSld>
     <p:spTree>
@@ -26277,7 +27428,7 @@
           <a:p>
             <a:r>
               <a:rPr lang="en-US" dirty="0"/>
-              <a:t>AI Chatbot with Math problems</a:t>
+              <a:t>AI Chatbot with solving Math problems</a:t>
             </a:r>
           </a:p>
         </p:txBody>
@@ -26320,7 +27471,7 @@
 </p:sld>
 </file>
 
-<file path=ppt/slides/slide55.xml><?xml version="1.0" encoding="utf-8"?>
+<file path=ppt/slides/slide59.xml><?xml version="1.0" encoding="utf-8"?>
 <p:sld xmlns:a="http://schemas.openxmlformats.org/drawingml/2006/main" xmlns:r="http://schemas.openxmlformats.org/officeDocument/2006/relationships" xmlns:p="http://schemas.openxmlformats.org/presentationml/2006/main">
   <p:cSld>
     <p:spTree>
@@ -26408,7 +27559,137 @@
 </p:sld>
 </file>
 
-<file path=ppt/slides/slide56.xml><?xml version="1.0" encoding="utf-8"?>
+<file path=ppt/slides/slide6.xml><?xml version="1.0" encoding="utf-8"?>
+<p:sld xmlns:a="http://schemas.openxmlformats.org/drawingml/2006/main" xmlns:r="http://schemas.openxmlformats.org/officeDocument/2006/relationships" xmlns:p="http://schemas.openxmlformats.org/presentationml/2006/main">
+  <p:cSld>
+    <p:spTree>
+      <p:nvGrpSpPr>
+        <p:cNvPr id="1" name=""/>
+        <p:cNvGrpSpPr/>
+        <p:nvPr/>
+      </p:nvGrpSpPr>
+      <p:grpSpPr>
+        <a:xfrm>
+          <a:off x="0" y="0"/>
+          <a:ext cx="0" cy="0"/>
+          <a:chOff x="0" y="0"/>
+          <a:chExt cx="0" cy="0"/>
+        </a:xfrm>
+      </p:grpSpPr>
+      <p:sp>
+        <p:nvSpPr>
+          <p:cNvPr id="2" name="Title 1">
+            <a:extLst>
+              <a:ext uri="{FF2B5EF4-FFF2-40B4-BE49-F238E27FC236}">
+                <a16:creationId xmlns:a16="http://schemas.microsoft.com/office/drawing/2014/main" id="{19D30A30-3C2A-6298-3C31-22F1B15DD102}"/>
+              </a:ext>
+            </a:extLst>
+          </p:cNvPr>
+          <p:cNvSpPr>
+            <a:spLocks noGrp="1"/>
+          </p:cNvSpPr>
+          <p:nvPr>
+            <p:ph type="title"/>
+          </p:nvPr>
+        </p:nvSpPr>
+        <p:spPr/>
+        <p:txBody>
+          <a:bodyPr/>
+          <a:lstStyle/>
+          <a:p>
+            <a:r>
+              <a:rPr lang="en-US" dirty="0"/>
+              <a:t>Task-specific AI Assistant Apps</a:t>
+            </a:r>
+          </a:p>
+        </p:txBody>
+      </p:sp>
+      <p:sp>
+        <p:nvSpPr>
+          <p:cNvPr id="3" name="Content Placeholder 2">
+            <a:extLst>
+              <a:ext uri="{FF2B5EF4-FFF2-40B4-BE49-F238E27FC236}">
+                <a16:creationId xmlns:a16="http://schemas.microsoft.com/office/drawing/2014/main" id="{ED2E4A36-BC12-2685-1612-552842514F21}"/>
+              </a:ext>
+            </a:extLst>
+          </p:cNvPr>
+          <p:cNvSpPr>
+            <a:spLocks noGrp="1"/>
+          </p:cNvSpPr>
+          <p:nvPr>
+            <p:ph idx="1"/>
+          </p:nvPr>
+        </p:nvSpPr>
+        <p:spPr/>
+        <p:txBody>
+          <a:bodyPr>
+            <a:normAutofit/>
+          </a:bodyPr>
+          <a:lstStyle/>
+          <a:p>
+            <a:r>
+              <a:rPr lang="en-US" dirty="0"/>
+              <a:t> Culinary AI assistant</a:t>
+            </a:r>
+          </a:p>
+          <a:p>
+            <a:r>
+              <a:rPr lang="en-US" dirty="0"/>
+              <a:t> Marketing AI assistant</a:t>
+            </a:r>
+          </a:p>
+          <a:p>
+            <a:r>
+              <a:rPr lang="en-US" dirty="0"/>
+              <a:t> Customer AI assistant</a:t>
+            </a:r>
+          </a:p>
+          <a:p>
+            <a:r>
+              <a:rPr lang="en-US" dirty="0"/>
+              <a:t> SQL-querying AI assistant </a:t>
+            </a:r>
+          </a:p>
+          <a:p>
+            <a:r>
+              <a:rPr lang="en-US" dirty="0"/>
+              <a:t> Travel AI assistant</a:t>
+            </a:r>
+          </a:p>
+          <a:p>
+            <a:r>
+              <a:rPr lang="en-US" dirty="0"/>
+              <a:t> Summarization AI assistant</a:t>
+            </a:r>
+          </a:p>
+          <a:p>
+            <a:r>
+              <a:rPr lang="en-US" dirty="0"/>
+              <a:t> Interview AI assistant</a:t>
+            </a:r>
+          </a:p>
+          <a:p>
+            <a:r>
+              <a:rPr lang="en-US" dirty="0"/>
+              <a:t> …</a:t>
+            </a:r>
+          </a:p>
+        </p:txBody>
+      </p:sp>
+    </p:spTree>
+    <p:extLst>
+      <p:ext uri="{BB962C8B-B14F-4D97-AF65-F5344CB8AC3E}">
+        <p14:creationId xmlns:p14="http://schemas.microsoft.com/office/powerpoint/2010/main" val="1260663068"/>
+      </p:ext>
+    </p:extLst>
+  </p:cSld>
+  <p:clrMapOvr>
+    <a:masterClrMapping/>
+  </p:clrMapOvr>
+</p:sld>
+</file>
+
+<file path=ppt/slides/slide60.xml><?xml version="1.0" encoding="utf-8"?>
 <p:sld xmlns:a="http://schemas.openxmlformats.org/drawingml/2006/main" xmlns:r="http://schemas.openxmlformats.org/officeDocument/2006/relationships" xmlns:p="http://schemas.openxmlformats.org/presentationml/2006/main">
   <p:cSld>
     <p:spTree>
@@ -28408,7 +29689,7 @@
 </p:sld>
 </file>
 
-<file path=ppt/slides/slide57.xml><?xml version="1.0" encoding="utf-8"?>
+<file path=ppt/slides/slide61.xml><?xml version="1.0" encoding="utf-8"?>
 <p:sld xmlns:a="http://schemas.openxmlformats.org/drawingml/2006/main" xmlns:r="http://schemas.openxmlformats.org/officeDocument/2006/relationships" xmlns:p="http://schemas.openxmlformats.org/presentationml/2006/main">
   <p:cSld>
     <p:spTree>
@@ -28996,7 +30277,7 @@
 </p:sld>
 </file>
 
-<file path=ppt/slides/slide58.xml><?xml version="1.0" encoding="utf-8"?>
+<file path=ppt/slides/slide62.xml><?xml version="1.0" encoding="utf-8"?>
 <p:sld xmlns:a="http://schemas.openxmlformats.org/drawingml/2006/main" xmlns:r="http://schemas.openxmlformats.org/officeDocument/2006/relationships" xmlns:p="http://schemas.openxmlformats.org/presentationml/2006/main">
   <p:cSld>
     <p:spTree>
@@ -29084,7 +30365,7 @@
 </p:sld>
 </file>
 
-<file path=ppt/slides/slide59.xml><?xml version="1.0" encoding="utf-8"?>
+<file path=ppt/slides/slide63.xml><?xml version="1.0" encoding="utf-8"?>
 <p:sld xmlns:a="http://schemas.openxmlformats.org/drawingml/2006/main" xmlns:r="http://schemas.openxmlformats.org/officeDocument/2006/relationships" xmlns:p="http://schemas.openxmlformats.org/presentationml/2006/main">
   <p:cSld>
     <p:spTree>
@@ -30321,137 +31602,7 @@
 </p:sld>
 </file>
 
-<file path=ppt/slides/slide6.xml><?xml version="1.0" encoding="utf-8"?>
-<p:sld xmlns:a="http://schemas.openxmlformats.org/drawingml/2006/main" xmlns:r="http://schemas.openxmlformats.org/officeDocument/2006/relationships" xmlns:p="http://schemas.openxmlformats.org/presentationml/2006/main">
-  <p:cSld>
-    <p:spTree>
-      <p:nvGrpSpPr>
-        <p:cNvPr id="1" name=""/>
-        <p:cNvGrpSpPr/>
-        <p:nvPr/>
-      </p:nvGrpSpPr>
-      <p:grpSpPr>
-        <a:xfrm>
-          <a:off x="0" y="0"/>
-          <a:ext cx="0" cy="0"/>
-          <a:chOff x="0" y="0"/>
-          <a:chExt cx="0" cy="0"/>
-        </a:xfrm>
-      </p:grpSpPr>
-      <p:sp>
-        <p:nvSpPr>
-          <p:cNvPr id="2" name="Title 1">
-            <a:extLst>
-              <a:ext uri="{FF2B5EF4-FFF2-40B4-BE49-F238E27FC236}">
-                <a16:creationId xmlns:a16="http://schemas.microsoft.com/office/drawing/2014/main" id="{19D30A30-3C2A-6298-3C31-22F1B15DD102}"/>
-              </a:ext>
-            </a:extLst>
-          </p:cNvPr>
-          <p:cNvSpPr>
-            <a:spLocks noGrp="1"/>
-          </p:cNvSpPr>
-          <p:nvPr>
-            <p:ph type="title"/>
-          </p:nvPr>
-        </p:nvSpPr>
-        <p:spPr/>
-        <p:txBody>
-          <a:bodyPr/>
-          <a:lstStyle/>
-          <a:p>
-            <a:r>
-              <a:rPr lang="en-US" dirty="0"/>
-              <a:t>Task-specific AI Assistant Apps</a:t>
-            </a:r>
-          </a:p>
-        </p:txBody>
-      </p:sp>
-      <p:sp>
-        <p:nvSpPr>
-          <p:cNvPr id="3" name="Content Placeholder 2">
-            <a:extLst>
-              <a:ext uri="{FF2B5EF4-FFF2-40B4-BE49-F238E27FC236}">
-                <a16:creationId xmlns:a16="http://schemas.microsoft.com/office/drawing/2014/main" id="{ED2E4A36-BC12-2685-1612-552842514F21}"/>
-              </a:ext>
-            </a:extLst>
-          </p:cNvPr>
-          <p:cNvSpPr>
-            <a:spLocks noGrp="1"/>
-          </p:cNvSpPr>
-          <p:nvPr>
-            <p:ph idx="1"/>
-          </p:nvPr>
-        </p:nvSpPr>
-        <p:spPr/>
-        <p:txBody>
-          <a:bodyPr>
-            <a:normAutofit/>
-          </a:bodyPr>
-          <a:lstStyle/>
-          <a:p>
-            <a:r>
-              <a:rPr lang="en-US" dirty="0"/>
-              <a:t> Culinary AI assistant</a:t>
-            </a:r>
-          </a:p>
-          <a:p>
-            <a:r>
-              <a:rPr lang="en-US" dirty="0"/>
-              <a:t> Marketing AI assistant</a:t>
-            </a:r>
-          </a:p>
-          <a:p>
-            <a:r>
-              <a:rPr lang="en-US" dirty="0"/>
-              <a:t> Customer AI assistant</a:t>
-            </a:r>
-          </a:p>
-          <a:p>
-            <a:r>
-              <a:rPr lang="en-US" dirty="0"/>
-              <a:t> SQL-querying AI assistant </a:t>
-            </a:r>
-          </a:p>
-          <a:p>
-            <a:r>
-              <a:rPr lang="en-US" dirty="0"/>
-              <a:t> Travel AI assistant</a:t>
-            </a:r>
-          </a:p>
-          <a:p>
-            <a:r>
-              <a:rPr lang="en-US" dirty="0"/>
-              <a:t> Summarization AI assistant</a:t>
-            </a:r>
-          </a:p>
-          <a:p>
-            <a:r>
-              <a:rPr lang="en-US" dirty="0"/>
-              <a:t> Interview AI assistant</a:t>
-            </a:r>
-          </a:p>
-          <a:p>
-            <a:r>
-              <a:rPr lang="en-US" dirty="0"/>
-              <a:t> …</a:t>
-            </a:r>
-          </a:p>
-        </p:txBody>
-      </p:sp>
-    </p:spTree>
-    <p:extLst>
-      <p:ext uri="{BB962C8B-B14F-4D97-AF65-F5344CB8AC3E}">
-        <p14:creationId xmlns:p14="http://schemas.microsoft.com/office/powerpoint/2010/main" val="1260663068"/>
-      </p:ext>
-    </p:extLst>
-  </p:cSld>
-  <p:clrMapOvr>
-    <a:masterClrMapping/>
-  </p:clrMapOvr>
-</p:sld>
-</file>
-
-<file path=ppt/slides/slide60.xml><?xml version="1.0" encoding="utf-8"?>
+<file path=ppt/slides/slide64.xml><?xml version="1.0" encoding="utf-8"?>
 <p:sld xmlns:a="http://schemas.openxmlformats.org/drawingml/2006/main" xmlns:r="http://schemas.openxmlformats.org/officeDocument/2006/relationships" xmlns:p="http://schemas.openxmlformats.org/presentationml/2006/main">
   <p:cSld>
     <p:spTree>
@@ -30539,7 +31690,7 @@
 </p:sld>
 </file>
 
-<file path=ppt/slides/slide61.xml><?xml version="1.0" encoding="utf-8"?>
+<file path=ppt/slides/slide65.xml><?xml version="1.0" encoding="utf-8"?>
 <p:sld xmlns:a="http://schemas.openxmlformats.org/drawingml/2006/main" xmlns:r="http://schemas.openxmlformats.org/officeDocument/2006/relationships" xmlns:p="http://schemas.openxmlformats.org/presentationml/2006/main">
   <p:cSld>
     <p:spTree>
@@ -30622,7 +31773,7 @@
 </p:sld>
 </file>
 
-<file path=ppt/slides/slide62.xml><?xml version="1.0" encoding="utf-8"?>
+<file path=ppt/slides/slide66.xml><?xml version="1.0" encoding="utf-8"?>
 <p:sld xmlns:a="http://schemas.openxmlformats.org/drawingml/2006/main" xmlns:r="http://schemas.openxmlformats.org/officeDocument/2006/relationships" xmlns:p="http://schemas.openxmlformats.org/presentationml/2006/main">
   <p:cSld>
     <p:spTree>
@@ -30710,7 +31861,7 @@
 </p:sld>
 </file>
 
-<file path=ppt/slides/slide63.xml><?xml version="1.0" encoding="utf-8"?>
+<file path=ppt/slides/slide67.xml><?xml version="1.0" encoding="utf-8"?>
 <p:sld xmlns:a="http://schemas.openxmlformats.org/drawingml/2006/main" xmlns:r="http://schemas.openxmlformats.org/officeDocument/2006/relationships" xmlns:p="http://schemas.openxmlformats.org/presentationml/2006/main">
   <p:cSld>
     <p:spTree>
@@ -32891,7 +34042,7 @@
 </p:sld>
 </file>
 
-<file path=ppt/slides/slide64.xml><?xml version="1.0" encoding="utf-8"?>
+<file path=ppt/slides/slide68.xml><?xml version="1.0" encoding="utf-8"?>
 <p:sld xmlns:a="http://schemas.openxmlformats.org/drawingml/2006/main" xmlns:r="http://schemas.openxmlformats.org/officeDocument/2006/relationships" xmlns:p="http://schemas.openxmlformats.org/presentationml/2006/main">
   <p:cSld>
     <p:spTree>
@@ -32979,7 +34130,7 @@
 </p:sld>
 </file>
 
-<file path=ppt/slides/slide65.xml><?xml version="1.0" encoding="utf-8"?>
+<file path=ppt/slides/slide69.xml><?xml version="1.0" encoding="utf-8"?>
 <p:sld xmlns:a="http://schemas.openxmlformats.org/drawingml/2006/main" xmlns:r="http://schemas.openxmlformats.org/officeDocument/2006/relationships" xmlns:p="http://schemas.openxmlformats.org/presentationml/2006/main">
   <p:cSld>
     <p:spTree>
